--- a/EpidemiologyBigData/week_4_Mixed Models - Random Effetcs/EBP Mixed Models part 2 2020_student version.pptx
+++ b/EpidemiologyBigData/week_4_Mixed Models - Random Effetcs/EBP Mixed Models part 2 2020_student version.pptx
@@ -376,35 +376,35 @@
           <a:p>
             <a:pPr lvl="0"/>
             <a:r>
-              <a:rPr lang="en-GB" noProof="0" smtClean="0"/>
+              <a:rPr lang="en-GB" noProof="0"/>
               <a:t>Click to edit Master text styles</a:t>
             </a:r>
           </a:p>
           <a:p>
             <a:pPr lvl="1"/>
             <a:r>
-              <a:rPr lang="en-GB" noProof="0" smtClean="0"/>
+              <a:rPr lang="en-GB" noProof="0"/>
               <a:t>Second level</a:t>
             </a:r>
           </a:p>
           <a:p>
             <a:pPr lvl="2"/>
             <a:r>
-              <a:rPr lang="en-GB" noProof="0" smtClean="0"/>
+              <a:rPr lang="en-GB" noProof="0"/>
               <a:t>Third level</a:t>
             </a:r>
           </a:p>
           <a:p>
             <a:pPr lvl="3"/>
             <a:r>
-              <a:rPr lang="en-GB" noProof="0" smtClean="0"/>
+              <a:rPr lang="en-GB" noProof="0"/>
               <a:t>Fourth level</a:t>
             </a:r>
           </a:p>
           <a:p>
             <a:pPr lvl="4"/>
             <a:r>
-              <a:rPr lang="en-GB" noProof="0" smtClean="0"/>
+              <a:rPr lang="en-GB" noProof="0"/>
               <a:t>Fifth level</a:t>
             </a:r>
           </a:p>
@@ -593,10 +593,9 @@
           </a:lstStyle>
           <a:p>
             <a:r>
-              <a:rPr lang="nl-NL" dirty="0" smtClean="0"/>
+              <a:rPr lang="nl-NL" dirty="0"/>
               <a:t>Klik om de stijl te bewerken</a:t>
             </a:r>
-            <a:endParaRPr lang="nl-NL" dirty="0"/>
           </a:p>
         </p:txBody>
       </p:sp>
@@ -715,10 +714,9 @@
           </a:lstStyle>
           <a:p>
             <a:r>
-              <a:rPr lang="nl-NL" dirty="0" smtClean="0"/>
+              <a:rPr lang="nl-NL" dirty="0"/>
               <a:t>Klik om de ondertitelstijl van het model te bewerken</a:t>
             </a:r>
-            <a:endParaRPr lang="nl-NL" dirty="0"/>
           </a:p>
         </p:txBody>
       </p:sp>
@@ -820,10 +818,9 @@
           <a:lstStyle/>
           <a:p>
             <a:r>
-              <a:rPr lang="en-US" smtClean="0"/>
+              <a:rPr lang="en-US"/>
               <a:t>Click to edit Master title style</a:t>
             </a:r>
-            <a:endParaRPr lang="en-US"/>
           </a:p>
         </p:txBody>
       </p:sp>
@@ -852,38 +849,37 @@
           <a:p>
             <a:pPr lvl="0"/>
             <a:r>
-              <a:rPr lang="en-US" smtClean="0"/>
+              <a:rPr lang="en-US"/>
               <a:t>Click to edit Master text styles</a:t>
             </a:r>
           </a:p>
           <a:p>
             <a:pPr lvl="1"/>
             <a:r>
-              <a:rPr lang="en-US" smtClean="0"/>
+              <a:rPr lang="en-US"/>
               <a:t>Second level</a:t>
             </a:r>
           </a:p>
           <a:p>
             <a:pPr lvl="2"/>
             <a:r>
-              <a:rPr lang="en-US" smtClean="0"/>
+              <a:rPr lang="en-US"/>
               <a:t>Third level</a:t>
             </a:r>
           </a:p>
           <a:p>
             <a:pPr lvl="3"/>
             <a:r>
-              <a:rPr lang="en-US" smtClean="0"/>
+              <a:rPr lang="en-US"/>
               <a:t>Fourth level</a:t>
             </a:r>
           </a:p>
           <a:p>
             <a:pPr lvl="4"/>
             <a:r>
-              <a:rPr lang="en-US" smtClean="0"/>
+              <a:rPr lang="en-US"/>
               <a:t>Fifth level</a:t>
             </a:r>
-            <a:endParaRPr lang="en-US"/>
           </a:p>
         </p:txBody>
       </p:sp>
@@ -912,38 +908,37 @@
           <a:p>
             <a:pPr lvl="0"/>
             <a:r>
-              <a:rPr lang="en-US" smtClean="0"/>
+              <a:rPr lang="en-US"/>
               <a:t>Click to edit Master text styles</a:t>
             </a:r>
           </a:p>
           <a:p>
             <a:pPr lvl="1"/>
             <a:r>
-              <a:rPr lang="en-US" smtClean="0"/>
+              <a:rPr lang="en-US"/>
               <a:t>Second level</a:t>
             </a:r>
           </a:p>
           <a:p>
             <a:pPr lvl="2"/>
             <a:r>
-              <a:rPr lang="en-US" smtClean="0"/>
+              <a:rPr lang="en-US"/>
               <a:t>Third level</a:t>
             </a:r>
           </a:p>
           <a:p>
             <a:pPr lvl="3"/>
             <a:r>
-              <a:rPr lang="en-US" smtClean="0"/>
+              <a:rPr lang="en-US"/>
               <a:t>Fourth level</a:t>
             </a:r>
           </a:p>
           <a:p>
             <a:pPr lvl="4"/>
             <a:r>
-              <a:rPr lang="en-US" smtClean="0"/>
+              <a:rPr lang="en-US"/>
               <a:t>Fifth level</a:t>
             </a:r>
-            <a:endParaRPr lang="en-US"/>
           </a:p>
         </p:txBody>
       </p:sp>
@@ -1007,10 +1002,9 @@
           </a:lstStyle>
           <a:p>
             <a:r>
-              <a:rPr lang="nl-NL" dirty="0" smtClean="0"/>
+              <a:rPr lang="nl-NL" dirty="0"/>
               <a:t>Klik om de stijl te bewerken</a:t>
             </a:r>
-            <a:endParaRPr lang="nl-NL" dirty="0"/>
           </a:p>
         </p:txBody>
       </p:sp>
@@ -1091,28 +1085,28 @@
           <a:p>
             <a:pPr lvl="0"/>
             <a:r>
-              <a:rPr lang="nl-NL" dirty="0" smtClean="0"/>
+              <a:rPr lang="nl-NL" dirty="0"/>
               <a:t>Klik om de modelstijlen te bewerken</a:t>
             </a:r>
           </a:p>
           <a:p>
             <a:pPr lvl="1"/>
             <a:r>
-              <a:rPr lang="nl-NL" dirty="0" smtClean="0"/>
+              <a:rPr lang="nl-NL" dirty="0"/>
               <a:t>Tweede niveau</a:t>
             </a:r>
           </a:p>
           <a:p>
             <a:pPr lvl="2"/>
             <a:r>
-              <a:rPr lang="nl-NL" dirty="0" smtClean="0"/>
+              <a:rPr lang="nl-NL" dirty="0"/>
               <a:t>Derde niveau</a:t>
             </a:r>
           </a:p>
           <a:p>
             <a:pPr lvl="3"/>
             <a:r>
-              <a:rPr lang="nl-NL" dirty="0" smtClean="0"/>
+              <a:rPr lang="nl-NL" dirty="0"/>
               <a:t>Vierde niveau</a:t>
             </a:r>
           </a:p>
@@ -1221,7 +1215,7 @@
           </a:lstStyle>
           <a:p>
             <a:r>
-              <a:rPr lang="nl-NL" smtClean="0"/>
+              <a:rPr lang="nl-NL"/>
               <a:t>Klik om de stijl te bewerken</a:t>
             </a:r>
             <a:endParaRPr lang="nl-NL" dirty="0"/>
@@ -1305,28 +1299,28 @@
           <a:p>
             <a:pPr lvl="0"/>
             <a:r>
-              <a:rPr lang="nl-NL" dirty="0" smtClean="0"/>
+              <a:rPr lang="nl-NL" dirty="0"/>
               <a:t>Klik om de modelstijlen te bewerken</a:t>
             </a:r>
           </a:p>
           <a:p>
             <a:pPr lvl="1"/>
             <a:r>
-              <a:rPr lang="nl-NL" dirty="0" smtClean="0"/>
+              <a:rPr lang="nl-NL" dirty="0"/>
               <a:t>Tweede niveau</a:t>
             </a:r>
           </a:p>
           <a:p>
             <a:pPr lvl="2"/>
             <a:r>
-              <a:rPr lang="nl-NL" dirty="0" smtClean="0"/>
+              <a:rPr lang="nl-NL" dirty="0"/>
               <a:t>Derde niveau</a:t>
             </a:r>
           </a:p>
           <a:p>
             <a:pPr lvl="3"/>
             <a:r>
-              <a:rPr lang="nl-NL" dirty="0" smtClean="0"/>
+              <a:rPr lang="nl-NL" dirty="0"/>
               <a:t>Vierde niveau</a:t>
             </a:r>
           </a:p>
@@ -1472,7 +1466,7 @@
           </a:lstStyle>
           <a:p>
             <a:r>
-              <a:rPr lang="nl-NL" smtClean="0"/>
+              <a:rPr lang="nl-NL"/>
               <a:t>Klik om de stijl te bewerken</a:t>
             </a:r>
             <a:endParaRPr lang="nl-NL" dirty="0"/>
@@ -1556,28 +1550,28 @@
           <a:p>
             <a:pPr lvl="0"/>
             <a:r>
-              <a:rPr lang="nl-NL" dirty="0" smtClean="0"/>
+              <a:rPr lang="nl-NL" dirty="0"/>
               <a:t>Klik om de modelstijlen te bewerken</a:t>
             </a:r>
           </a:p>
           <a:p>
             <a:pPr lvl="1"/>
             <a:r>
-              <a:rPr lang="nl-NL" dirty="0" smtClean="0"/>
+              <a:rPr lang="nl-NL" dirty="0"/>
               <a:t>Tweede niveau</a:t>
             </a:r>
           </a:p>
           <a:p>
             <a:pPr lvl="2"/>
             <a:r>
-              <a:rPr lang="nl-NL" dirty="0" smtClean="0"/>
+              <a:rPr lang="nl-NL" dirty="0"/>
               <a:t>Derde niveau</a:t>
             </a:r>
           </a:p>
           <a:p>
             <a:pPr lvl="3"/>
             <a:r>
-              <a:rPr lang="nl-NL" dirty="0" smtClean="0"/>
+              <a:rPr lang="nl-NL" dirty="0"/>
               <a:t>Vierde niveau</a:t>
             </a:r>
           </a:p>
@@ -1723,7 +1717,7 @@
           </a:lstStyle>
           <a:p>
             <a:r>
-              <a:rPr lang="nl-NL" smtClean="0"/>
+              <a:rPr lang="nl-NL"/>
               <a:t>Klik om de stijl te bewerken</a:t>
             </a:r>
             <a:endParaRPr lang="nl-NL" dirty="0"/>
@@ -1807,28 +1801,28 @@
           <a:p>
             <a:pPr lvl="0"/>
             <a:r>
-              <a:rPr lang="nl-NL" dirty="0" smtClean="0"/>
+              <a:rPr lang="nl-NL" dirty="0"/>
               <a:t>Klik om de modelstijlen te bewerken</a:t>
             </a:r>
           </a:p>
           <a:p>
             <a:pPr lvl="1"/>
             <a:r>
-              <a:rPr lang="nl-NL" dirty="0" smtClean="0"/>
+              <a:rPr lang="nl-NL" dirty="0"/>
               <a:t>Tweede niveau</a:t>
             </a:r>
           </a:p>
           <a:p>
             <a:pPr lvl="2"/>
             <a:r>
-              <a:rPr lang="nl-NL" dirty="0" smtClean="0"/>
+              <a:rPr lang="nl-NL" dirty="0"/>
               <a:t>Derde niveau</a:t>
             </a:r>
           </a:p>
           <a:p>
             <a:pPr lvl="3"/>
             <a:r>
-              <a:rPr lang="nl-NL" dirty="0" smtClean="0"/>
+              <a:rPr lang="nl-NL" dirty="0"/>
               <a:t>Vierde niveau</a:t>
             </a:r>
           </a:p>
@@ -2011,10 +2005,9 @@
           </a:lstStyle>
           <a:p>
             <a:r>
-              <a:rPr lang="nl-NL" dirty="0" smtClean="0"/>
+              <a:rPr lang="nl-NL" dirty="0"/>
               <a:t>Klik om de stijl te bewerken</a:t>
             </a:r>
-            <a:endParaRPr lang="nl-NL" dirty="0"/>
           </a:p>
         </p:txBody>
       </p:sp>
@@ -2097,7 +2090,7 @@
           <a:p>
             <a:pPr lvl="0"/>
             <a:r>
-              <a:rPr lang="nl-NL" dirty="0" smtClean="0"/>
+              <a:rPr lang="nl-NL" dirty="0"/>
               <a:t>Klik om de modelstijlen te bewerken</a:t>
             </a:r>
           </a:p>
@@ -2206,10 +2199,9 @@
           </a:lstStyle>
           <a:p>
             <a:r>
-              <a:rPr lang="nl-NL" dirty="0" smtClean="0"/>
+              <a:rPr lang="nl-NL" dirty="0"/>
               <a:t>Klik om de stijl te bewerken</a:t>
             </a:r>
-            <a:endParaRPr lang="nl-NL" dirty="0"/>
           </a:p>
         </p:txBody>
       </p:sp>
@@ -2292,7 +2284,7 @@
           <a:p>
             <a:pPr lvl="0"/>
             <a:r>
-              <a:rPr lang="nl-NL" dirty="0" smtClean="0"/>
+              <a:rPr lang="nl-NL" dirty="0"/>
               <a:t>Klik om de modelstijlen te bewerken</a:t>
             </a:r>
           </a:p>
@@ -2375,28 +2367,28 @@
           <a:p>
             <a:pPr lvl="0"/>
             <a:r>
-              <a:rPr lang="nl-NL" dirty="0" smtClean="0"/>
+              <a:rPr lang="nl-NL" dirty="0"/>
               <a:t>Klik om de modelstijlen te bewerken</a:t>
             </a:r>
           </a:p>
           <a:p>
             <a:pPr lvl="1"/>
             <a:r>
-              <a:rPr lang="nl-NL" dirty="0" smtClean="0"/>
+              <a:rPr lang="nl-NL" dirty="0"/>
               <a:t>Tweede niveau</a:t>
             </a:r>
           </a:p>
           <a:p>
             <a:pPr lvl="2"/>
             <a:r>
-              <a:rPr lang="nl-NL" dirty="0" smtClean="0"/>
+              <a:rPr lang="nl-NL" dirty="0"/>
               <a:t>Derde niveau</a:t>
             </a:r>
           </a:p>
           <a:p>
             <a:pPr lvl="3"/>
             <a:r>
-              <a:rPr lang="nl-NL" dirty="0" smtClean="0"/>
+              <a:rPr lang="nl-NL" dirty="0"/>
               <a:t>Vierde niveau</a:t>
             </a:r>
           </a:p>
@@ -2505,10 +2497,9 @@
           </a:lstStyle>
           <a:p>
             <a:r>
-              <a:rPr lang="nl-NL" dirty="0" smtClean="0"/>
+              <a:rPr lang="nl-NL" dirty="0"/>
               <a:t>Klik om de stijl te bewerken</a:t>
             </a:r>
-            <a:endParaRPr lang="nl-NL" dirty="0"/>
           </a:p>
         </p:txBody>
       </p:sp>
@@ -2591,7 +2582,7 @@
           <a:p>
             <a:pPr lvl="0"/>
             <a:r>
-              <a:rPr lang="nl-NL" dirty="0" smtClean="0"/>
+              <a:rPr lang="nl-NL" dirty="0"/>
               <a:t>Klik om de modelstijlen te bewerken</a:t>
             </a:r>
           </a:p>
@@ -2674,28 +2665,28 @@
           <a:p>
             <a:pPr lvl="0"/>
             <a:r>
-              <a:rPr lang="nl-NL" dirty="0" smtClean="0"/>
+              <a:rPr lang="nl-NL" dirty="0"/>
               <a:t>Klik om de modelstijlen te bewerken</a:t>
             </a:r>
           </a:p>
           <a:p>
             <a:pPr lvl="1"/>
             <a:r>
-              <a:rPr lang="nl-NL" dirty="0" smtClean="0"/>
+              <a:rPr lang="nl-NL" dirty="0"/>
               <a:t>Tweede niveau</a:t>
             </a:r>
           </a:p>
           <a:p>
             <a:pPr lvl="2"/>
             <a:r>
-              <a:rPr lang="nl-NL" dirty="0" smtClean="0"/>
+              <a:rPr lang="nl-NL" dirty="0"/>
               <a:t>Derde niveau</a:t>
             </a:r>
           </a:p>
           <a:p>
             <a:pPr lvl="3"/>
             <a:r>
-              <a:rPr lang="nl-NL" dirty="0" smtClean="0"/>
+              <a:rPr lang="nl-NL" dirty="0"/>
               <a:t>Vierde niveau</a:t>
             </a:r>
           </a:p>
@@ -2804,10 +2795,9 @@
           </a:lstStyle>
           <a:p>
             <a:r>
-              <a:rPr lang="nl-NL" dirty="0" smtClean="0"/>
+              <a:rPr lang="nl-NL" dirty="0"/>
               <a:t>Klik om de stijl te bewerken</a:t>
             </a:r>
-            <a:endParaRPr lang="nl-NL" dirty="0"/>
           </a:p>
         </p:txBody>
       </p:sp>
@@ -2890,7 +2880,7 @@
           <a:p>
             <a:pPr lvl="0"/>
             <a:r>
-              <a:rPr lang="nl-NL" dirty="0" smtClean="0"/>
+              <a:rPr lang="nl-NL" dirty="0"/>
               <a:t>Klik om de modelstijlen te bewerken</a:t>
             </a:r>
           </a:p>
@@ -2973,28 +2963,28 @@
           <a:p>
             <a:pPr lvl="0"/>
             <a:r>
-              <a:rPr lang="nl-NL" dirty="0" smtClean="0"/>
+              <a:rPr lang="nl-NL" dirty="0"/>
               <a:t>Klik om de modelstijlen te bewerken</a:t>
             </a:r>
           </a:p>
           <a:p>
             <a:pPr lvl="1"/>
             <a:r>
-              <a:rPr lang="nl-NL" dirty="0" smtClean="0"/>
+              <a:rPr lang="nl-NL" dirty="0"/>
               <a:t>Tweede niveau</a:t>
             </a:r>
           </a:p>
           <a:p>
             <a:pPr lvl="2"/>
             <a:r>
-              <a:rPr lang="nl-NL" dirty="0" smtClean="0"/>
+              <a:rPr lang="nl-NL" dirty="0"/>
               <a:t>Derde niveau</a:t>
             </a:r>
           </a:p>
           <a:p>
             <a:pPr lvl="3"/>
             <a:r>
-              <a:rPr lang="nl-NL" dirty="0" smtClean="0"/>
+              <a:rPr lang="nl-NL" dirty="0"/>
               <a:t>Vierde niveau</a:t>
             </a:r>
           </a:p>
@@ -3140,10 +3130,9 @@
           </a:lstStyle>
           <a:p>
             <a:r>
-              <a:rPr lang="nl-NL" dirty="0" smtClean="0"/>
+              <a:rPr lang="nl-NL" dirty="0"/>
               <a:t>Klik om de stijl te bewerken</a:t>
             </a:r>
-            <a:endParaRPr lang="nl-NL" dirty="0"/>
           </a:p>
         </p:txBody>
       </p:sp>
@@ -3226,7 +3215,7 @@
           <a:p>
             <a:pPr lvl="0"/>
             <a:r>
-              <a:rPr lang="nl-NL" dirty="0" smtClean="0"/>
+              <a:rPr lang="nl-NL" dirty="0"/>
               <a:t>Klik om de modelstijlen te bewerken</a:t>
             </a:r>
           </a:p>
@@ -3402,10 +3391,9 @@
           </a:lstStyle>
           <a:p>
             <a:r>
-              <a:rPr lang="nl-NL" dirty="0" smtClean="0"/>
+              <a:rPr lang="nl-NL" dirty="0"/>
               <a:t>Klik om de stijl te bewerken</a:t>
             </a:r>
-            <a:endParaRPr lang="nl-NL" dirty="0"/>
           </a:p>
         </p:txBody>
       </p:sp>
@@ -3488,7 +3476,7 @@
           <a:p>
             <a:pPr lvl="0"/>
             <a:r>
-              <a:rPr lang="nl-NL" dirty="0" smtClean="0"/>
+              <a:rPr lang="nl-NL" dirty="0"/>
               <a:t>Klik om de modelstijlen te bewerken</a:t>
             </a:r>
           </a:p>
@@ -3584,13 +3572,6 @@
   <p:clrMapOvr>
     <a:masterClrMapping/>
   </p:clrMapOvr>
-  <p:timing>
-    <p:tnLst>
-      <p:par>
-        <p:cTn id="1" dur="indefinite" restart="never" nodeType="tmRoot"/>
-      </p:par>
-    </p:tnLst>
-  </p:timing>
 </p:sldLayout>
 </file>
 
@@ -3641,10 +3622,9 @@
           </a:lstStyle>
           <a:p>
             <a:r>
-              <a:rPr lang="nl-NL" dirty="0" smtClean="0"/>
+              <a:rPr lang="nl-NL" dirty="0"/>
               <a:t>Klik om de stijl te bewerken</a:t>
             </a:r>
-            <a:endParaRPr lang="nl-NL" dirty="0"/>
           </a:p>
         </p:txBody>
       </p:sp>
@@ -3727,7 +3707,7 @@
           <a:p>
             <a:pPr lvl="0"/>
             <a:r>
-              <a:rPr lang="nl-NL" dirty="0" smtClean="0"/>
+              <a:rPr lang="nl-NL" dirty="0"/>
               <a:t>Klik om de modelstijlen te bewerken</a:t>
             </a:r>
           </a:p>
@@ -3823,13 +3803,6 @@
   <p:clrMapOvr>
     <a:masterClrMapping/>
   </p:clrMapOvr>
-  <p:timing>
-    <p:tnLst>
-      <p:par>
-        <p:cTn id="1" dur="indefinite" restart="never" nodeType="tmRoot"/>
-      </p:par>
-    </p:tnLst>
-  </p:timing>
 </p:sldLayout>
 </file>
 
@@ -3880,10 +3853,9 @@
           </a:lstStyle>
           <a:p>
             <a:r>
-              <a:rPr lang="nl-NL" dirty="0" smtClean="0"/>
+              <a:rPr lang="nl-NL" dirty="0"/>
               <a:t>Klik om de stijl te bewerken</a:t>
             </a:r>
-            <a:endParaRPr lang="nl-NL" dirty="0"/>
           </a:p>
         </p:txBody>
       </p:sp>
@@ -3966,7 +3938,7 @@
           <a:p>
             <a:pPr lvl="0"/>
             <a:r>
-              <a:rPr lang="nl-NL" dirty="0" smtClean="0"/>
+              <a:rPr lang="nl-NL" dirty="0"/>
               <a:t>Klik om de modelstijlen te bewerken</a:t>
             </a:r>
           </a:p>
@@ -4065,13 +4037,6 @@
   <p:clrMapOvr>
     <a:masterClrMapping/>
   </p:clrMapOvr>
-  <p:timing>
-    <p:tnLst>
-      <p:par>
-        <p:cTn id="1" dur="indefinite" restart="never" nodeType="tmRoot"/>
-      </p:par>
-    </p:tnLst>
-  </p:timing>
 </p:sldLayout>
 </file>
 
@@ -4122,10 +4087,9 @@
           </a:lstStyle>
           <a:p>
             <a:r>
-              <a:rPr lang="nl-NL" dirty="0" smtClean="0"/>
+              <a:rPr lang="nl-NL" dirty="0"/>
               <a:t>Klik om de stijl te bewerken</a:t>
             </a:r>
-            <a:endParaRPr lang="nl-NL" dirty="0"/>
           </a:p>
         </p:txBody>
       </p:sp>
@@ -4208,7 +4172,7 @@
           <a:p>
             <a:pPr lvl="0"/>
             <a:r>
-              <a:rPr lang="nl-NL" dirty="0" smtClean="0"/>
+              <a:rPr lang="nl-NL" dirty="0"/>
               <a:t>Klik om de modelstijlen te bewerken</a:t>
             </a:r>
           </a:p>
@@ -4344,13 +4308,6 @@
   <p:clrMapOvr>
     <a:masterClrMapping/>
   </p:clrMapOvr>
-  <p:timing>
-    <p:tnLst>
-      <p:par>
-        <p:cTn id="1" dur="indefinite" restart="never" nodeType="tmRoot"/>
-      </p:par>
-    </p:tnLst>
-  </p:timing>
 </p:sldLayout>
 </file>
 
@@ -4401,7 +4358,7 @@
           </a:lstStyle>
           <a:p>
             <a:r>
-              <a:rPr lang="nl-NL" smtClean="0"/>
+              <a:rPr lang="nl-NL"/>
               <a:t>Klik om de stijl te bewerken</a:t>
             </a:r>
             <a:endParaRPr lang="nl-NL" dirty="0"/>
@@ -4485,28 +4442,28 @@
           <a:p>
             <a:pPr lvl="0"/>
             <a:r>
-              <a:rPr lang="nl-NL" dirty="0" smtClean="0"/>
+              <a:rPr lang="nl-NL" dirty="0"/>
               <a:t>Klik om de modelstijlen te bewerken</a:t>
             </a:r>
           </a:p>
           <a:p>
             <a:pPr lvl="1"/>
             <a:r>
-              <a:rPr lang="nl-NL" dirty="0" smtClean="0"/>
+              <a:rPr lang="nl-NL" dirty="0"/>
               <a:t>Tweede niveau</a:t>
             </a:r>
           </a:p>
           <a:p>
             <a:pPr lvl="2"/>
             <a:r>
-              <a:rPr lang="nl-NL" dirty="0" smtClean="0"/>
+              <a:rPr lang="nl-NL" dirty="0"/>
               <a:t>Derde niveau</a:t>
             </a:r>
           </a:p>
           <a:p>
             <a:pPr lvl="3"/>
             <a:r>
-              <a:rPr lang="nl-NL" dirty="0" smtClean="0"/>
+              <a:rPr lang="nl-NL" dirty="0"/>
               <a:t>Vierde niveau</a:t>
             </a:r>
           </a:p>
@@ -4589,28 +4546,28 @@
           <a:p>
             <a:pPr lvl="0"/>
             <a:r>
-              <a:rPr lang="nl-NL" dirty="0" smtClean="0"/>
+              <a:rPr lang="nl-NL" dirty="0"/>
               <a:t>Klik om de modelstijlen te bewerken</a:t>
             </a:r>
           </a:p>
           <a:p>
             <a:pPr lvl="1"/>
             <a:r>
-              <a:rPr lang="nl-NL" dirty="0" smtClean="0"/>
+              <a:rPr lang="nl-NL" dirty="0"/>
               <a:t>Tweede niveau</a:t>
             </a:r>
           </a:p>
           <a:p>
             <a:pPr lvl="2"/>
             <a:r>
-              <a:rPr lang="nl-NL" dirty="0" smtClean="0"/>
+              <a:rPr lang="nl-NL" dirty="0"/>
               <a:t>Derde niveau</a:t>
             </a:r>
           </a:p>
           <a:p>
             <a:pPr lvl="3"/>
             <a:r>
-              <a:rPr lang="nl-NL" dirty="0" smtClean="0"/>
+              <a:rPr lang="nl-NL" dirty="0"/>
               <a:t>Vierde niveau</a:t>
             </a:r>
           </a:p>
@@ -4669,13 +4626,6 @@
   <p:clrMapOvr>
     <a:masterClrMapping/>
   </p:clrMapOvr>
-  <p:timing>
-    <p:tnLst>
-      <p:par>
-        <p:cTn id="1" dur="indefinite" restart="never" nodeType="tmRoot"/>
-      </p:par>
-    </p:tnLst>
-  </p:timing>
 </p:sldLayout>
 </file>
 
@@ -4726,7 +4676,7 @@
           </a:lstStyle>
           <a:p>
             <a:r>
-              <a:rPr lang="nl-NL" smtClean="0"/>
+              <a:rPr lang="nl-NL"/>
               <a:t>Klik om de stijl te bewerken</a:t>
             </a:r>
             <a:endParaRPr lang="nl-NL" dirty="0"/>
@@ -4810,28 +4760,28 @@
           <a:p>
             <a:pPr lvl="0"/>
             <a:r>
-              <a:rPr lang="nl-NL" dirty="0" smtClean="0"/>
+              <a:rPr lang="nl-NL" dirty="0"/>
               <a:t>Klik om de modelstijlen te bewerken</a:t>
             </a:r>
           </a:p>
           <a:p>
             <a:pPr lvl="1"/>
             <a:r>
-              <a:rPr lang="nl-NL" dirty="0" smtClean="0"/>
+              <a:rPr lang="nl-NL" dirty="0"/>
               <a:t>Tweede niveau</a:t>
             </a:r>
           </a:p>
           <a:p>
             <a:pPr lvl="2"/>
             <a:r>
-              <a:rPr lang="nl-NL" dirty="0" smtClean="0"/>
+              <a:rPr lang="nl-NL" dirty="0"/>
               <a:t>Derde niveau</a:t>
             </a:r>
           </a:p>
           <a:p>
             <a:pPr lvl="3"/>
             <a:r>
-              <a:rPr lang="nl-NL" dirty="0" smtClean="0"/>
+              <a:rPr lang="nl-NL" dirty="0"/>
               <a:t>Vierde niveau</a:t>
             </a:r>
           </a:p>
@@ -4994,28 +4944,28 @@
           <a:p>
             <a:pPr lvl="0"/>
             <a:r>
-              <a:rPr lang="nl-NL" dirty="0" smtClean="0"/>
+              <a:rPr lang="nl-NL" dirty="0"/>
               <a:t>Klik om de modelstijlen te bewerken</a:t>
             </a:r>
           </a:p>
           <a:p>
             <a:pPr lvl="1"/>
             <a:r>
-              <a:rPr lang="nl-NL" dirty="0" smtClean="0"/>
+              <a:rPr lang="nl-NL" dirty="0"/>
               <a:t>Tweede niveau</a:t>
             </a:r>
           </a:p>
           <a:p>
             <a:pPr lvl="2"/>
             <a:r>
-              <a:rPr lang="nl-NL" dirty="0" smtClean="0"/>
+              <a:rPr lang="nl-NL" dirty="0"/>
               <a:t>Derde niveau</a:t>
             </a:r>
           </a:p>
           <a:p>
             <a:pPr lvl="3"/>
             <a:r>
-              <a:rPr lang="nl-NL" dirty="0" smtClean="0"/>
+              <a:rPr lang="nl-NL" dirty="0"/>
               <a:t>Vierde niveau</a:t>
             </a:r>
           </a:p>
@@ -5031,13 +4981,6 @@
   <p:clrMapOvr>
     <a:masterClrMapping/>
   </p:clrMapOvr>
-  <p:timing>
-    <p:tnLst>
-      <p:par>
-        <p:cTn id="1" dur="indefinite" restart="never" nodeType="tmRoot"/>
-      </p:par>
-    </p:tnLst>
-  </p:timing>
 </p:sldLayout>
 </file>
 
@@ -5088,7 +5031,7 @@
           </a:lstStyle>
           <a:p>
             <a:r>
-              <a:rPr lang="nl-NL" smtClean="0"/>
+              <a:rPr lang="nl-NL"/>
               <a:t>Klik om de stijl te bewerken</a:t>
             </a:r>
             <a:endParaRPr lang="nl-NL" dirty="0"/>
@@ -5172,28 +5115,28 @@
           <a:p>
             <a:pPr lvl="0"/>
             <a:r>
-              <a:rPr lang="nl-NL" dirty="0" smtClean="0"/>
+              <a:rPr lang="nl-NL" dirty="0"/>
               <a:t>Klik om de modelstijlen te bewerken</a:t>
             </a:r>
           </a:p>
           <a:p>
             <a:pPr lvl="1"/>
             <a:r>
-              <a:rPr lang="nl-NL" dirty="0" smtClean="0"/>
+              <a:rPr lang="nl-NL" dirty="0"/>
               <a:t>Tweede niveau</a:t>
             </a:r>
           </a:p>
           <a:p>
             <a:pPr lvl="2"/>
             <a:r>
-              <a:rPr lang="nl-NL" dirty="0" smtClean="0"/>
+              <a:rPr lang="nl-NL" dirty="0"/>
               <a:t>Derde niveau</a:t>
             </a:r>
           </a:p>
           <a:p>
             <a:pPr lvl="3"/>
             <a:r>
-              <a:rPr lang="nl-NL" dirty="0" smtClean="0"/>
+              <a:rPr lang="nl-NL" dirty="0"/>
               <a:t>Vierde niveau</a:t>
             </a:r>
           </a:p>
@@ -5356,28 +5299,28 @@
           <a:p>
             <a:pPr lvl="0"/>
             <a:r>
-              <a:rPr lang="nl-NL" dirty="0" smtClean="0"/>
+              <a:rPr lang="nl-NL" dirty="0"/>
               <a:t>Klik om de modelstijlen te bewerken</a:t>
             </a:r>
           </a:p>
           <a:p>
             <a:pPr lvl="1"/>
             <a:r>
-              <a:rPr lang="nl-NL" dirty="0" smtClean="0"/>
+              <a:rPr lang="nl-NL" dirty="0"/>
               <a:t>Tweede niveau</a:t>
             </a:r>
           </a:p>
           <a:p>
             <a:pPr lvl="2"/>
             <a:r>
-              <a:rPr lang="nl-NL" dirty="0" smtClean="0"/>
+              <a:rPr lang="nl-NL" dirty="0"/>
               <a:t>Derde niveau</a:t>
             </a:r>
           </a:p>
           <a:p>
             <a:pPr lvl="3"/>
             <a:r>
-              <a:rPr lang="nl-NL" dirty="0" smtClean="0"/>
+              <a:rPr lang="nl-NL" dirty="0"/>
               <a:t>Vierde niveau</a:t>
             </a:r>
           </a:p>
@@ -5393,13 +5336,6 @@
   <p:clrMapOvr>
     <a:masterClrMapping/>
   </p:clrMapOvr>
-  <p:timing>
-    <p:tnLst>
-      <p:par>
-        <p:cTn id="1" dur="indefinite" restart="never" nodeType="tmRoot"/>
-      </p:par>
-    </p:tnLst>
-  </p:timing>
 </p:sldLayout>
 </file>
 
@@ -5450,7 +5386,7 @@
           </a:lstStyle>
           <a:p>
             <a:r>
-              <a:rPr lang="nl-NL" smtClean="0"/>
+              <a:rPr lang="nl-NL"/>
               <a:t>Klik om de stijl te bewerken</a:t>
             </a:r>
             <a:endParaRPr lang="nl-NL" dirty="0"/>
@@ -5534,28 +5470,28 @@
           <a:p>
             <a:pPr lvl="0"/>
             <a:r>
-              <a:rPr lang="nl-NL" dirty="0" smtClean="0"/>
+              <a:rPr lang="nl-NL" dirty="0"/>
               <a:t>Klik om de modelstijlen te bewerken</a:t>
             </a:r>
           </a:p>
           <a:p>
             <a:pPr lvl="1"/>
             <a:r>
-              <a:rPr lang="nl-NL" dirty="0" smtClean="0"/>
+              <a:rPr lang="nl-NL" dirty="0"/>
               <a:t>Tweede niveau</a:t>
             </a:r>
           </a:p>
           <a:p>
             <a:pPr lvl="2"/>
             <a:r>
-              <a:rPr lang="nl-NL" dirty="0" smtClean="0"/>
+              <a:rPr lang="nl-NL" dirty="0"/>
               <a:t>Derde niveau</a:t>
             </a:r>
           </a:p>
           <a:p>
             <a:pPr lvl="3"/>
             <a:r>
-              <a:rPr lang="nl-NL" dirty="0" smtClean="0"/>
+              <a:rPr lang="nl-NL" dirty="0"/>
               <a:t>Vierde niveau</a:t>
             </a:r>
           </a:p>
@@ -5718,28 +5654,28 @@
           <a:p>
             <a:pPr lvl="0"/>
             <a:r>
-              <a:rPr lang="nl-NL" dirty="0" smtClean="0"/>
+              <a:rPr lang="nl-NL" dirty="0"/>
               <a:t>Klik om de modelstijlen te bewerken</a:t>
             </a:r>
           </a:p>
           <a:p>
             <a:pPr lvl="1"/>
             <a:r>
-              <a:rPr lang="nl-NL" dirty="0" smtClean="0"/>
+              <a:rPr lang="nl-NL" dirty="0"/>
               <a:t>Tweede niveau</a:t>
             </a:r>
           </a:p>
           <a:p>
             <a:pPr lvl="2"/>
             <a:r>
-              <a:rPr lang="nl-NL" dirty="0" smtClean="0"/>
+              <a:rPr lang="nl-NL" dirty="0"/>
               <a:t>Derde niveau</a:t>
             </a:r>
           </a:p>
           <a:p>
             <a:pPr lvl="3"/>
             <a:r>
-              <a:rPr lang="nl-NL" dirty="0" smtClean="0"/>
+              <a:rPr lang="nl-NL" dirty="0"/>
               <a:t>Vierde niveau</a:t>
             </a:r>
           </a:p>
@@ -5792,13 +5728,6 @@
   <p:clrMapOvr>
     <a:masterClrMapping/>
   </p:clrMapOvr>
-  <p:timing>
-    <p:tnLst>
-      <p:par>
-        <p:cTn id="1" dur="indefinite" restart="never" nodeType="tmRoot"/>
-      </p:par>
-    </p:tnLst>
-  </p:timing>
 </p:sldLayout>
 </file>
 
@@ -5849,7 +5778,7 @@
           </a:lstStyle>
           <a:p>
             <a:r>
-              <a:rPr lang="nl-NL" smtClean="0"/>
+              <a:rPr lang="nl-NL"/>
               <a:t>Klik om de stijl te bewerken</a:t>
             </a:r>
             <a:endParaRPr lang="nl-NL" dirty="0"/>
@@ -5933,28 +5862,28 @@
           <a:p>
             <a:pPr lvl="0"/>
             <a:r>
-              <a:rPr lang="nl-NL" dirty="0" smtClean="0"/>
+              <a:rPr lang="nl-NL" dirty="0"/>
               <a:t>Klik om de modelstijlen te bewerken</a:t>
             </a:r>
           </a:p>
           <a:p>
             <a:pPr lvl="1"/>
             <a:r>
-              <a:rPr lang="nl-NL" dirty="0" smtClean="0"/>
+              <a:rPr lang="nl-NL" dirty="0"/>
               <a:t>Tweede niveau</a:t>
             </a:r>
           </a:p>
           <a:p>
             <a:pPr lvl="2"/>
             <a:r>
-              <a:rPr lang="nl-NL" dirty="0" smtClean="0"/>
+              <a:rPr lang="nl-NL" dirty="0"/>
               <a:t>Derde niveau</a:t>
             </a:r>
           </a:p>
           <a:p>
             <a:pPr lvl="3"/>
             <a:r>
-              <a:rPr lang="nl-NL" dirty="0" smtClean="0"/>
+              <a:rPr lang="nl-NL" dirty="0"/>
               <a:t>Vierde niveau</a:t>
             </a:r>
           </a:p>
@@ -6117,28 +6046,28 @@
           <a:p>
             <a:pPr lvl="0"/>
             <a:r>
-              <a:rPr lang="nl-NL" dirty="0" smtClean="0"/>
+              <a:rPr lang="nl-NL" dirty="0"/>
               <a:t>Klik om de modelstijlen te bewerken</a:t>
             </a:r>
           </a:p>
           <a:p>
             <a:pPr lvl="1"/>
             <a:r>
-              <a:rPr lang="nl-NL" dirty="0" smtClean="0"/>
+              <a:rPr lang="nl-NL" dirty="0"/>
               <a:t>Tweede niveau</a:t>
             </a:r>
           </a:p>
           <a:p>
             <a:pPr lvl="2"/>
             <a:r>
-              <a:rPr lang="nl-NL" dirty="0" smtClean="0"/>
+              <a:rPr lang="nl-NL" dirty="0"/>
               <a:t>Derde niveau</a:t>
             </a:r>
           </a:p>
           <a:p>
             <a:pPr lvl="3"/>
             <a:r>
-              <a:rPr lang="nl-NL" dirty="0" smtClean="0"/>
+              <a:rPr lang="nl-NL" dirty="0"/>
               <a:t>Vierde niveau</a:t>
             </a:r>
           </a:p>
@@ -6191,13 +6120,6 @@
   <p:clrMapOvr>
     <a:masterClrMapping/>
   </p:clrMapOvr>
-  <p:timing>
-    <p:tnLst>
-      <p:par>
-        <p:cTn id="1" dur="indefinite" restart="never" nodeType="tmRoot"/>
-      </p:par>
-    </p:tnLst>
-  </p:timing>
 </p:sldLayout>
 </file>
 
@@ -6248,7 +6170,7 @@
           </a:lstStyle>
           <a:p>
             <a:r>
-              <a:rPr lang="nl-NL" smtClean="0"/>
+              <a:rPr lang="nl-NL"/>
               <a:t>Klik om de stijl te bewerken</a:t>
             </a:r>
             <a:endParaRPr lang="nl-NL" dirty="0"/>
@@ -6332,28 +6254,28 @@
           <a:p>
             <a:pPr lvl="0"/>
             <a:r>
-              <a:rPr lang="nl-NL" dirty="0" smtClean="0"/>
+              <a:rPr lang="nl-NL" dirty="0"/>
               <a:t>Klik om de modelstijlen te bewerken</a:t>
             </a:r>
           </a:p>
           <a:p>
             <a:pPr lvl="1"/>
             <a:r>
-              <a:rPr lang="nl-NL" dirty="0" smtClean="0"/>
+              <a:rPr lang="nl-NL" dirty="0"/>
               <a:t>Tweede niveau</a:t>
             </a:r>
           </a:p>
           <a:p>
             <a:pPr lvl="2"/>
             <a:r>
-              <a:rPr lang="nl-NL" dirty="0" smtClean="0"/>
+              <a:rPr lang="nl-NL" dirty="0"/>
               <a:t>Derde niveau</a:t>
             </a:r>
           </a:p>
           <a:p>
             <a:pPr lvl="3"/>
             <a:r>
-              <a:rPr lang="nl-NL" dirty="0" smtClean="0"/>
+              <a:rPr lang="nl-NL" dirty="0"/>
               <a:t>Vierde niveau</a:t>
             </a:r>
           </a:p>
@@ -6479,28 +6401,28 @@
           <a:p>
             <a:pPr lvl="0"/>
             <a:r>
-              <a:rPr lang="nl-NL" dirty="0" smtClean="0"/>
+              <a:rPr lang="nl-NL" dirty="0"/>
               <a:t>Klik om de modelstijlen te bewerken</a:t>
             </a:r>
           </a:p>
           <a:p>
             <a:pPr lvl="1"/>
             <a:r>
-              <a:rPr lang="nl-NL" dirty="0" smtClean="0"/>
+              <a:rPr lang="nl-NL" dirty="0"/>
               <a:t>Tweede niveau</a:t>
             </a:r>
           </a:p>
           <a:p>
             <a:pPr lvl="2"/>
             <a:r>
-              <a:rPr lang="nl-NL" dirty="0" smtClean="0"/>
+              <a:rPr lang="nl-NL" dirty="0"/>
               <a:t>Derde niveau</a:t>
             </a:r>
           </a:p>
           <a:p>
             <a:pPr lvl="3"/>
             <a:r>
-              <a:rPr lang="nl-NL" dirty="0" smtClean="0"/>
+              <a:rPr lang="nl-NL" dirty="0"/>
               <a:t>Vierde niveau</a:t>
             </a:r>
           </a:p>
@@ -6583,28 +6505,28 @@
           <a:p>
             <a:pPr lvl="0"/>
             <a:r>
-              <a:rPr lang="nl-NL" dirty="0" smtClean="0"/>
+              <a:rPr lang="nl-NL" dirty="0"/>
               <a:t>Klik om de modelstijlen te bewerken</a:t>
             </a:r>
           </a:p>
           <a:p>
             <a:pPr lvl="1"/>
             <a:r>
-              <a:rPr lang="nl-NL" dirty="0" smtClean="0"/>
+              <a:rPr lang="nl-NL" dirty="0"/>
               <a:t>Tweede niveau</a:t>
             </a:r>
           </a:p>
           <a:p>
             <a:pPr lvl="2"/>
             <a:r>
-              <a:rPr lang="nl-NL" dirty="0" smtClean="0"/>
+              <a:rPr lang="nl-NL" dirty="0"/>
               <a:t>Derde niveau</a:t>
             </a:r>
           </a:p>
           <a:p>
             <a:pPr lvl="3"/>
             <a:r>
-              <a:rPr lang="nl-NL" dirty="0" smtClean="0"/>
+              <a:rPr lang="nl-NL" dirty="0"/>
               <a:t>Vierde niveau</a:t>
             </a:r>
           </a:p>
@@ -6620,13 +6542,6 @@
   <p:clrMapOvr>
     <a:masterClrMapping/>
   </p:clrMapOvr>
-  <p:timing>
-    <p:tnLst>
-      <p:par>
-        <p:cTn id="1" dur="indefinite" restart="never" nodeType="tmRoot"/>
-      </p:par>
-    </p:tnLst>
-  </p:timing>
 </p:sldLayout>
 </file>
 
@@ -6677,7 +6592,7 @@
           </a:lstStyle>
           <a:p>
             <a:r>
-              <a:rPr lang="nl-NL" smtClean="0"/>
+              <a:rPr lang="nl-NL"/>
               <a:t>Klik om de stijl te bewerken</a:t>
             </a:r>
             <a:endParaRPr lang="nl-NL" dirty="0"/>
@@ -6738,28 +6653,28 @@
           <a:p>
             <a:pPr lvl="0"/>
             <a:r>
-              <a:rPr lang="nl-NL" dirty="0" smtClean="0"/>
+              <a:rPr lang="nl-NL" dirty="0"/>
               <a:t>Klik om de modelstijlen te bewerken</a:t>
             </a:r>
           </a:p>
           <a:p>
             <a:pPr lvl="1"/>
             <a:r>
-              <a:rPr lang="nl-NL" dirty="0" smtClean="0"/>
+              <a:rPr lang="nl-NL" dirty="0"/>
               <a:t>Tweede niveau</a:t>
             </a:r>
           </a:p>
           <a:p>
             <a:pPr lvl="2"/>
             <a:r>
-              <a:rPr lang="nl-NL" dirty="0" smtClean="0"/>
+              <a:rPr lang="nl-NL" dirty="0"/>
               <a:t>Derde niveau</a:t>
             </a:r>
           </a:p>
           <a:p>
             <a:pPr lvl="3"/>
             <a:r>
-              <a:rPr lang="nl-NL" dirty="0" smtClean="0"/>
+              <a:rPr lang="nl-NL" dirty="0"/>
               <a:t>Vierde niveau</a:t>
             </a:r>
           </a:p>
@@ -6869,7 +6784,7 @@
           </a:lstStyle>
           <a:p>
             <a:r>
-              <a:rPr lang="nl-NL" smtClean="0"/>
+              <a:rPr lang="nl-NL"/>
               <a:t>Klik om de stijl te bewerken</a:t>
             </a:r>
             <a:endParaRPr lang="nl-NL" dirty="0"/>
@@ -6953,28 +6868,28 @@
           <a:p>
             <a:pPr lvl="0"/>
             <a:r>
-              <a:rPr lang="nl-NL" dirty="0" smtClean="0"/>
+              <a:rPr lang="nl-NL" dirty="0"/>
               <a:t>Klik om de modelstijlen te bewerken</a:t>
             </a:r>
           </a:p>
           <a:p>
             <a:pPr lvl="1"/>
             <a:r>
-              <a:rPr lang="nl-NL" dirty="0" smtClean="0"/>
+              <a:rPr lang="nl-NL" dirty="0"/>
               <a:t>Tweede niveau</a:t>
             </a:r>
           </a:p>
           <a:p>
             <a:pPr lvl="2"/>
             <a:r>
-              <a:rPr lang="nl-NL" dirty="0" smtClean="0"/>
+              <a:rPr lang="nl-NL" dirty="0"/>
               <a:t>Derde niveau</a:t>
             </a:r>
           </a:p>
           <a:p>
             <a:pPr lvl="3"/>
             <a:r>
-              <a:rPr lang="nl-NL" dirty="0" smtClean="0"/>
+              <a:rPr lang="nl-NL" dirty="0"/>
               <a:t>Vierde niveau</a:t>
             </a:r>
           </a:p>
@@ -7137,28 +7052,28 @@
           <a:p>
             <a:pPr lvl="0"/>
             <a:r>
-              <a:rPr lang="nl-NL" dirty="0" smtClean="0"/>
+              <a:rPr lang="nl-NL" dirty="0"/>
               <a:t>Klik om de modelstijlen te bewerken</a:t>
             </a:r>
           </a:p>
           <a:p>
             <a:pPr lvl="1"/>
             <a:r>
-              <a:rPr lang="nl-NL" dirty="0" smtClean="0"/>
+              <a:rPr lang="nl-NL" dirty="0"/>
               <a:t>Tweede niveau</a:t>
             </a:r>
           </a:p>
           <a:p>
             <a:pPr lvl="2"/>
             <a:r>
-              <a:rPr lang="nl-NL" dirty="0" smtClean="0"/>
+              <a:rPr lang="nl-NL" dirty="0"/>
               <a:t>Derde niveau</a:t>
             </a:r>
           </a:p>
           <a:p>
             <a:pPr lvl="3"/>
             <a:r>
-              <a:rPr lang="nl-NL" dirty="0" smtClean="0"/>
+              <a:rPr lang="nl-NL" dirty="0"/>
               <a:t>Vierde niveau</a:t>
             </a:r>
           </a:p>
@@ -7242,7 +7157,7 @@
           <a:p>
             <a:pPr lvl="0"/>
             <a:r>
-              <a:rPr lang="nl-NL" dirty="0" smtClean="0"/>
+              <a:rPr lang="nl-NL" dirty="0"/>
               <a:t>Klik om de modelstijlen te bewerken</a:t>
             </a:r>
           </a:p>
@@ -7258,13 +7173,6 @@
   <p:clrMapOvr>
     <a:masterClrMapping/>
   </p:clrMapOvr>
-  <p:timing>
-    <p:tnLst>
-      <p:par>
-        <p:cTn id="1" dur="indefinite" restart="never" nodeType="tmRoot"/>
-      </p:par>
-    </p:tnLst>
-  </p:timing>
 </p:sldLayout>
 </file>
 
@@ -7357,21 +7265,21 @@
           <a:p>
             <a:pPr lvl="0"/>
             <a:r>
-              <a:rPr lang="nl-NL" dirty="0" smtClean="0"/>
+              <a:rPr lang="nl-NL" dirty="0"/>
               <a:t>Klik om de modelstijlen te bewerken</a:t>
             </a:r>
           </a:p>
           <a:p>
             <a:pPr lvl="1"/>
             <a:r>
-              <a:rPr lang="nl-NL" dirty="0" smtClean="0"/>
+              <a:rPr lang="nl-NL" dirty="0"/>
               <a:t>Tweede niveau</a:t>
             </a:r>
           </a:p>
           <a:p>
             <a:pPr lvl="2"/>
             <a:r>
-              <a:rPr lang="nl-NL" dirty="0" smtClean="0"/>
+              <a:rPr lang="nl-NL" dirty="0"/>
               <a:t>Derde niveau</a:t>
             </a:r>
           </a:p>
@@ -7449,21 +7357,21 @@
           <a:p>
             <a:pPr lvl="0"/>
             <a:r>
-              <a:rPr lang="nl-NL" dirty="0" smtClean="0"/>
+              <a:rPr lang="nl-NL" dirty="0"/>
               <a:t>Klik om de modelstijlen te bewerken</a:t>
             </a:r>
           </a:p>
           <a:p>
             <a:pPr lvl="1"/>
             <a:r>
-              <a:rPr lang="nl-NL" dirty="0" smtClean="0"/>
+              <a:rPr lang="nl-NL" dirty="0"/>
               <a:t>Tweede niveau</a:t>
             </a:r>
           </a:p>
           <a:p>
             <a:pPr lvl="2"/>
             <a:r>
-              <a:rPr lang="nl-NL" dirty="0" smtClean="0"/>
+              <a:rPr lang="nl-NL" dirty="0"/>
               <a:t>Derde niveau</a:t>
             </a:r>
           </a:p>
@@ -7499,7 +7407,7 @@
           </a:lstStyle>
           <a:p>
             <a:r>
-              <a:rPr lang="nl-NL" smtClean="0"/>
+              <a:rPr lang="nl-NL"/>
               <a:t>Klik om de stijl te bewerken</a:t>
             </a:r>
             <a:endParaRPr lang="nl-NL" dirty="0"/>
@@ -7643,7 +7551,7 @@
           <a:p>
             <a:pPr lvl="0"/>
             <a:r>
-              <a:rPr lang="nl-NL" dirty="0" smtClean="0"/>
+              <a:rPr lang="nl-NL" dirty="0"/>
               <a:t>Klik om de modelstijlen te bewerken</a:t>
             </a:r>
           </a:p>
@@ -7715,21 +7623,21 @@
           <a:p>
             <a:pPr lvl="0"/>
             <a:r>
-              <a:rPr lang="nl-NL" dirty="0" smtClean="0"/>
+              <a:rPr lang="nl-NL" dirty="0"/>
               <a:t>Klik om de modelstijlen te bewerken</a:t>
             </a:r>
           </a:p>
           <a:p>
             <a:pPr lvl="1"/>
             <a:r>
-              <a:rPr lang="nl-NL" dirty="0" smtClean="0"/>
+              <a:rPr lang="nl-NL" dirty="0"/>
               <a:t>Tweede niveau</a:t>
             </a:r>
           </a:p>
           <a:p>
             <a:pPr lvl="2"/>
             <a:r>
-              <a:rPr lang="nl-NL" dirty="0" smtClean="0"/>
+              <a:rPr lang="nl-NL" dirty="0"/>
               <a:t>Derde niveau</a:t>
             </a:r>
           </a:p>
@@ -7799,7 +7707,7 @@
           <a:p>
             <a:pPr lvl="0"/>
             <a:r>
-              <a:rPr lang="nl-NL" dirty="0" smtClean="0"/>
+              <a:rPr lang="nl-NL" dirty="0"/>
               <a:t>Klik om de modelstijlen te bewerken</a:t>
             </a:r>
           </a:p>
@@ -7835,10 +7743,9 @@
           </a:lstStyle>
           <a:p>
             <a:r>
-              <a:rPr lang="nl-NL" dirty="0" smtClean="0"/>
+              <a:rPr lang="nl-NL" dirty="0"/>
               <a:t>Klik om de stijl te bewerken</a:t>
             </a:r>
-            <a:endParaRPr lang="nl-NL" dirty="0"/>
           </a:p>
         </p:txBody>
       </p:sp>
@@ -7908,21 +7815,21 @@
           <a:p>
             <a:pPr lvl="0"/>
             <a:r>
-              <a:rPr lang="nl-NL" dirty="0" smtClean="0"/>
+              <a:rPr lang="nl-NL" dirty="0"/>
               <a:t>Klik om de modelstijlen te bewerken</a:t>
             </a:r>
           </a:p>
           <a:p>
             <a:pPr lvl="1"/>
             <a:r>
-              <a:rPr lang="nl-NL" dirty="0" smtClean="0"/>
+              <a:rPr lang="nl-NL" dirty="0"/>
               <a:t>Tweede niveau</a:t>
             </a:r>
           </a:p>
           <a:p>
             <a:pPr lvl="2"/>
             <a:r>
-              <a:rPr lang="nl-NL" dirty="0" smtClean="0"/>
+              <a:rPr lang="nl-NL" dirty="0"/>
               <a:t>Derde niveau</a:t>
             </a:r>
           </a:p>
@@ -8065,7 +7972,7 @@
           <a:p>
             <a:pPr lvl="0"/>
             <a:r>
-              <a:rPr lang="nl-NL" dirty="0" smtClean="0"/>
+              <a:rPr lang="nl-NL" dirty="0"/>
               <a:t>Klik om de modelstijlen te bewerken</a:t>
             </a:r>
           </a:p>
@@ -8137,21 +8044,21 @@
           <a:p>
             <a:pPr lvl="0"/>
             <a:r>
-              <a:rPr lang="nl-NL" dirty="0" smtClean="0"/>
+              <a:rPr lang="nl-NL" dirty="0"/>
               <a:t>Klik om de modelstijlen te bewerken</a:t>
             </a:r>
           </a:p>
           <a:p>
             <a:pPr lvl="1"/>
             <a:r>
-              <a:rPr lang="nl-NL" dirty="0" smtClean="0"/>
+              <a:rPr lang="nl-NL" dirty="0"/>
               <a:t>Tweede niveau</a:t>
             </a:r>
           </a:p>
           <a:p>
             <a:pPr lvl="2"/>
             <a:r>
-              <a:rPr lang="nl-NL" dirty="0" smtClean="0"/>
+              <a:rPr lang="nl-NL" dirty="0"/>
               <a:t>Derde niveau</a:t>
             </a:r>
           </a:p>
@@ -8187,10 +8094,9 @@
           </a:lstStyle>
           <a:p>
             <a:r>
-              <a:rPr lang="nl-NL" dirty="0" smtClean="0"/>
+              <a:rPr lang="nl-NL" dirty="0"/>
               <a:t>Klik om de stijl te bewerken</a:t>
             </a:r>
-            <a:endParaRPr lang="nl-NL" dirty="0"/>
           </a:p>
         </p:txBody>
       </p:sp>
@@ -8260,21 +8166,21 @@
           <a:p>
             <a:pPr lvl="0"/>
             <a:r>
-              <a:rPr lang="nl-NL" dirty="0" smtClean="0"/>
+              <a:rPr lang="nl-NL" dirty="0"/>
               <a:t>Klik om de modelstijlen te bewerken</a:t>
             </a:r>
           </a:p>
           <a:p>
             <a:pPr lvl="1"/>
             <a:r>
-              <a:rPr lang="nl-NL" dirty="0" smtClean="0"/>
+              <a:rPr lang="nl-NL" dirty="0"/>
               <a:t>Tweede niveau</a:t>
             </a:r>
           </a:p>
           <a:p>
             <a:pPr lvl="2"/>
             <a:r>
-              <a:rPr lang="nl-NL" dirty="0" smtClean="0"/>
+              <a:rPr lang="nl-NL" dirty="0"/>
               <a:t>Derde niveau</a:t>
             </a:r>
           </a:p>
@@ -8416,7 +8322,7 @@
           <a:p>
             <a:pPr lvl="0"/>
             <a:r>
-              <a:rPr lang="nl-NL" dirty="0" smtClean="0"/>
+              <a:rPr lang="nl-NL" dirty="0"/>
               <a:t>Klik om de modelstijlen te bewerken</a:t>
             </a:r>
           </a:p>
@@ -8454,10 +8360,9 @@
           <a:p>
             <a:pPr lvl="0"/>
             <a:r>
-              <a:rPr lang="nl-NL" noProof="0" dirty="0" smtClean="0"/>
+              <a:rPr lang="nl-NL" noProof="0" dirty="0"/>
               <a:t>Klik op het pictogram als u een afbeelding wilt toevoegen</a:t>
             </a:r>
-            <a:endParaRPr lang="nl-NL" noProof="0" dirty="0"/>
           </a:p>
         </p:txBody>
       </p:sp>
@@ -8493,10 +8398,9 @@
           <a:p>
             <a:pPr lvl="0"/>
             <a:r>
-              <a:rPr lang="nl-NL" noProof="0" dirty="0" smtClean="0"/>
+              <a:rPr lang="nl-NL" noProof="0" dirty="0"/>
               <a:t>Klik op het pictogram als u een afbeelding wilt toevoegen</a:t>
             </a:r>
-            <a:endParaRPr lang="nl-NL" noProof="0" dirty="0"/>
           </a:p>
         </p:txBody>
       </p:sp>
@@ -8530,10 +8434,9 @@
           </a:lstStyle>
           <a:p>
             <a:r>
-              <a:rPr lang="nl-NL" dirty="0" smtClean="0"/>
+              <a:rPr lang="nl-NL" dirty="0"/>
               <a:t>Klik om de stijl te bewerken</a:t>
             </a:r>
-            <a:endParaRPr lang="nl-NL" dirty="0"/>
           </a:p>
         </p:txBody>
       </p:sp>
@@ -8600,7 +8503,7 @@
           <a:p>
             <a:pPr lvl="0"/>
             <a:r>
-              <a:rPr lang="nl-NL" dirty="0" smtClean="0"/>
+              <a:rPr lang="nl-NL" dirty="0"/>
               <a:t>Klik om de modelstijlen te bewerken</a:t>
             </a:r>
           </a:p>
@@ -8711,10 +8614,9 @@
           <a:p>
             <a:pPr lvl="0"/>
             <a:r>
-              <a:rPr lang="nl-NL" noProof="0" dirty="0" smtClean="0"/>
+              <a:rPr lang="nl-NL" noProof="0" dirty="0"/>
               <a:t>Klik op het pictogram als u een afbeelding wilt toevoegen</a:t>
             </a:r>
-            <a:endParaRPr lang="nl-NL" noProof="0" dirty="0"/>
           </a:p>
         </p:txBody>
       </p:sp>
@@ -8750,10 +8652,9 @@
           <a:p>
             <a:pPr lvl="0"/>
             <a:r>
-              <a:rPr lang="nl-NL" noProof="0" dirty="0" smtClean="0"/>
+              <a:rPr lang="nl-NL" noProof="0" dirty="0"/>
               <a:t>Klik op het pictogram als u een afbeelding wilt toevoegen</a:t>
             </a:r>
-            <a:endParaRPr lang="nl-NL" noProof="0" dirty="0"/>
           </a:p>
         </p:txBody>
       </p:sp>
@@ -8820,7 +8721,7 @@
           <a:p>
             <a:pPr lvl="0"/>
             <a:r>
-              <a:rPr lang="nl-NL" dirty="0" smtClean="0"/>
+              <a:rPr lang="nl-NL" dirty="0"/>
               <a:t>Klik om de modelstijlen te bewerken</a:t>
             </a:r>
           </a:p>
@@ -8889,7 +8790,7 @@
           <a:p>
             <a:pPr lvl="0"/>
             <a:r>
-              <a:rPr lang="nl-NL" dirty="0" smtClean="0"/>
+              <a:rPr lang="nl-NL" dirty="0"/>
               <a:t>Klik om de modelstijlen te bewerken</a:t>
             </a:r>
           </a:p>
@@ -8925,7 +8826,7 @@
           </a:lstStyle>
           <a:p>
             <a:r>
-              <a:rPr lang="nl-NL" smtClean="0"/>
+              <a:rPr lang="nl-NL"/>
               <a:t>Klik om de stijl te bewerken</a:t>
             </a:r>
             <a:endParaRPr lang="nl-NL" dirty="0"/>
@@ -9068,7 +8969,7 @@
           <a:p>
             <a:pPr lvl="0"/>
             <a:r>
-              <a:rPr lang="nl-NL" dirty="0" smtClean="0"/>
+              <a:rPr lang="nl-NL" dirty="0"/>
               <a:t>Klik om de modelstijlen te bewerken</a:t>
             </a:r>
           </a:p>
@@ -9137,7 +9038,7 @@
           <a:p>
             <a:pPr lvl="0"/>
             <a:r>
-              <a:rPr lang="nl-NL" dirty="0" smtClean="0"/>
+              <a:rPr lang="nl-NL" dirty="0"/>
               <a:t>Klik om de modelstijlen te bewerken</a:t>
             </a:r>
           </a:p>
@@ -9173,7 +9074,7 @@
           </a:lstStyle>
           <a:p>
             <a:r>
-              <a:rPr lang="nl-NL" smtClean="0"/>
+              <a:rPr lang="nl-NL"/>
               <a:t>Klik om de stijl te bewerken</a:t>
             </a:r>
             <a:endParaRPr lang="nl-NL" dirty="0"/>
@@ -9243,7 +9144,7 @@
           <a:p>
             <a:pPr lvl="0"/>
             <a:r>
-              <a:rPr lang="nl-NL" dirty="0" smtClean="0"/>
+              <a:rPr lang="nl-NL" dirty="0"/>
               <a:t>Klik om de modelstijlen te bewerken</a:t>
             </a:r>
           </a:p>
@@ -9353,7 +9254,7 @@
           <a:p>
             <a:pPr lvl="0"/>
             <a:r>
-              <a:rPr lang="nl-NL" noProof="0" smtClean="0"/>
+              <a:rPr lang="nl-NL" noProof="0"/>
               <a:t>Klik op het pictogram als u een afbeelding wilt toevoegen</a:t>
             </a:r>
             <a:endParaRPr lang="nl-NL" noProof="0" dirty="0"/>
@@ -9579,7 +9480,7 @@
           </a:lstStyle>
           <a:p>
             <a:r>
-              <a:rPr lang="nl-NL" smtClean="0"/>
+              <a:rPr lang="nl-NL"/>
               <a:t>Klik om de stijl te bewerken</a:t>
             </a:r>
             <a:endParaRPr lang="nl-NL" dirty="0"/>
@@ -9640,10 +9541,9 @@
           <a:lstStyle/>
           <a:p>
             <a:r>
-              <a:rPr lang="en-US" smtClean="0"/>
+              <a:rPr lang="en-US"/>
               <a:t>Click to edit Master title style</a:t>
             </a:r>
-            <a:endParaRPr lang="en-US"/>
           </a:p>
         </p:txBody>
       </p:sp>
@@ -9672,38 +9572,37 @@
           <a:p>
             <a:pPr lvl="0"/>
             <a:r>
-              <a:rPr lang="en-US" smtClean="0"/>
+              <a:rPr lang="en-US"/>
               <a:t>Click to edit Master text styles</a:t>
             </a:r>
           </a:p>
           <a:p>
             <a:pPr lvl="1"/>
             <a:r>
-              <a:rPr lang="en-US" smtClean="0"/>
+              <a:rPr lang="en-US"/>
               <a:t>Second level</a:t>
             </a:r>
           </a:p>
           <a:p>
             <a:pPr lvl="2"/>
             <a:r>
-              <a:rPr lang="en-US" smtClean="0"/>
+              <a:rPr lang="en-US"/>
               <a:t>Third level</a:t>
             </a:r>
           </a:p>
           <a:p>
             <a:pPr lvl="3"/>
             <a:r>
-              <a:rPr lang="en-US" smtClean="0"/>
+              <a:rPr lang="en-US"/>
               <a:t>Fourth level</a:t>
             </a:r>
           </a:p>
           <a:p>
             <a:pPr lvl="4"/>
             <a:r>
-              <a:rPr lang="en-US" smtClean="0"/>
+              <a:rPr lang="en-US"/>
               <a:t>Fifth level</a:t>
             </a:r>
-            <a:endParaRPr lang="en-US"/>
           </a:p>
         </p:txBody>
       </p:sp>
@@ -9732,38 +9631,37 @@
           <a:p>
             <a:pPr lvl="0"/>
             <a:r>
-              <a:rPr lang="en-US" smtClean="0"/>
+              <a:rPr lang="en-US"/>
               <a:t>Click to edit Master text styles</a:t>
             </a:r>
           </a:p>
           <a:p>
             <a:pPr lvl="1"/>
             <a:r>
-              <a:rPr lang="en-US" smtClean="0"/>
+              <a:rPr lang="en-US"/>
               <a:t>Second level</a:t>
             </a:r>
           </a:p>
           <a:p>
             <a:pPr lvl="2"/>
             <a:r>
-              <a:rPr lang="en-US" smtClean="0"/>
+              <a:rPr lang="en-US"/>
               <a:t>Third level</a:t>
             </a:r>
           </a:p>
           <a:p>
             <a:pPr lvl="3"/>
             <a:r>
-              <a:rPr lang="en-US" smtClean="0"/>
+              <a:rPr lang="en-US"/>
               <a:t>Fourth level</a:t>
             </a:r>
           </a:p>
           <a:p>
             <a:pPr lvl="4"/>
             <a:r>
-              <a:rPr lang="en-US" smtClean="0"/>
+              <a:rPr lang="en-US"/>
               <a:t>Fifth level</a:t>
             </a:r>
-            <a:endParaRPr lang="en-US"/>
           </a:p>
         </p:txBody>
       </p:sp>
@@ -9821,10 +9719,9 @@
           <a:lstStyle/>
           <a:p>
             <a:r>
-              <a:rPr lang="en-US" smtClean="0"/>
+              <a:rPr lang="en-US"/>
               <a:t>Click to edit Master title style</a:t>
             </a:r>
-            <a:endParaRPr lang="en-US"/>
           </a:p>
         </p:txBody>
       </p:sp>
@@ -9853,38 +9750,37 @@
           <a:p>
             <a:pPr lvl="0"/>
             <a:r>
-              <a:rPr lang="en-US" smtClean="0"/>
+              <a:rPr lang="en-US"/>
               <a:t>Click to edit Master text styles</a:t>
             </a:r>
           </a:p>
           <a:p>
             <a:pPr lvl="1"/>
             <a:r>
-              <a:rPr lang="en-US" smtClean="0"/>
+              <a:rPr lang="en-US"/>
               <a:t>Second level</a:t>
             </a:r>
           </a:p>
           <a:p>
             <a:pPr lvl="2"/>
             <a:r>
-              <a:rPr lang="en-US" smtClean="0"/>
+              <a:rPr lang="en-US"/>
               <a:t>Third level</a:t>
             </a:r>
           </a:p>
           <a:p>
             <a:pPr lvl="3"/>
             <a:r>
-              <a:rPr lang="en-US" smtClean="0"/>
+              <a:rPr lang="en-US"/>
               <a:t>Fourth level</a:t>
             </a:r>
           </a:p>
           <a:p>
             <a:pPr lvl="4"/>
             <a:r>
-              <a:rPr lang="en-US" smtClean="0"/>
+              <a:rPr lang="en-US"/>
               <a:t>Fifth level</a:t>
             </a:r>
-            <a:endParaRPr lang="en-US"/>
           </a:p>
         </p:txBody>
       </p:sp>
@@ -9913,38 +9809,37 @@
           <a:p>
             <a:pPr lvl="0"/>
             <a:r>
-              <a:rPr lang="en-US" smtClean="0"/>
+              <a:rPr lang="en-US"/>
               <a:t>Click to edit Master text styles</a:t>
             </a:r>
           </a:p>
           <a:p>
             <a:pPr lvl="1"/>
             <a:r>
-              <a:rPr lang="en-US" smtClean="0"/>
+              <a:rPr lang="en-US"/>
               <a:t>Second level</a:t>
             </a:r>
           </a:p>
           <a:p>
             <a:pPr lvl="2"/>
             <a:r>
-              <a:rPr lang="en-US" smtClean="0"/>
+              <a:rPr lang="en-US"/>
               <a:t>Third level</a:t>
             </a:r>
           </a:p>
           <a:p>
             <a:pPr lvl="3"/>
             <a:r>
-              <a:rPr lang="en-US" smtClean="0"/>
+              <a:rPr lang="en-US"/>
               <a:t>Fourth level</a:t>
             </a:r>
           </a:p>
           <a:p>
             <a:pPr lvl="4"/>
             <a:r>
-              <a:rPr lang="en-US" smtClean="0"/>
+              <a:rPr lang="en-US"/>
               <a:t>Fifth level</a:t>
             </a:r>
-            <a:endParaRPr lang="en-US"/>
           </a:p>
         </p:txBody>
       </p:sp>
@@ -10002,10 +9897,9 @@
           <a:lstStyle/>
           <a:p>
             <a:r>
-              <a:rPr lang="en-US" smtClean="0"/>
+              <a:rPr lang="en-US"/>
               <a:t>Click to edit Master title style</a:t>
             </a:r>
-            <a:endParaRPr lang="en-US"/>
           </a:p>
         </p:txBody>
       </p:sp>
@@ -10063,10 +9957,9 @@
           <a:lstStyle/>
           <a:p>
             <a:r>
-              <a:rPr lang="en-US" smtClean="0"/>
+              <a:rPr lang="en-US"/>
               <a:t>Click to edit Master title style</a:t>
             </a:r>
-            <a:endParaRPr lang="en-US"/>
           </a:p>
         </p:txBody>
       </p:sp>
@@ -10094,7 +9987,7 @@
           <a:lstStyle/>
           <a:p>
             <a:pPr lvl="0"/>
-            <a:endParaRPr lang="en-US" noProof="0" smtClean="0"/>
+            <a:endParaRPr lang="en-US" noProof="0"/>
           </a:p>
         </p:txBody>
       </p:sp>
@@ -10152,10 +10045,9 @@
           <a:lstStyle/>
           <a:p>
             <a:r>
-              <a:rPr lang="en-US" smtClean="0"/>
+              <a:rPr lang="en-US"/>
               <a:t>Click to edit Master title style</a:t>
             </a:r>
-            <a:endParaRPr lang="en-US"/>
           </a:p>
         </p:txBody>
       </p:sp>
@@ -10184,38 +10076,37 @@
           <a:p>
             <a:pPr lvl="0"/>
             <a:r>
-              <a:rPr lang="en-US" smtClean="0"/>
+              <a:rPr lang="en-US"/>
               <a:t>Click to edit Master text styles</a:t>
             </a:r>
           </a:p>
           <a:p>
             <a:pPr lvl="1"/>
             <a:r>
-              <a:rPr lang="en-US" smtClean="0"/>
+              <a:rPr lang="en-US"/>
               <a:t>Second level</a:t>
             </a:r>
           </a:p>
           <a:p>
             <a:pPr lvl="2"/>
             <a:r>
-              <a:rPr lang="en-US" smtClean="0"/>
+              <a:rPr lang="en-US"/>
               <a:t>Third level</a:t>
             </a:r>
           </a:p>
           <a:p>
             <a:pPr lvl="3"/>
             <a:r>
-              <a:rPr lang="en-US" smtClean="0"/>
+              <a:rPr lang="en-US"/>
               <a:t>Fourth level</a:t>
             </a:r>
           </a:p>
           <a:p>
             <a:pPr lvl="4"/>
             <a:r>
-              <a:rPr lang="en-US" smtClean="0"/>
+              <a:rPr lang="en-US"/>
               <a:t>Fifth level</a:t>
             </a:r>
-            <a:endParaRPr lang="en-US"/>
           </a:p>
         </p:txBody>
       </p:sp>
@@ -10244,38 +10135,37 @@
           <a:p>
             <a:pPr lvl="0"/>
             <a:r>
-              <a:rPr lang="en-US" smtClean="0"/>
+              <a:rPr lang="en-US"/>
               <a:t>Click to edit Master text styles</a:t>
             </a:r>
           </a:p>
           <a:p>
             <a:pPr lvl="1"/>
             <a:r>
-              <a:rPr lang="en-US" smtClean="0"/>
+              <a:rPr lang="en-US"/>
               <a:t>Second level</a:t>
             </a:r>
           </a:p>
           <a:p>
             <a:pPr lvl="2"/>
             <a:r>
-              <a:rPr lang="en-US" smtClean="0"/>
+              <a:rPr lang="en-US"/>
               <a:t>Third level</a:t>
             </a:r>
           </a:p>
           <a:p>
             <a:pPr lvl="3"/>
             <a:r>
-              <a:rPr lang="en-US" smtClean="0"/>
+              <a:rPr lang="en-US"/>
               <a:t>Fourth level</a:t>
             </a:r>
           </a:p>
           <a:p>
             <a:pPr lvl="4"/>
             <a:r>
-              <a:rPr lang="en-US" smtClean="0"/>
+              <a:rPr lang="en-US"/>
               <a:t>Fifth level</a:t>
             </a:r>
-            <a:endParaRPr lang="en-US"/>
           </a:p>
         </p:txBody>
       </p:sp>
@@ -10304,38 +10194,37 @@
           <a:p>
             <a:pPr lvl="0"/>
             <a:r>
-              <a:rPr lang="en-US" smtClean="0"/>
+              <a:rPr lang="en-US"/>
               <a:t>Click to edit Master text styles</a:t>
             </a:r>
           </a:p>
           <a:p>
             <a:pPr lvl="1"/>
             <a:r>
-              <a:rPr lang="en-US" smtClean="0"/>
+              <a:rPr lang="en-US"/>
               <a:t>Second level</a:t>
             </a:r>
           </a:p>
           <a:p>
             <a:pPr lvl="2"/>
             <a:r>
-              <a:rPr lang="en-US" smtClean="0"/>
+              <a:rPr lang="en-US"/>
               <a:t>Third level</a:t>
             </a:r>
           </a:p>
           <a:p>
             <a:pPr lvl="3"/>
             <a:r>
-              <a:rPr lang="en-US" smtClean="0"/>
+              <a:rPr lang="en-US"/>
               <a:t>Fourth level</a:t>
             </a:r>
           </a:p>
           <a:p>
             <a:pPr lvl="4"/>
             <a:r>
-              <a:rPr lang="en-US" smtClean="0"/>
+              <a:rPr lang="en-US"/>
               <a:t>Fifth level</a:t>
             </a:r>
-            <a:endParaRPr lang="en-US"/>
           </a:p>
         </p:txBody>
       </p:sp>
@@ -10393,10 +10282,9 @@
           <a:lstStyle/>
           <a:p>
             <a:r>
-              <a:rPr lang="en-US" smtClean="0"/>
+              <a:rPr lang="en-US"/>
               <a:t>Click to edit Master title style</a:t>
             </a:r>
-            <a:endParaRPr lang="en-US"/>
           </a:p>
         </p:txBody>
       </p:sp>
@@ -10453,38 +10341,37 @@
           <a:p>
             <a:pPr lvl="0"/>
             <a:r>
-              <a:rPr lang="en-US" smtClean="0"/>
+              <a:rPr lang="en-US"/>
               <a:t>Click to edit Master text styles</a:t>
             </a:r>
           </a:p>
           <a:p>
             <a:pPr lvl="1"/>
             <a:r>
-              <a:rPr lang="en-US" smtClean="0"/>
+              <a:rPr lang="en-US"/>
               <a:t>Second level</a:t>
             </a:r>
           </a:p>
           <a:p>
             <a:pPr lvl="2"/>
             <a:r>
-              <a:rPr lang="en-US" smtClean="0"/>
+              <a:rPr lang="en-US"/>
               <a:t>Third level</a:t>
             </a:r>
           </a:p>
           <a:p>
             <a:pPr lvl="3"/>
             <a:r>
-              <a:rPr lang="en-US" smtClean="0"/>
+              <a:rPr lang="en-US"/>
               <a:t>Fourth level</a:t>
             </a:r>
           </a:p>
           <a:p>
             <a:pPr lvl="4"/>
             <a:r>
-              <a:rPr lang="en-US" smtClean="0"/>
+              <a:rPr lang="en-US"/>
               <a:t>Fifth level</a:t>
             </a:r>
-            <a:endParaRPr lang="en-US"/>
           </a:p>
         </p:txBody>
       </p:sp>
@@ -10541,38 +10428,37 @@
           <a:p>
             <a:pPr lvl="0"/>
             <a:r>
-              <a:rPr lang="en-US" smtClean="0"/>
+              <a:rPr lang="en-US"/>
               <a:t>Click to edit Master text styles</a:t>
             </a:r>
           </a:p>
           <a:p>
             <a:pPr lvl="1"/>
             <a:r>
-              <a:rPr lang="en-US" smtClean="0"/>
+              <a:rPr lang="en-US"/>
               <a:t>Second level</a:t>
             </a:r>
           </a:p>
           <a:p>
             <a:pPr lvl="2"/>
             <a:r>
-              <a:rPr lang="en-US" smtClean="0"/>
+              <a:rPr lang="en-US"/>
               <a:t>Third level</a:t>
             </a:r>
           </a:p>
           <a:p>
             <a:pPr lvl="3"/>
             <a:r>
-              <a:rPr lang="en-US" smtClean="0"/>
+              <a:rPr lang="en-US"/>
               <a:t>Fourth level</a:t>
             </a:r>
           </a:p>
           <a:p>
             <a:pPr lvl="4"/>
             <a:r>
-              <a:rPr lang="en-US" smtClean="0"/>
+              <a:rPr lang="en-US"/>
               <a:t>Fifth level</a:t>
             </a:r>
-            <a:endParaRPr lang="en-US"/>
           </a:p>
         </p:txBody>
       </p:sp>
@@ -11674,29 +11560,21 @@
           <a:lstStyle/>
           <a:p>
             <a:r>
-              <a:rPr lang="en-US" altLang="en-US" dirty="0" smtClean="0"/>
+              <a:rPr lang="en-US" altLang="en-US" dirty="0"/>
               <a:t>Epidemiology and Big Data</a:t>
             </a:r>
             <a:br>
-              <a:rPr lang="en-US" altLang="en-US" dirty="0" smtClean="0"/>
+              <a:rPr lang="en-US" altLang="en-US" dirty="0"/>
             </a:br>
             <a:r>
               <a:rPr lang="en-US" altLang="en-US" sz="3200" dirty="0"/>
-              <a:t>Mixed Models part </a:t>
-            </a:r>
-            <a:r>
-              <a:rPr lang="en-US" altLang="en-US" sz="3200" dirty="0" smtClean="0"/>
-              <a:t>2: </a:t>
-            </a:r>
-            <a:r>
-              <a:rPr lang="en-US" sz="3200" dirty="0" smtClean="0"/>
-              <a:t>Longitudinal </a:t>
+              <a:t>Mixed Models part 2: </a:t>
             </a:r>
             <a:r>
               <a:rPr lang="en-US" sz="3200" dirty="0"/>
-              <a:t>Data (Modelling Time)</a:t>
-            </a:r>
-            <a:endParaRPr lang="nl-NL" altLang="en-US" dirty="0" smtClean="0"/>
+              <a:t>Longitudinal Data (Modelling Time)</a:t>
+            </a:r>
+            <a:endParaRPr lang="nl-NL" altLang="en-US" dirty="0"/>
           </a:p>
         </p:txBody>
       </p:sp>
@@ -11717,10 +11595,10 @@
           <a:p>
             <a:pPr marL="0" indent="0" eaLnBrk="1" hangingPunct="1"/>
             <a:r>
-              <a:rPr lang="en-US" altLang="en-US" smtClean="0"/>
+              <a:rPr lang="en-US" altLang="en-US"/>
               <a:t>Rebecca Stellato</a:t>
             </a:r>
-            <a:endParaRPr lang="nl-NL" altLang="en-US" smtClean="0"/>
+            <a:endParaRPr lang="nl-NL" altLang="en-US"/>
           </a:p>
         </p:txBody>
       </p:sp>
@@ -11734,13 +11612,6 @@
   <p:clrMapOvr>
     <a:masterClrMapping/>
   </p:clrMapOvr>
-  <p:timing>
-    <p:tnLst>
-      <p:par>
-        <p:cTn id="1" dur="indefinite" restart="never" nodeType="tmRoot"/>
-      </p:par>
-    </p:tnLst>
-  </p:timing>
 </p:sld>
 </file>
 
@@ -11777,10 +11648,10 @@
           <a:lstStyle/>
           <a:p>
             <a:r>
-              <a:rPr lang="nl-NL" smtClean="0"/>
+              <a:rPr lang="nl-NL"/>
               <a:t>Example: Reisby Data</a:t>
             </a:r>
-            <a:endParaRPr lang="nl-NL" dirty="0" smtClean="0"/>
+            <a:endParaRPr lang="nl-NL" dirty="0"/>
           </a:p>
         </p:txBody>
       </p:sp>
@@ -11819,7 +11690,7 @@
           <a:lstStyle/>
           <a:p>
             <a:r>
-              <a:rPr lang="nl-NL" smtClean="0"/>
+              <a:rPr lang="nl-NL"/>
               <a:t>“Spaghetti Plot” (R, using ggplot2)</a:t>
             </a:r>
             <a:endParaRPr lang="nl-NL" dirty="0"/>
@@ -12030,13 +11901,6 @@
   <p:clrMapOvr>
     <a:masterClrMapping/>
   </p:clrMapOvr>
-  <p:timing>
-    <p:tnLst>
-      <p:par>
-        <p:cTn id="1" dur="indefinite" restart="never" nodeType="tmRoot"/>
-      </p:par>
-    </p:tnLst>
-  </p:timing>
 </p:sld>
 </file>
 
@@ -12073,14 +11937,14 @@
           <a:lstStyle/>
           <a:p>
             <a:r>
-              <a:rPr lang="en-US" i="1" dirty="0" smtClean="0"/>
+              <a:rPr lang="en-US" i="1" dirty="0"/>
               <a:t>Linear</a:t>
             </a:r>
             <a:r>
-              <a:rPr lang="en-US" dirty="0" smtClean="0"/>
+              <a:rPr lang="en-US" dirty="0"/>
               <a:t> time effect</a:t>
             </a:r>
-            <a:endParaRPr lang="nl-NL" dirty="0" smtClean="0"/>
+            <a:endParaRPr lang="nl-NL" dirty="0"/>
           </a:p>
         </p:txBody>
       </p:sp>
@@ -12100,46 +11964,46 @@
           <a:lstStyle/>
           <a:p>
             <a:r>
-              <a:rPr lang="en-US" dirty="0" smtClean="0"/>
+              <a:rPr lang="en-US" dirty="0"/>
               <a:t>Time technically measured in categories (weeks 1, 2 ...)</a:t>
             </a:r>
           </a:p>
           <a:p>
             <a:r>
-              <a:rPr lang="en-US" dirty="0" smtClean="0"/>
+              <a:rPr lang="en-US" dirty="0"/>
               <a:t>Reasonable to model time as linear?</a:t>
             </a:r>
           </a:p>
           <a:p>
             <a:pPr lvl="1"/>
             <a:r>
-              <a:rPr lang="en-US" dirty="0" smtClean="0"/>
+              <a:rPr lang="en-US" dirty="0"/>
               <a:t>1 parameter for slope of HDRS in time</a:t>
             </a:r>
           </a:p>
           <a:p>
             <a:pPr lvl="1"/>
             <a:r>
-              <a:rPr lang="en-US" dirty="0" smtClean="0"/>
+              <a:rPr lang="en-US" dirty="0"/>
               <a:t>need to check whether this assumption is reasonable</a:t>
             </a:r>
           </a:p>
           <a:p>
             <a:pPr lvl="2"/>
             <a:r>
-              <a:rPr lang="en-US" dirty="0" smtClean="0"/>
+              <a:rPr lang="en-US" dirty="0"/>
               <a:t>initial data analysis (spaghetti plot, individual plots)</a:t>
             </a:r>
           </a:p>
           <a:p>
             <a:pPr lvl="2"/>
             <a:r>
-              <a:rPr lang="en-US" dirty="0" smtClean="0"/>
+              <a:rPr lang="en-US" dirty="0"/>
               <a:t>model comparison (day 3)</a:t>
             </a:r>
           </a:p>
           <a:p>
-            <a:endParaRPr lang="nl-NL" dirty="0" smtClean="0"/>
+            <a:endParaRPr lang="nl-NL" dirty="0"/>
           </a:p>
         </p:txBody>
       </p:sp>
@@ -12172,13 +12036,6 @@
   <p:clrMapOvr>
     <a:masterClrMapping/>
   </p:clrMapOvr>
-  <p:timing>
-    <p:tnLst>
-      <p:par>
-        <p:cTn id="1" dur="indefinite" restart="never" nodeType="tmRoot"/>
-      </p:par>
-    </p:tnLst>
-  </p:timing>
 </p:sld>
 </file>
 
@@ -12215,10 +12072,10 @@
           <a:lstStyle/>
           <a:p>
             <a:r>
-              <a:rPr lang="en-US" smtClean="0"/>
+              <a:rPr lang="en-US"/>
               <a:t>Random intercept with linear time effect</a:t>
             </a:r>
-            <a:endParaRPr lang="nl-NL" smtClean="0"/>
+            <a:endParaRPr lang="nl-NL"/>
           </a:p>
         </p:txBody>
       </p:sp>
@@ -12238,7 +12095,7 @@
           <a:lstStyle/>
           <a:p>
             <a:r>
-              <a:rPr lang="en-US" dirty="0" smtClean="0"/>
+              <a:rPr lang="en-US" dirty="0"/>
               <a:t>Predicted values from a LME with random intercept and linear time:</a:t>
             </a:r>
             <a:endParaRPr lang="nl-NL" dirty="0"/>
@@ -12385,13 +12242,6 @@
   <p:clrMapOvr>
     <a:masterClrMapping/>
   </p:clrMapOvr>
-  <p:timing>
-    <p:tnLst>
-      <p:par>
-        <p:cTn id="1" dur="indefinite" restart="never" nodeType="tmRoot"/>
-      </p:par>
-    </p:tnLst>
-  </p:timing>
 </p:sld>
 </file>
 
@@ -12428,10 +12278,10 @@
           <a:lstStyle/>
           <a:p>
             <a:r>
-              <a:rPr lang="en-US" smtClean="0"/>
+              <a:rPr lang="en-US"/>
               <a:t>Random intercept + random linear time effect</a:t>
             </a:r>
-            <a:endParaRPr lang="nl-NL" dirty="0" smtClean="0"/>
+            <a:endParaRPr lang="nl-NL" dirty="0"/>
           </a:p>
         </p:txBody>
       </p:sp>
@@ -12453,7 +12303,7 @@
               <a:lstStyle/>
               <a:p>
                 <a:r>
-                  <a:rPr lang="en-US" dirty="0" smtClean="0"/>
+                  <a:rPr lang="en-US" dirty="0"/>
                   <a:t>We can make the assumption that the (linear) time effect is different for each individual by incorporating a random (linear) time effect:</a:t>
                 </a:r>
                 <a:endParaRPr lang="nl-NL" dirty="0"/>
@@ -12837,7 +12687,6 @@
                   <a:rPr lang="en-US" altLang="en-US" dirty="0"/>
                   <a:t> ;  </a:t>
                 </a:r>
-                <a:endParaRPr lang="en-US" altLang="en-US" dirty="0" smtClean="0"/>
               </a:p>
               <a:p>
                 <a:pPr lvl="1"/>
@@ -13075,7 +12924,7 @@
                   </m:oMath>
                 </a14:m>
                 <a:r>
-                  <a:rPr lang="nl-NL" dirty="0" smtClean="0"/>
+                  <a:rPr lang="nl-NL" dirty="0"/>
                   <a:t> ;  </a:t>
                 </a:r>
                 <a14:m>
@@ -13203,16 +13052,16 @@
                     </m:sSub>
                   </m:oMath>
                 </a14:m>
-                <a:endParaRPr lang="nl-NL" dirty="0" smtClean="0"/>
+                <a:endParaRPr lang="nl-NL" dirty="0"/>
               </a:p>
               <a:p>
                 <a:pPr lvl="2"/>
-                <a:endParaRPr lang="en-US" dirty="0" smtClean="0"/>
+                <a:endParaRPr lang="en-US" dirty="0"/>
               </a:p>
               <a:p>
                 <a:pPr lvl="2"/>
                 <a:r>
-                  <a:rPr lang="en-US" dirty="0" smtClean="0"/>
+                  <a:rPr lang="en-US" dirty="0"/>
                   <a:t>This last line can also be written: </a:t>
                 </a:r>
                 <a14:m>
@@ -13624,11 +13473,11 @@
                     </m:d>
                   </m:oMath>
                 </a14:m>
-                <a:endParaRPr lang="nl-NL" dirty="0" smtClean="0"/>
+                <a:endParaRPr lang="nl-NL" dirty="0"/>
               </a:p>
               <a:p>
                 <a:pPr lvl="2"/>
-                <a:endParaRPr lang="en-US" i="1" dirty="0" smtClean="0">
+                <a:endParaRPr lang="en-US" i="1" dirty="0">
                   <a:latin typeface="Cambria Math"/>
                   <a:ea typeface="Cambria Math"/>
                 </a:endParaRPr>
@@ -13669,23 +13518,23 @@
                   </m:oMath>
                 </a14:m>
                 <a:r>
-                  <a:rPr lang="nl-NL" dirty="0" smtClean="0"/>
+                  <a:rPr lang="nl-NL" dirty="0"/>
                   <a:t> is the </a:t>
                 </a:r>
                 <a:r>
-                  <a:rPr lang="nl-NL" i="1" dirty="0" err="1" smtClean="0"/>
+                  <a:rPr lang="nl-NL" i="1" dirty="0" err="1"/>
                   <a:t>variance-covariance</a:t>
                 </a:r>
                 <a:r>
-                  <a:rPr lang="nl-NL" i="1" dirty="0" smtClean="0"/>
+                  <a:rPr lang="nl-NL" i="1" dirty="0"/>
                   <a:t> matrix</a:t>
                 </a:r>
                 <a:r>
-                  <a:rPr lang="nl-NL" dirty="0" smtClean="0"/>
+                  <a:rPr lang="nl-NL" dirty="0"/>
                   <a:t> of the random </a:t>
                 </a:r>
                 <a:r>
-                  <a:rPr lang="nl-NL" dirty="0" err="1" smtClean="0"/>
+                  <a:rPr lang="nl-NL" dirty="0" err="1"/>
                   <a:t>effects</a:t>
                 </a:r>
                 <a:endParaRPr lang="nl-NL" dirty="0"/>
@@ -13756,13 +13605,6 @@
   <p:clrMapOvr>
     <a:masterClrMapping/>
   </p:clrMapOvr>
-  <p:timing>
-    <p:tnLst>
-      <p:par>
-        <p:cTn id="1" dur="indefinite" restart="never" nodeType="tmRoot"/>
-      </p:par>
-    </p:tnLst>
-  </p:timing>
 </p:sld>
 </file>
 
@@ -13799,10 +13641,10 @@
           <a:lstStyle/>
           <a:p>
             <a:r>
-              <a:rPr lang="en-US" dirty="0" smtClean="0"/>
+              <a:rPr lang="en-US" dirty="0"/>
               <a:t>R output random intercept + random slope model</a:t>
             </a:r>
-            <a:endParaRPr lang="nl-NL" dirty="0" smtClean="0"/>
+            <a:endParaRPr lang="nl-NL" dirty="0"/>
           </a:p>
         </p:txBody>
       </p:sp>
@@ -13822,52 +13664,52 @@
           <a:lstStyle/>
           <a:p>
             <a:r>
-              <a:rPr lang="en-US" dirty="0" smtClean="0"/>
+              <a:rPr lang="en-US" dirty="0"/>
               <a:t> Value </a:t>
             </a:r>
             <a:r>
-              <a:rPr lang="en-US" dirty="0" err="1" smtClean="0"/>
+              <a:rPr lang="en-US" dirty="0" err="1"/>
               <a:t>Std.Error</a:t>
             </a:r>
             <a:r>
-              <a:rPr lang="en-US" dirty="0" smtClean="0"/>
+              <a:rPr lang="en-US" dirty="0"/>
               <a:t>  DF   t-value p-value</a:t>
             </a:r>
           </a:p>
           <a:p>
             <a:r>
-              <a:rPr lang="en-US" dirty="0" smtClean="0"/>
+              <a:rPr lang="en-US" dirty="0"/>
               <a:t>(Intercept) 22.476263 0.7986132 307 28.144117  0.0000</a:t>
             </a:r>
           </a:p>
           <a:p>
             <a:r>
-              <a:rPr lang="en-US" dirty="0" smtClean="0"/>
+              <a:rPr lang="en-US" dirty="0"/>
               <a:t>time        -2.365687 0.3134845 307 -7.546425  0.0000</a:t>
             </a:r>
           </a:p>
           <a:p>
             <a:r>
-              <a:rPr lang="en-US" dirty="0" err="1" smtClean="0"/>
+              <a:rPr lang="en-US" dirty="0" err="1"/>
               <a:t>endo</a:t>
             </a:r>
             <a:r>
-              <a:rPr lang="en-US" dirty="0" smtClean="0"/>
+              <a:rPr lang="en-US" dirty="0"/>
               <a:t>         1.988021 1.0747911  64  1.849681  0.0690</a:t>
             </a:r>
           </a:p>
           <a:p>
             <a:r>
-              <a:rPr lang="en-US" dirty="0" err="1" smtClean="0"/>
+              <a:rPr lang="en-US" dirty="0" err="1"/>
               <a:t>time:endo</a:t>
             </a:r>
             <a:r>
-              <a:rPr lang="en-US" dirty="0" smtClean="0"/>
+              <a:rPr lang="en-US" dirty="0"/>
               <a:t>   -0.027056 0.4217258 307 -0.064155  0.9489</a:t>
             </a:r>
           </a:p>
           <a:p>
-            <a:endParaRPr lang="nl-NL" dirty="0" smtClean="0"/>
+            <a:endParaRPr lang="nl-NL" dirty="0"/>
           </a:p>
         </p:txBody>
       </p:sp>
@@ -13887,7 +13729,7 @@
           <a:lstStyle/>
           <a:p>
             <a:r>
-              <a:rPr lang="en-US" smtClean="0"/>
+              <a:rPr lang="en-US"/>
               <a:t>Parameter estimates of the fixed part of the previous model:</a:t>
             </a:r>
             <a:endParaRPr lang="nl-NL" dirty="0"/>
@@ -13923,13 +13765,6 @@
   <p:clrMapOvr>
     <a:masterClrMapping/>
   </p:clrMapOvr>
-  <p:timing>
-    <p:tnLst>
-      <p:par>
-        <p:cTn id="1" dur="indefinite" restart="never" nodeType="tmRoot"/>
-      </p:par>
-    </p:tnLst>
-  </p:timing>
 </p:sld>
 </file>
 
@@ -13966,7 +13801,7 @@
           <a:lstStyle/>
           <a:p>
             <a:r>
-              <a:rPr lang="en-US" smtClean="0"/>
+              <a:rPr lang="en-US"/>
               <a:t>R output random intercept + random slope model</a:t>
             </a:r>
             <a:endParaRPr lang="nl-NL" dirty="0"/>
@@ -13989,49 +13824,49 @@
           <a:lstStyle/>
           <a:p>
             <a:r>
-              <a:rPr lang="en-US" dirty="0" smtClean="0"/>
+              <a:rPr lang="en-US" dirty="0"/>
               <a:t>             </a:t>
             </a:r>
             <a:r>
-              <a:rPr lang="en-US" dirty="0" err="1" smtClean="0"/>
+              <a:rPr lang="en-US" dirty="0" err="1"/>
               <a:t>StdDev</a:t>
             </a:r>
             <a:r>
-              <a:rPr lang="en-US" dirty="0" smtClean="0"/>
+              <a:rPr lang="en-US" dirty="0"/>
               <a:t>   </a:t>
             </a:r>
             <a:r>
-              <a:rPr lang="en-US" dirty="0" err="1" smtClean="0"/>
+              <a:rPr lang="en-US" dirty="0" err="1"/>
               <a:t>Corr</a:t>
             </a:r>
             <a:r>
-              <a:rPr lang="en-US" dirty="0" smtClean="0"/>
+              <a:rPr lang="en-US" dirty="0"/>
               <a:t>  </a:t>
             </a:r>
           </a:p>
           <a:p>
             <a:r>
-              <a:rPr lang="en-US" dirty="0" smtClean="0"/>
+              <a:rPr lang="en-US" dirty="0"/>
               <a:t>(Intercept) 3.411893 (</a:t>
             </a:r>
             <a:r>
-              <a:rPr lang="en-US" dirty="0" err="1" smtClean="0"/>
+              <a:rPr lang="en-US" dirty="0" err="1"/>
               <a:t>Intr</a:t>
             </a:r>
             <a:r>
-              <a:rPr lang="en-US" dirty="0" smtClean="0"/>
+              <a:rPr lang="en-US" dirty="0"/>
               <a:t>)</a:t>
             </a:r>
           </a:p>
           <a:p>
             <a:r>
-              <a:rPr lang="en-US" dirty="0" smtClean="0"/>
+              <a:rPr lang="en-US" dirty="0"/>
               <a:t>time        1.441193 -0.285</a:t>
             </a:r>
           </a:p>
           <a:p>
             <a:r>
-              <a:rPr lang="en-US" dirty="0" smtClean="0"/>
+              <a:rPr lang="en-US" dirty="0"/>
               <a:t>Residual    3.495500 </a:t>
             </a:r>
             <a:endParaRPr lang="nl-NL" dirty="0"/>
@@ -14056,7 +13891,7 @@
               <a:lstStyle/>
               <a:p>
                 <a:r>
-                  <a:rPr lang="en-US" dirty="0" smtClean="0"/>
+                  <a:rPr lang="en-US" dirty="0"/>
                   <a:t>So:</a:t>
                 </a:r>
               </a:p>
@@ -14163,7 +13998,7 @@
                   </m:oMath>
                 </a14:m>
                 <a:r>
-                  <a:rPr lang="nl-NL" dirty="0" smtClean="0"/>
+                  <a:rPr lang="nl-NL" dirty="0"/>
                   <a:t> ; </a:t>
                 </a:r>
                 <a14:m>
@@ -14275,7 +14110,7 @@
                   </m:oMath>
                 </a14:m>
                 <a:r>
-                  <a:rPr lang="nl-NL" dirty="0" smtClean="0"/>
+                  <a:rPr lang="nl-NL" dirty="0"/>
                   <a:t> ; </a:t>
                 </a:r>
                 <a14:m>
@@ -14392,7 +14227,7 @@
                     </m:r>
                   </m:oMath>
                 </a14:m>
-                <a:endParaRPr lang="nl-NL" dirty="0" smtClean="0"/>
+                <a:endParaRPr lang="nl-NL" dirty="0"/>
               </a:p>
               <a:p>
                 <a:pPr lvl="1"/>
@@ -14682,7 +14517,7 @@
                     </m:r>
                   </m:oMath>
                 </a14:m>
-                <a:endParaRPr lang="nl-NL" dirty="0" smtClean="0"/>
+                <a:endParaRPr lang="nl-NL" dirty="0"/>
               </a:p>
               <a:p>
                 <a:pPr marL="957915" lvl="2" indent="0">
@@ -14787,27 +14622,23 @@
                     </m:oMath>
                   </m:oMathPara>
                 </a14:m>
-                <a:endParaRPr lang="nl-NL" dirty="0" smtClean="0"/>
+                <a:endParaRPr lang="nl-NL" dirty="0"/>
               </a:p>
               <a:p>
                 <a:pPr marL="4763" lvl="2" indent="0">
                   <a:buNone/>
                 </a:pPr>
-                <a:endParaRPr lang="en-US" sz="2200" dirty="0" smtClean="0"/>
+                <a:endParaRPr lang="en-US" sz="2200" dirty="0"/>
               </a:p>
               <a:p>
                 <a:pPr marL="4763" lvl="2" indent="0">
                   <a:buNone/>
                 </a:pPr>
                 <a:r>
-                  <a:rPr lang="en-US" sz="2200" dirty="0" smtClean="0"/>
-                  <a:t>Note: random </a:t>
+                  <a:rPr lang="en-US" sz="2200" dirty="0"/>
+                  <a:t>Note: random intercept and slope are negatively correlated (the higher the intercept the more negative the slope); often true in longitudinal data</a:t>
                 </a:r>
-                <a:r>
-                  <a:rPr lang="en-US" sz="2200" dirty="0"/>
-                  <a:t>intercept and slope are negatively correlated (the higher the intercept the more negative the slope); often true in longitudinal data</a:t>
-                </a:r>
-                <a:endParaRPr lang="nl-NL" sz="2200" dirty="0" smtClean="0"/>
+                <a:endParaRPr lang="nl-NL" sz="2200" dirty="0"/>
               </a:p>
             </p:txBody>
           </p:sp>
@@ -14886,7 +14717,7 @@
           <a:lstStyle/>
           <a:p>
             <a:r>
-              <a:rPr lang="en-US" smtClean="0"/>
+              <a:rPr lang="en-US"/>
               <a:t>Parameter estimates of the random part (intercept, slope) of the model:</a:t>
             </a:r>
             <a:endParaRPr lang="nl-NL" dirty="0"/>
@@ -14903,13 +14734,6 @@
   <p:clrMapOvr>
     <a:masterClrMapping/>
   </p:clrMapOvr>
-  <p:timing>
-    <p:tnLst>
-      <p:par>
-        <p:cTn id="1" dur="indefinite" restart="never" nodeType="tmRoot"/>
-      </p:par>
-    </p:tnLst>
-  </p:timing>
 </p:sld>
 </file>
 
@@ -14946,7 +14770,7 @@
           <a:lstStyle/>
           <a:p>
             <a:r>
-              <a:rPr lang="nl-NL" smtClean="0"/>
+              <a:rPr lang="nl-NL"/>
               <a:t>Interpretation of model</a:t>
             </a:r>
           </a:p>
@@ -14968,53 +14792,53 @@
           <a:lstStyle/>
           <a:p>
             <a:r>
-              <a:rPr lang="en-US" smtClean="0"/>
+              <a:rPr lang="en-US"/>
               <a:t>Intercept (22.48) is average HDRS score when all variables = 0</a:t>
             </a:r>
           </a:p>
           <a:p>
             <a:pPr lvl="1"/>
             <a:r>
-              <a:rPr lang="en-US" smtClean="0"/>
+              <a:rPr lang="en-US"/>
               <a:t>so for patients with exogenous depression (reference) at time = 0</a:t>
             </a:r>
           </a:p>
           <a:p>
             <a:r>
-              <a:rPr lang="en-US" smtClean="0"/>
+              <a:rPr lang="en-US"/>
               <a:t>Estimate for endo (1.99) is average difference in HDRS between endogenous and exogenous patients at time = 0</a:t>
             </a:r>
           </a:p>
           <a:p>
             <a:pPr lvl="1"/>
             <a:r>
-              <a:rPr lang="en-US" smtClean="0"/>
+              <a:rPr lang="en-US"/>
               <a:t>patients with exogenous depression start with average of 22.48 </a:t>
             </a:r>
           </a:p>
           <a:p>
             <a:pPr lvl="1"/>
             <a:r>
-              <a:rPr lang="en-US" smtClean="0"/>
+              <a:rPr lang="en-US"/>
               <a:t>patients with endogenous depression start with average of 22.476 + 1.988 = 24.46</a:t>
             </a:r>
           </a:p>
           <a:p>
             <a:r>
-              <a:rPr lang="en-US" smtClean="0"/>
+              <a:rPr lang="en-US"/>
               <a:t>Estimate of random intercept s.d. 3.41 indicates considerable fluctuation around fixed intercepts:</a:t>
             </a:r>
           </a:p>
           <a:p>
             <a:pPr lvl="1"/>
             <a:r>
-              <a:rPr lang="en-US" smtClean="0"/>
+              <a:rPr lang="en-US"/>
               <a:t>patients can start quite a bit higher/lower than average</a:t>
             </a:r>
           </a:p>
           <a:p>
             <a:r>
-              <a:rPr lang="en-US" smtClean="0"/>
+              <a:rPr lang="en-US"/>
               <a:t>“Average” slope is -2.37 for patients with exogenous depression</a:t>
             </a:r>
           </a:p>
@@ -15052,13 +14876,6 @@
   <p:clrMapOvr>
     <a:masterClrMapping/>
   </p:clrMapOvr>
-  <p:timing>
-    <p:tnLst>
-      <p:par>
-        <p:cTn id="1" dur="indefinite" restart="never" nodeType="tmRoot"/>
-      </p:par>
-    </p:tnLst>
-  </p:timing>
 </p:sld>
 </file>
 
@@ -15095,10 +14912,10 @@
           <a:lstStyle/>
           <a:p>
             <a:r>
-              <a:rPr lang="en-US" smtClean="0"/>
+              <a:rPr lang="en-US"/>
               <a:t>Interpretation of model, cont.</a:t>
             </a:r>
-            <a:endParaRPr lang="en-US" dirty="0" smtClean="0"/>
+            <a:endParaRPr lang="en-US" dirty="0"/>
           </a:p>
         </p:txBody>
       </p:sp>
@@ -15118,27 +14935,27 @@
           <a:lstStyle/>
           <a:p>
             <a:r>
-              <a:rPr lang="en-US" smtClean="0"/>
+              <a:rPr lang="en-US"/>
               <a:t>Interaction endo*time (-0.027) is difference in slope endogenous vs. exogenous</a:t>
             </a:r>
           </a:p>
           <a:p>
             <a:pPr lvl="1"/>
             <a:r>
-              <a:rPr lang="en-US" smtClean="0"/>
+              <a:rPr lang="en-US"/>
               <a:t>per time unit (1 week) the HDRS score decreases on average by 2.37 (exog)</a:t>
             </a:r>
           </a:p>
           <a:p>
             <a:pPr lvl="1"/>
             <a:r>
-              <a:rPr lang="en-US" smtClean="0"/>
+              <a:rPr lang="en-US"/>
               <a:t>per time unit (1 week) the HDRS score decreases on average by 2.39 (endog)</a:t>
             </a:r>
           </a:p>
           <a:p>
             <a:r>
-              <a:rPr lang="en-US" smtClean="0"/>
+              <a:rPr lang="en-US"/>
               <a:t>Estimate of random slope s.d. 1.44, so for individuals the slope can be quite a bit steeper or flatter, may even be positive for some patients (as seen in the plot). </a:t>
             </a:r>
           </a:p>
@@ -15181,13 +14998,6 @@
   <p:clrMapOvr>
     <a:masterClrMapping/>
   </p:clrMapOvr>
-  <p:timing>
-    <p:tnLst>
-      <p:par>
-        <p:cTn id="1" dur="indefinite" restart="never" nodeType="tmRoot"/>
-      </p:par>
-    </p:tnLst>
-  </p:timing>
 </p:sld>
 </file>
 
@@ -15224,10 +15034,10 @@
           <a:lstStyle/>
           <a:p>
             <a:r>
-              <a:rPr lang="en-US" smtClean="0"/>
+              <a:rPr lang="en-US"/>
               <a:t>Random intercept + random linear time effect</a:t>
             </a:r>
-            <a:endParaRPr lang="nl-NL" smtClean="0"/>
+            <a:endParaRPr lang="nl-NL"/>
           </a:p>
         </p:txBody>
       </p:sp>
@@ -15247,7 +15057,7 @@
           <a:lstStyle/>
           <a:p>
             <a:r>
-              <a:rPr lang="en-US" smtClean="0"/>
+              <a:rPr lang="en-US"/>
               <a:t>Predicted values from a LME with random intercept + random linear time effect:</a:t>
             </a:r>
             <a:endParaRPr lang="nl-NL" dirty="0"/>
@@ -15394,13 +15204,6 @@
   <p:clrMapOvr>
     <a:masterClrMapping/>
   </p:clrMapOvr>
-  <p:timing>
-    <p:tnLst>
-      <p:par>
-        <p:cTn id="1" dur="indefinite" restart="never" nodeType="tmRoot"/>
-      </p:par>
-    </p:tnLst>
-  </p:timing>
 </p:sld>
 </file>
 
@@ -15437,10 +15240,9 @@
           <a:lstStyle/>
           <a:p>
             <a:r>
-              <a:rPr lang="en-US" smtClean="0"/>
+              <a:rPr lang="en-US"/>
               <a:t>Random intercept + random linear time effect</a:t>
             </a:r>
-            <a:endParaRPr lang="en-US"/>
           </a:p>
         </p:txBody>
       </p:sp>
@@ -15460,33 +15262,33 @@
           <a:lstStyle/>
           <a:p>
             <a:r>
-              <a:rPr lang="en-US" dirty="0" smtClean="0"/>
+              <a:rPr lang="en-US" dirty="0"/>
               <a:t>Given what we learned yesterday, the previous analysis (with linear effects for time) is “all” we could do</a:t>
             </a:r>
           </a:p>
           <a:p>
             <a:r>
-              <a:rPr lang="en-US" dirty="0" smtClean="0"/>
+              <a:rPr lang="en-US" dirty="0"/>
               <a:t>What if we think it is unreasonable to use time as continuous?</a:t>
             </a:r>
           </a:p>
           <a:p>
             <a:r>
-              <a:rPr lang="en-US" dirty="0" smtClean="0"/>
+              <a:rPr lang="en-US" dirty="0"/>
               <a:t>Add time as categorical to the fixed effects – and then?</a:t>
             </a:r>
           </a:p>
           <a:p>
             <a:pPr lvl="1"/>
             <a:r>
-              <a:rPr lang="en-US" dirty="0" smtClean="0"/>
+              <a:rPr lang="en-US" dirty="0"/>
               <a:t>some add time as linear to the random effects</a:t>
             </a:r>
           </a:p>
           <a:p>
             <a:pPr lvl="1"/>
             <a:r>
-              <a:rPr lang="en-US" dirty="0" smtClean="0"/>
+              <a:rPr lang="en-US" dirty="0"/>
               <a:t>others choose to tackle time as a categorical variable in the random part of the model as well</a:t>
             </a:r>
           </a:p>
@@ -15529,13 +15331,6 @@
   <p:clrMapOvr>
     <a:masterClrMapping/>
   </p:clrMapOvr>
-  <p:timing>
-    <p:tnLst>
-      <p:par>
-        <p:cTn id="1" dur="indefinite" restart="never" nodeType="tmRoot"/>
-      </p:par>
-    </p:tnLst>
-  </p:timing>
 </p:sld>
 </file>
 
@@ -15572,22 +15367,22 @@
           <a:lstStyle/>
           <a:p>
             <a:r>
-              <a:rPr lang="nl-NL" altLang="en-US" dirty="0" err="1" smtClean="0"/>
+              <a:rPr lang="nl-NL" altLang="en-US" dirty="0" err="1"/>
               <a:t>Overview</a:t>
             </a:r>
             <a:r>
-              <a:rPr lang="nl-NL" altLang="en-US" dirty="0" smtClean="0"/>
+              <a:rPr lang="nl-NL" altLang="en-US" dirty="0"/>
               <a:t> Part </a:t>
             </a:r>
             <a:r>
-              <a:rPr lang="nl-NL" dirty="0" smtClean="0"/>
+              <a:rPr lang="nl-NL" dirty="0"/>
               <a:t>2: </a:t>
             </a:r>
             <a:r>
-              <a:rPr lang="en-US" smtClean="0"/>
+              <a:rPr lang="en-US"/>
               <a:t>longitudinal data</a:t>
             </a:r>
-            <a:endParaRPr lang="nl-NL" dirty="0" smtClean="0"/>
+            <a:endParaRPr lang="nl-NL" dirty="0"/>
           </a:p>
         </p:txBody>
       </p:sp>
@@ -15607,36 +15402,36 @@
           <a:lstStyle/>
           <a:p>
             <a:r>
-              <a:rPr lang="en-US" smtClean="0"/>
+              <a:rPr lang="en-US"/>
               <a:t>Examples of longitudinal data</a:t>
             </a:r>
           </a:p>
           <a:p>
             <a:r>
-              <a:rPr lang="en-US" smtClean="0"/>
+              <a:rPr lang="en-US"/>
               <a:t>Linear mixed effects (LME) models with linear time effect</a:t>
             </a:r>
           </a:p>
           <a:p>
             <a:r>
-              <a:rPr lang="en-US" smtClean="0"/>
+              <a:rPr lang="en-US"/>
               <a:t>The variance-covariance matrix of repeated measures</a:t>
             </a:r>
           </a:p>
           <a:p>
             <a:r>
-              <a:rPr lang="en-US" smtClean="0"/>
+              <a:rPr lang="en-US"/>
               <a:t>Correlation structures &amp; covariance pattern models</a:t>
             </a:r>
           </a:p>
           <a:p>
             <a:r>
-              <a:rPr lang="en-US" smtClean="0"/>
+              <a:rPr lang="en-US"/>
               <a:t>What to do with baseline measurement?</a:t>
             </a:r>
           </a:p>
           <a:p>
-            <a:endParaRPr lang="nl-NL" dirty="0" smtClean="0"/>
+            <a:endParaRPr lang="nl-NL" dirty="0"/>
           </a:p>
         </p:txBody>
       </p:sp>
@@ -15669,13 +15464,6 @@
   <p:clrMapOvr>
     <a:masterClrMapping/>
   </p:clrMapOvr>
-  <p:timing>
-    <p:tnLst>
-      <p:par>
-        <p:cTn id="1" dur="indefinite" restart="never" nodeType="tmRoot"/>
-      </p:par>
-    </p:tnLst>
-  </p:timing>
 </p:sld>
 </file>
 
@@ -15712,7 +15500,7 @@
           <a:lstStyle/>
           <a:p>
             <a:r>
-              <a:rPr lang="nl-NL" smtClean="0"/>
+              <a:rPr lang="nl-NL"/>
               <a:t>LMM matrix formulation &amp; var-covar matrix</a:t>
             </a:r>
             <a:endParaRPr lang="nl-NL" dirty="0"/>
@@ -15737,7 +15525,7 @@
               <a:lstStyle/>
               <a:p>
                 <a:r>
-                  <a:rPr lang="en-US" dirty="0" smtClean="0"/>
+                  <a:rPr lang="en-US" dirty="0"/>
                   <a:t>Recall model linear mixed model:</a:t>
                 </a:r>
               </a:p>
@@ -16026,15 +15814,15 @@
                     </m:sSub>
                   </m:oMath>
                 </a14:m>
-                <a:endParaRPr lang="en-US" dirty="0" smtClean="0"/>
+                <a:endParaRPr lang="en-US" dirty="0"/>
               </a:p>
               <a:p>
                 <a:pPr lvl="1"/>
-                <a:endParaRPr lang="en-US" dirty="0" smtClean="0"/>
+                <a:endParaRPr lang="en-US" dirty="0"/>
               </a:p>
               <a:p>
                 <a:r>
-                  <a:rPr lang="en-US" dirty="0" smtClean="0"/>
+                  <a:rPr lang="en-US" dirty="0"/>
                   <a:t>In matrix formulation:</a:t>
                 </a:r>
               </a:p>
@@ -16220,12 +16008,12 @@
                     </m:sSub>
                   </m:oMath>
                 </a14:m>
-                <a:endParaRPr lang="en-US" b="1" dirty="0" smtClean="0"/>
+                <a:endParaRPr lang="en-US" b="1" dirty="0"/>
               </a:p>
               <a:p>
                 <a:pPr lvl="1"/>
                 <a:r>
-                  <a:rPr lang="en-US" dirty="0" smtClean="0"/>
+                  <a:rPr lang="en-US" dirty="0"/>
                   <a:t>where </a:t>
                 </a:r>
                 <a14:m>
@@ -16258,7 +16046,7 @@
                   </m:oMath>
                 </a14:m>
                 <a:r>
-                  <a:rPr lang="en-US" dirty="0" smtClean="0"/>
+                  <a:rPr lang="en-US" dirty="0"/>
                   <a:t> is the covariate matrix of the fixed effect(s) and </a:t>
                 </a:r>
                 <a14:m>
@@ -16294,13 +16082,13 @@
                   </m:oMath>
                 </a14:m>
                 <a:r>
-                  <a:rPr lang="en-US" dirty="0" smtClean="0"/>
+                  <a:rPr lang="en-US" dirty="0"/>
                   <a:t> the design matrix of the random effect(s)</a:t>
                 </a:r>
               </a:p>
               <a:p>
                 <a:r>
-                  <a:rPr lang="en-US" dirty="0" smtClean="0"/>
+                  <a:rPr lang="en-US" dirty="0"/>
                   <a:t>Variance-covariance matrix of repeated measures y:</a:t>
                 </a:r>
               </a:p>
@@ -16605,12 +16393,12 @@
                     </m:sSub>
                   </m:oMath>
                 </a14:m>
-                <a:endParaRPr lang="en-US" b="1" dirty="0" smtClean="0"/>
+                <a:endParaRPr lang="en-US" b="1" dirty="0"/>
               </a:p>
               <a:p>
                 <a:pPr lvl="1"/>
                 <a:r>
-                  <a:rPr lang="en-US" dirty="0" smtClean="0"/>
+                  <a:rPr lang="en-US" dirty="0"/>
                   <a:t>variance-covariance matrix of outcome for a patient’s measurements depends on covariance matrix of random effects </a:t>
                 </a:r>
                 <a14:m>
@@ -16647,7 +16435,7 @@
                   </m:oMath>
                 </a14:m>
                 <a:r>
-                  <a:rPr lang="en-US" dirty="0" smtClean="0"/>
+                  <a:rPr lang="en-US" dirty="0"/>
                   <a:t> and residual variance </a:t>
                 </a:r>
                 <a14:m>
@@ -16688,12 +16476,12 @@
                     </m:sSubSup>
                   </m:oMath>
                 </a14:m>
-                <a:endParaRPr lang="en-US" dirty="0" smtClean="0"/>
+                <a:endParaRPr lang="en-US" dirty="0"/>
               </a:p>
               <a:p>
                 <a:pPr lvl="1"/>
                 <a:r>
-                  <a:rPr lang="en-US" dirty="0" smtClean="0"/>
+                  <a:rPr lang="en-US" dirty="0"/>
                   <a:t>the number and variances of the random effects and their correlation(s) determine part of the variance-covariance matrix</a:t>
                 </a:r>
               </a:p>
@@ -16771,13 +16559,6 @@
   <p:clrMapOvr>
     <a:masterClrMapping/>
   </p:clrMapOvr>
-  <p:timing>
-    <p:tnLst>
-      <p:par>
-        <p:cTn id="1" dur="indefinite" restart="never" nodeType="tmRoot"/>
-      </p:par>
-    </p:tnLst>
-  </p:timing>
 </p:sld>
 </file>
 
@@ -17950,13 +17731,6 @@
   <p:clrMapOvr>
     <a:masterClrMapping/>
   </p:clrMapOvr>
-  <p:timing>
-    <p:tnLst>
-      <p:par>
-        <p:cTn id="1" dur="indefinite" restart="never" nodeType="tmRoot"/>
-      </p:par>
-    </p:tnLst>
-  </p:timing>
 </p:sld>
 </file>
 
@@ -17993,18 +17767,17 @@
           <a:lstStyle/>
           <a:p>
             <a:r>
-              <a:rPr lang="en-US" dirty="0" smtClean="0"/>
+              <a:rPr lang="en-US" dirty="0"/>
               <a:t>CPMs &amp; </a:t>
             </a:r>
             <a:r>
-              <a:rPr lang="en-US" dirty="0" err="1" smtClean="0"/>
+              <a:rPr lang="en-US" dirty="0" err="1"/>
               <a:t>var-covar</a:t>
             </a:r>
             <a:r>
-              <a:rPr lang="en-US" dirty="0" smtClean="0"/>
+              <a:rPr lang="en-US" dirty="0"/>
               <a:t> matrix</a:t>
             </a:r>
-            <a:endParaRPr lang="en-US" dirty="0"/>
           </a:p>
         </p:txBody>
       </p:sp>
@@ -18128,35 +17901,26 @@
                     </m:sSub>
                   </m:oMath>
                 </a14:m>
-                <a:endParaRPr lang="en-US" dirty="0" smtClean="0"/>
+                <a:endParaRPr lang="en-US" dirty="0"/>
               </a:p>
               <a:p>
                 <a:pPr lvl="1"/>
                 <a:r>
-                  <a:rPr lang="en-US" dirty="0" smtClean="0"/>
+                  <a:rPr lang="en-US" dirty="0"/>
                   <a:t>No random effects!</a:t>
                 </a:r>
               </a:p>
               <a:p>
                 <a:pPr lvl="1"/>
                 <a:r>
-                  <a:rPr lang="en-US" dirty="0" smtClean="0"/>
-                  <a:t>How </a:t>
+                  <a:rPr lang="en-US" dirty="0"/>
+                  <a:t>How do we take into account the correlation between measurements on same person?</a:t>
                 </a:r>
-                <a:r>
-                  <a:rPr lang="en-US" dirty="0"/>
-                  <a:t>do we take into account the correlation between measurements on same person?</a:t>
-                </a:r>
-                <a:endParaRPr lang="en-US" dirty="0" smtClean="0"/>
               </a:p>
               <a:p>
                 <a:r>
                   <a:rPr lang="en-US" dirty="0"/>
-                  <a:t>Variance-covariance matrix of repeated measures y is now</a:t>
-                </a:r>
-                <a:r>
-                  <a:rPr lang="en-US" dirty="0" smtClean="0"/>
-                  <a:t>:</a:t>
+                  <a:t>Variance-covariance matrix of repeated measures y is now:</a:t>
                 </a:r>
               </a:p>
               <a:p>
@@ -18267,10 +18031,10 @@
                     </m:r>
                   </m:oMath>
                 </a14:m>
-                <a:endParaRPr lang="en-US" dirty="0" smtClean="0"/>
+                <a:endParaRPr lang="en-US" dirty="0"/>
               </a:p>
               <a:p>
-                <a:endParaRPr lang="en-US" dirty="0" smtClean="0"/>
+                <a:endParaRPr lang="en-US" dirty="0"/>
               </a:p>
             </p:txBody>
           </p:sp>
@@ -18325,10 +18089,9 @@
           <a:lstStyle/>
           <a:p>
             <a:r>
-              <a:rPr lang="en-US" dirty="0" smtClean="0"/>
+              <a:rPr lang="en-US" dirty="0"/>
               <a:t>Another possibility for modelling longitudinal data:</a:t>
             </a:r>
-            <a:endParaRPr lang="en-US" dirty="0"/>
           </a:p>
         </p:txBody>
       </p:sp>
@@ -18366,13 +18129,6 @@
   <p:clrMapOvr>
     <a:masterClrMapping/>
   </p:clrMapOvr>
-  <p:timing>
-    <p:tnLst>
-      <p:par>
-        <p:cTn id="1" dur="indefinite" restart="never" nodeType="tmRoot"/>
-      </p:par>
-    </p:tnLst>
-  </p:timing>
 </p:sld>
 </file>
 
@@ -18442,11 +18198,11 @@
               <a:lstStyle/>
               <a:p>
                 <a:r>
-                  <a:rPr lang="en-US" dirty="0" smtClean="0"/>
+                  <a:rPr lang="en-US" dirty="0"/>
                   <a:t>We know the residuals are not independent, so we need to assume correlation for  </a:t>
                 </a:r>
                 <a:r>
-                  <a:rPr lang="en-US" b="1" i="1" dirty="0" smtClean="0">
+                  <a:rPr lang="en-US" b="1" i="1" dirty="0">
                     <a:latin typeface="Cambria Math" panose="02040503050406030204" pitchFamily="18" charset="0"/>
                     <a:ea typeface="Cambria Math" panose="02040503050406030204" pitchFamily="18" charset="0"/>
                   </a:rPr>
@@ -18849,16 +18605,12 @@
                 </a:endParaRPr>
               </a:p>
               <a:p>
-                <a:endParaRPr lang="en-US" dirty="0" smtClean="0"/>
+                <a:endParaRPr lang="en-US" dirty="0"/>
               </a:p>
               <a:p>
                 <a:r>
-                  <a:rPr lang="en-US" dirty="0" smtClean="0"/>
-                  <a:t>We </a:t>
-                </a:r>
-                <a:r>
                   <a:rPr lang="en-US" dirty="0"/>
-                  <a:t>can use different correlation structures to model </a:t>
+                  <a:t>We can use different correlation structures to model </a:t>
                 </a:r>
                 <a:r>
                   <a:rPr lang="en-US" b="1" i="1" dirty="0">
@@ -18883,19 +18635,14 @@
                 </a:r>
                 <a:r>
                   <a:rPr lang="en-US" dirty="0"/>
-                  <a:t> (CPM</a:t>
-                </a:r>
-                <a:r>
-                  <a:rPr lang="en-US" dirty="0" smtClean="0"/>
-                  <a:t>)</a:t>
+                  <a:t> (CPM)</a:t>
                 </a:r>
               </a:p>
               <a:p>
                 <a:r>
-                  <a:rPr lang="en-US" dirty="0" smtClean="0"/>
+                  <a:rPr lang="en-US" dirty="0"/>
                   <a:t>Some also call them “GEE-type covariance structures”</a:t>
                 </a:r>
-                <a:endParaRPr lang="en-US" dirty="0"/>
               </a:p>
               <a:p>
                 <a:endParaRPr lang="nl-NL" dirty="0"/>
@@ -18971,13 +18718,6 @@
   <p:clrMapOvr>
     <a:masterClrMapping/>
   </p:clrMapOvr>
-  <p:timing>
-    <p:tnLst>
-      <p:par>
-        <p:cTn id="1" dur="indefinite" restart="never" nodeType="tmRoot"/>
-      </p:par>
-    </p:tnLst>
-  </p:timing>
 </p:sld>
 </file>
 
@@ -19014,15 +18754,15 @@
           <a:lstStyle/>
           <a:p>
             <a:r>
-              <a:rPr lang="en-US" dirty="0" smtClean="0"/>
+              <a:rPr lang="en-US" dirty="0"/>
               <a:t>Example: </a:t>
             </a:r>
             <a:r>
-              <a:rPr lang="en-US" dirty="0" err="1" smtClean="0"/>
+              <a:rPr lang="en-US" dirty="0" err="1"/>
               <a:t>Reisby</a:t>
             </a:r>
             <a:r>
-              <a:rPr lang="en-US" dirty="0" smtClean="0"/>
+              <a:rPr lang="en-US" dirty="0"/>
               <a:t> Data</a:t>
             </a:r>
           </a:p>
@@ -19044,87 +18784,86 @@
           <a:lstStyle/>
           <a:p>
             <a:r>
-              <a:rPr lang="en-US" dirty="0" smtClean="0"/>
+              <a:rPr lang="en-US" dirty="0"/>
               <a:t>Model correlation of measurements </a:t>
             </a:r>
             <a:r>
-              <a:rPr lang="en-US" i="1" dirty="0" smtClean="0"/>
+              <a:rPr lang="en-US" i="1" dirty="0"/>
               <a:t>implicitly</a:t>
             </a:r>
             <a:r>
-              <a:rPr lang="en-US" dirty="0" smtClean="0"/>
+              <a:rPr lang="en-US" dirty="0"/>
               <a:t> (linear mixed effects model):</a:t>
             </a:r>
           </a:p>
           <a:p>
             <a:pPr lvl="1"/>
             <a:r>
-              <a:rPr lang="en-US" dirty="0" smtClean="0"/>
+              <a:rPr lang="en-US" dirty="0"/>
               <a:t>repeated observations are level-1 variables nested within patient (=level 2)</a:t>
             </a:r>
           </a:p>
           <a:p>
             <a:pPr lvl="2"/>
             <a:r>
-              <a:rPr lang="en-US" dirty="0" smtClean="0"/>
+              <a:rPr lang="en-US" dirty="0"/>
               <a:t>random intercept per patient or random intercept per patient + random slope for week per patient or...</a:t>
             </a:r>
           </a:p>
           <a:p>
             <a:pPr lvl="2"/>
             <a:r>
-              <a:rPr lang="en-US" dirty="0" smtClean="0"/>
+              <a:rPr lang="en-US" dirty="0"/>
               <a:t>random effects and their covariance determine structure of </a:t>
             </a:r>
             <a:r>
-              <a:rPr lang="en-US" dirty="0" err="1" smtClean="0"/>
+              <a:rPr lang="en-US" dirty="0" err="1"/>
               <a:t>var-covar</a:t>
             </a:r>
             <a:r>
-              <a:rPr lang="en-US" dirty="0" smtClean="0"/>
+              <a:rPr lang="en-US" dirty="0"/>
               <a:t> matrix</a:t>
             </a:r>
           </a:p>
           <a:p>
             <a:r>
-              <a:rPr lang="en-US" dirty="0" smtClean="0"/>
+              <a:rPr lang="en-US" dirty="0"/>
               <a:t>Model correlation of measurements </a:t>
             </a:r>
             <a:r>
-              <a:rPr lang="en-US" i="1" dirty="0" smtClean="0"/>
+              <a:rPr lang="en-US" i="1" dirty="0"/>
               <a:t>explicitly</a:t>
             </a:r>
             <a:r>
               <a:rPr lang="en-US" dirty="0"/>
               <a:t> (CPM):</a:t>
             </a:r>
-            <a:endParaRPr lang="en-US" dirty="0" smtClean="0"/>
           </a:p>
           <a:p>
             <a:pPr lvl="1"/>
             <a:r>
-              <a:rPr lang="en-US" dirty="0" smtClean="0"/>
+              <a:rPr lang="en-US" dirty="0"/>
               <a:t>incorporate a covariance structure of the residuals into the model</a:t>
             </a:r>
           </a:p>
           <a:p>
             <a:pPr lvl="1"/>
             <a:r>
-              <a:rPr lang="en-US" dirty="0" smtClean="0"/>
+              <a:rPr lang="en-US" dirty="0"/>
               <a:t>(usually) assumes equally spaced time intervals</a:t>
             </a:r>
           </a:p>
           <a:p>
             <a:r>
-              <a:rPr lang="en-US" dirty="0" smtClean="0"/>
+              <a:rPr lang="en-US" dirty="0"/>
               <a:t>Combination of the two (mixed regression models with </a:t>
             </a:r>
             <a:r>
-              <a:rPr lang="en-US" dirty="0" err="1" smtClean="0"/>
+              <a:rPr lang="en-US" dirty="0" err="1"/>
               <a:t>autocorrelated</a:t>
             </a:r>
             <a:r>
-              <a:rPr lang="en-US" dirty="0" smtClean="0"/>
+              <a:rPr lang="en-US" dirty="0"/>
               <a:t> errors)</a:t>
             </a:r>
           </a:p>
@@ -19146,10 +18885,9 @@
           <a:lstStyle/>
           <a:p>
             <a:r>
-              <a:rPr lang="en-US" dirty="0" smtClean="0"/>
+              <a:rPr lang="en-US" dirty="0"/>
               <a:t>Possibilities for modelling correlated measures</a:t>
             </a:r>
-            <a:endParaRPr lang="en-US" dirty="0"/>
           </a:p>
         </p:txBody>
       </p:sp>
@@ -19182,13 +18920,6 @@
   <p:clrMapOvr>
     <a:masterClrMapping/>
   </p:clrMapOvr>
-  <p:timing>
-    <p:tnLst>
-      <p:par>
-        <p:cTn id="1" dur="indefinite" restart="never" nodeType="tmRoot"/>
-      </p:par>
-    </p:tnLst>
-  </p:timing>
 </p:sld>
 </file>
 
@@ -19225,32 +18956,28 @@
           <a:lstStyle/>
           <a:p>
             <a:r>
-              <a:rPr lang="nl-NL" dirty="0" err="1" smtClean="0"/>
+              <a:rPr lang="nl-NL" dirty="0" err="1"/>
               <a:t>Observed</a:t>
             </a:r>
             <a:r>
-              <a:rPr lang="nl-NL" dirty="0" smtClean="0"/>
+              <a:rPr lang="nl-NL" dirty="0"/>
               <a:t> var-</a:t>
             </a:r>
             <a:r>
-              <a:rPr lang="nl-NL" dirty="0" err="1" smtClean="0"/>
+              <a:rPr lang="nl-NL" dirty="0" err="1"/>
               <a:t>cov</a:t>
             </a:r>
             <a:r>
-              <a:rPr lang="nl-NL" dirty="0" smtClean="0"/>
+              <a:rPr lang="nl-NL" dirty="0"/>
               <a:t> matrix </a:t>
             </a:r>
             <a:r>
-              <a:rPr lang="nl-NL" dirty="0" err="1" smtClean="0"/>
+              <a:rPr lang="nl-NL" dirty="0" err="1"/>
               <a:t>Reisby</a:t>
             </a:r>
             <a:r>
-              <a:rPr lang="nl-NL" dirty="0" smtClean="0"/>
-              <a:t> </a:t>
-            </a:r>
-            <a:r>
               <a:rPr lang="nl-NL" dirty="0"/>
-              <a:t>dataset</a:t>
+              <a:t> dataset</a:t>
             </a:r>
           </a:p>
         </p:txBody>
@@ -19271,19 +18998,19 @@
           <a:lstStyle/>
           <a:p>
             <a:r>
-              <a:rPr lang="nl-NL" dirty="0" smtClean="0"/>
+              <a:rPr lang="nl-NL" dirty="0"/>
               <a:t>&gt; </a:t>
             </a:r>
             <a:r>
-              <a:rPr lang="nl-NL" dirty="0" err="1" smtClean="0"/>
+              <a:rPr lang="nl-NL" dirty="0" err="1"/>
               <a:t>round</a:t>
             </a:r>
             <a:r>
-              <a:rPr lang="nl-NL" dirty="0" smtClean="0"/>
+              <a:rPr lang="nl-NL" dirty="0"/>
               <a:t>(var(</a:t>
             </a:r>
             <a:r>
-              <a:rPr lang="nl-NL" dirty="0" err="1" smtClean="0"/>
+              <a:rPr lang="nl-NL" dirty="0" err="1"/>
               <a:t>reisby.wide</a:t>
             </a:r>
             <a:r>
@@ -19312,11 +19039,7 @@
             </a:r>
             <a:r>
               <a:rPr lang="nl-NL" dirty="0"/>
-              <a:t> = 2</a:t>
-            </a:r>
-            <a:r>
-              <a:rPr lang="nl-NL" dirty="0" smtClean="0"/>
-              <a:t>)</a:t>
+              <a:t> = 2)</a:t>
             </a:r>
           </a:p>
           <a:p>
@@ -19510,13 +19233,6 @@
   <p:clrMapOvr>
     <a:masterClrMapping/>
   </p:clrMapOvr>
-  <p:timing>
-    <p:tnLst>
-      <p:par>
-        <p:cTn id="1" dur="indefinite" restart="never" nodeType="tmRoot"/>
-      </p:par>
-    </p:tnLst>
-  </p:timing>
 </p:sld>
 </file>
 
@@ -19553,10 +19269,10 @@
           <a:lstStyle/>
           <a:p>
             <a:r>
-              <a:rPr lang="en-GB" dirty="0" smtClean="0"/>
+              <a:rPr lang="en-GB" dirty="0"/>
               <a:t>Various correlation structures</a:t>
             </a:r>
-            <a:endParaRPr lang="nl-NL" dirty="0" smtClean="0"/>
+            <a:endParaRPr lang="nl-NL" dirty="0"/>
           </a:p>
         </p:txBody>
       </p:sp>
@@ -19576,85 +19292,85 @@
           <a:lstStyle/>
           <a:p>
             <a:r>
-              <a:rPr lang="en-US" dirty="0" err="1" smtClean="0"/>
+              <a:rPr lang="en-US" dirty="0" err="1"/>
               <a:t>nlme</a:t>
             </a:r>
             <a:r>
-              <a:rPr lang="en-US" dirty="0" smtClean="0"/>
+              <a:rPr lang="en-US" dirty="0"/>
               <a:t> has numerous correlation structures for linear </a:t>
             </a:r>
             <a:r>
-              <a:rPr lang="en-US" strike="sngStrike" dirty="0" smtClean="0"/>
+              <a:rPr lang="en-US" strike="sngStrike" dirty="0"/>
               <a:t>mixed</a:t>
             </a:r>
             <a:r>
-              <a:rPr lang="en-US" dirty="0" smtClean="0"/>
+              <a:rPr lang="en-US" dirty="0"/>
               <a:t> models</a:t>
             </a:r>
           </a:p>
           <a:p>
             <a:r>
-              <a:rPr lang="en-US" dirty="0" smtClean="0"/>
+              <a:rPr lang="en-US" dirty="0"/>
               <a:t>Most common/realistic for longitudinal data</a:t>
             </a:r>
           </a:p>
           <a:p>
             <a:pPr lvl="1"/>
             <a:r>
-              <a:rPr lang="en-US" dirty="0" smtClean="0"/>
+              <a:rPr lang="en-US" dirty="0"/>
               <a:t>unstructured</a:t>
             </a:r>
           </a:p>
           <a:p>
             <a:pPr lvl="1"/>
             <a:r>
-              <a:rPr lang="en-US" dirty="0" smtClean="0"/>
+              <a:rPr lang="en-US" dirty="0"/>
               <a:t>autoregressive of order 1: AR(1)</a:t>
             </a:r>
           </a:p>
           <a:p>
             <a:r>
-              <a:rPr lang="nl-NL" dirty="0" smtClean="0"/>
+              <a:rPr lang="nl-NL" dirty="0"/>
               <a:t>Bad </a:t>
             </a:r>
             <a:r>
-              <a:rPr lang="nl-NL" dirty="0" err="1" smtClean="0"/>
+              <a:rPr lang="nl-NL" dirty="0" err="1"/>
               <a:t>ideas</a:t>
             </a:r>
             <a:r>
-              <a:rPr lang="nl-NL" dirty="0" smtClean="0"/>
+              <a:rPr lang="nl-NL" dirty="0"/>
               <a:t>:</a:t>
             </a:r>
           </a:p>
           <a:p>
             <a:pPr lvl="1"/>
             <a:r>
-              <a:rPr lang="nl-NL" dirty="0" err="1" smtClean="0"/>
+              <a:rPr lang="nl-NL" dirty="0" err="1"/>
               <a:t>uncorrelated</a:t>
             </a:r>
             <a:r>
-              <a:rPr lang="nl-NL" dirty="0" smtClean="0"/>
+              <a:rPr lang="nl-NL" dirty="0"/>
               <a:t> (independent)</a:t>
             </a:r>
           </a:p>
           <a:p>
             <a:pPr lvl="1"/>
             <a:r>
-              <a:rPr lang="nl-NL" dirty="0" smtClean="0"/>
+              <a:rPr lang="nl-NL" dirty="0"/>
               <a:t>compound </a:t>
             </a:r>
             <a:r>
-              <a:rPr lang="nl-NL" dirty="0" err="1" smtClean="0"/>
+              <a:rPr lang="nl-NL" dirty="0" err="1"/>
               <a:t>symmetry</a:t>
             </a:r>
-            <a:endParaRPr lang="nl-NL" dirty="0" smtClean="0"/>
-          </a:p>
-          <a:p>
-            <a:r>
-              <a:rPr lang="en-US" dirty="0" smtClean="0"/>
+            <a:endParaRPr lang="nl-NL" dirty="0"/>
+          </a:p>
+          <a:p>
+            <a:r>
+              <a:rPr lang="en-US" dirty="0"/>
               <a:t>Correlations pertain to the residuals within each of the subjects after correcting for fixed (and perhaps random) effects</a:t>
             </a:r>
-            <a:endParaRPr lang="nl-NL" dirty="0" smtClean="0"/>
+            <a:endParaRPr lang="nl-NL" dirty="0"/>
           </a:p>
         </p:txBody>
       </p:sp>
@@ -19687,13 +19403,6 @@
   <p:clrMapOvr>
     <a:masterClrMapping/>
   </p:clrMapOvr>
-  <p:timing>
-    <p:tnLst>
-      <p:par>
-        <p:cTn id="1" dur="indefinite" restart="never" nodeType="tmRoot"/>
-      </p:par>
-    </p:tnLst>
-  </p:timing>
 </p:sld>
 </file>
 
@@ -19730,19 +19439,19 @@
           <a:lstStyle/>
           <a:p>
             <a:r>
-              <a:rPr lang="nl-NL" dirty="0" smtClean="0"/>
+              <a:rPr lang="nl-NL" dirty="0"/>
               <a:t>Independent </a:t>
             </a:r>
             <a:r>
-              <a:rPr lang="nl-NL" dirty="0" err="1" smtClean="0"/>
+              <a:rPr lang="nl-NL" dirty="0" err="1"/>
               <a:t>correlation</a:t>
             </a:r>
             <a:r>
-              <a:rPr lang="nl-NL" dirty="0" smtClean="0"/>
+              <a:rPr lang="nl-NL" dirty="0"/>
               <a:t> </a:t>
             </a:r>
             <a:r>
-              <a:rPr lang="nl-NL" dirty="0" err="1" smtClean="0"/>
+              <a:rPr lang="nl-NL" dirty="0" err="1"/>
               <a:t>structure</a:t>
             </a:r>
             <a:endParaRPr lang="nl-NL" dirty="0"/>
@@ -19765,19 +19474,19 @@
           <a:lstStyle/>
           <a:p>
             <a:r>
-              <a:rPr lang="en-US" dirty="0" smtClean="0"/>
+              <a:rPr lang="en-US" dirty="0"/>
               <a:t>The independent  (scaled identity) correlation structure assumes residuals to be independent, as if they came from different subjects</a:t>
             </a:r>
           </a:p>
           <a:p>
             <a:r>
-              <a:rPr lang="en-US" dirty="0" smtClean="0"/>
+              <a:rPr lang="en-US" dirty="0"/>
               <a:t>All variances are assumed equal, all correlations are assumed 0</a:t>
             </a:r>
           </a:p>
           <a:p>
             <a:r>
-              <a:rPr lang="en-US" dirty="0" smtClean="0"/>
+              <a:rPr lang="en-US" dirty="0"/>
               <a:t>This is the assumption in ordinary linear regression/ANOVA</a:t>
             </a:r>
           </a:p>
@@ -20726,13 +20435,6 @@
   <p:clrMapOvr>
     <a:masterClrMapping/>
   </p:clrMapOvr>
-  <p:timing>
-    <p:tnLst>
-      <p:par>
-        <p:cTn id="1" dur="indefinite" restart="never" nodeType="tmRoot"/>
-      </p:par>
-    </p:tnLst>
-  </p:timing>
 </p:sld>
 </file>
 
@@ -20769,7 +20471,7 @@
           <a:lstStyle/>
           <a:p>
             <a:r>
-              <a:rPr lang="nl-NL" smtClean="0"/>
+              <a:rPr lang="nl-NL"/>
               <a:t>Independent correlation structure</a:t>
             </a:r>
           </a:p>
@@ -20791,37 +20493,37 @@
           <a:lstStyle/>
           <a:p>
             <a:r>
-              <a:rPr lang="en-US" dirty="0" smtClean="0"/>
+              <a:rPr lang="en-US" dirty="0"/>
               <a:t>Analyzing the data from the </a:t>
             </a:r>
             <a:r>
-              <a:rPr lang="en-US" dirty="0" err="1" smtClean="0"/>
+              <a:rPr lang="en-US" dirty="0" err="1"/>
               <a:t>Reisby</a:t>
             </a:r>
             <a:r>
-              <a:rPr lang="en-US" dirty="0" smtClean="0"/>
+              <a:rPr lang="en-US" dirty="0"/>
               <a:t> example using time (categorical), </a:t>
             </a:r>
             <a:r>
-              <a:rPr lang="en-US" dirty="0" err="1" smtClean="0"/>
+              <a:rPr lang="en-US" dirty="0" err="1"/>
               <a:t>tx</a:t>
             </a:r>
             <a:r>
-              <a:rPr lang="en-US" dirty="0" smtClean="0"/>
+              <a:rPr lang="en-US" dirty="0"/>
               <a:t> and time*</a:t>
             </a:r>
             <a:r>
-              <a:rPr lang="en-US" dirty="0" err="1" smtClean="0"/>
+              <a:rPr lang="en-US" dirty="0" err="1"/>
               <a:t>tx</a:t>
             </a:r>
             <a:r>
-              <a:rPr lang="en-US" dirty="0" smtClean="0"/>
+              <a:rPr lang="en-US" dirty="0"/>
               <a:t> and an independent correlation structure amounts to doing a two-way ANOVA (all observations are assumed to be independent)</a:t>
             </a:r>
           </a:p>
           <a:p>
             <a:r>
-              <a:rPr lang="en-US" dirty="0" smtClean="0"/>
+              <a:rPr lang="en-US" dirty="0"/>
               <a:t>Even when observations are in fact (nearly) independent, the design of the study was to take random patients, and measure these multiple times, not to take random samples at each time point</a:t>
             </a:r>
           </a:p>
@@ -20830,7 +20532,7 @@
               <a:buFont typeface="Wingdings" panose="05000000000000000000" pitchFamily="2" charset="2"/>
               <a:buChar char="Ø"/>
             </a:pPr>
-            <a:endParaRPr lang="en-US" dirty="0" smtClean="0"/>
+            <a:endParaRPr lang="en-US" dirty="0"/>
           </a:p>
           <a:p>
             <a:pPr>
@@ -20838,15 +20540,15 @@
               <a:buChar char="Ø"/>
             </a:pPr>
             <a:r>
-              <a:rPr lang="en-US" dirty="0" smtClean="0"/>
+              <a:rPr lang="en-US" dirty="0"/>
               <a:t>Preferable to analyze data as being repeated (and thus correlated)!</a:t>
             </a:r>
           </a:p>
           <a:p>
-            <a:endParaRPr lang="en-US" dirty="0" smtClean="0"/>
-          </a:p>
-          <a:p>
-            <a:endParaRPr lang="nl-NL" dirty="0" smtClean="0"/>
+            <a:endParaRPr lang="en-US" dirty="0"/>
+          </a:p>
+          <a:p>
+            <a:endParaRPr lang="nl-NL" dirty="0"/>
           </a:p>
         </p:txBody>
       </p:sp>
@@ -20879,13 +20581,6 @@
   <p:clrMapOvr>
     <a:masterClrMapping/>
   </p:clrMapOvr>
-  <p:timing>
-    <p:tnLst>
-      <p:par>
-        <p:cTn id="1" dur="indefinite" restart="never" nodeType="tmRoot"/>
-      </p:par>
-    </p:tnLst>
-  </p:timing>
 </p:sld>
 </file>
 
@@ -20922,7 +20617,7 @@
           <a:lstStyle/>
           <a:p>
             <a:r>
-              <a:rPr lang="nl-NL" smtClean="0"/>
+              <a:rPr lang="nl-NL"/>
               <a:t>Compound symmetry correlation structure</a:t>
             </a:r>
             <a:endParaRPr lang="nl-NL" dirty="0"/>
@@ -20945,13 +20640,13 @@
           <a:lstStyle/>
           <a:p>
             <a:r>
-              <a:rPr lang="en-US" dirty="0" smtClean="0"/>
+              <a:rPr lang="en-US" dirty="0"/>
               <a:t>The compound symmetry (exchangeable) correlation structure assumes correlations between all time points to be equal, irrespective of the length of the time intervals.</a:t>
             </a:r>
           </a:p>
           <a:p>
             <a:r>
-              <a:rPr lang="en-US" dirty="0" smtClean="0"/>
+              <a:rPr lang="en-US" dirty="0"/>
               <a:t>All variances are assumed equal, all correlations too: </a:t>
             </a:r>
             <a:endParaRPr lang="nl-NL" dirty="0"/>
@@ -21005,7 +20700,7 @@
               <a:lstStyle/>
               <a:p>
                 <a:r>
-                  <a:rPr lang="en-US" dirty="0" smtClean="0"/>
+                  <a:rPr lang="en-US" dirty="0"/>
                   <a:t>Note: </a:t>
                 </a:r>
                 <a14:m>
@@ -21244,12 +20939,8 @@
                   </m:oMath>
                 </a14:m>
                 <a:r>
-                  <a:rPr lang="en-US" dirty="0" smtClean="0"/>
-                  <a:t> the </a:t>
-                </a:r>
-                <a:r>
                   <a:rPr lang="en-US" dirty="0"/>
-                  <a:t>variance within patients</a:t>
+                  <a:t> the variance within patients</a:t>
                 </a:r>
               </a:p>
               <a:p>
@@ -23935,7 +23626,7 @@
           <a:lstStyle/>
           <a:p>
             <a:r>
-              <a:rPr lang="nl-NL" smtClean="0"/>
+              <a:rPr lang="nl-NL"/>
               <a:t>Longitudinal Data</a:t>
             </a:r>
             <a:endParaRPr lang="en-US"/>
@@ -23958,28 +23649,28 @@
           <a:lstStyle/>
           <a:p>
             <a:r>
-              <a:rPr lang="en-US" dirty="0" smtClean="0"/>
+              <a:rPr lang="en-US" dirty="0"/>
               <a:t>Longitudinal data:</a:t>
             </a:r>
           </a:p>
           <a:p>
             <a:pPr lvl="1"/>
             <a:r>
-              <a:rPr lang="en-US" dirty="0" smtClean="0"/>
+              <a:rPr lang="en-US" dirty="0"/>
               <a:t>variable measured on individual at several time points</a:t>
             </a:r>
           </a:p>
           <a:p>
             <a:pPr lvl="1"/>
             <a:r>
-              <a:rPr lang="en-US" dirty="0" smtClean="0"/>
+              <a:rPr lang="en-US" dirty="0"/>
               <a:t>observations on one and the same individual will not be independent</a:t>
             </a:r>
           </a:p>
           <a:p>
             <a:pPr lvl="1"/>
             <a:r>
-              <a:rPr lang="en-US" dirty="0" smtClean="0"/>
+              <a:rPr lang="en-US" dirty="0"/>
               <a:t>calls for special analysis techniques</a:t>
             </a:r>
           </a:p>
@@ -24022,13 +23713,6 @@
   <p:clrMapOvr>
     <a:masterClrMapping/>
   </p:clrMapOvr>
-  <p:timing>
-    <p:tnLst>
-      <p:par>
-        <p:cTn id="1" dur="indefinite" restart="never" nodeType="tmRoot"/>
-      </p:par>
-    </p:tnLst>
-  </p:timing>
 </p:sld>
 </file>
 
@@ -24065,7 +23749,7 @@
           <a:lstStyle/>
           <a:p>
             <a:r>
-              <a:rPr lang="nl-NL" smtClean="0"/>
+              <a:rPr lang="nl-NL"/>
               <a:t>Compound symmetry correlation structure</a:t>
             </a:r>
           </a:p>
@@ -24087,25 +23771,25 @@
           <a:lstStyle/>
           <a:p>
             <a:r>
-              <a:rPr lang="en-US" dirty="0" smtClean="0"/>
+              <a:rPr lang="en-US" dirty="0"/>
               <a:t>A covariance pattern model with a compound symmetry pattern for the residuals is equivalent to a linear mixed model with a random intercept per patient</a:t>
             </a:r>
           </a:p>
           <a:p>
             <a:pPr lvl="1"/>
             <a:r>
-              <a:rPr lang="en-US" dirty="0" smtClean="0"/>
+              <a:rPr lang="en-US" dirty="0"/>
               <a:t>when we treat time as categorical in the fixed parts of both models</a:t>
             </a:r>
           </a:p>
           <a:p>
             <a:r>
-              <a:rPr lang="en-US" dirty="0" smtClean="0"/>
+              <a:rPr lang="en-US" dirty="0"/>
               <a:t>For data without missing values, these two models are also equivalent to a repeated measures (“split-plot”) ANOVA</a:t>
             </a:r>
           </a:p>
           <a:p>
-            <a:endParaRPr lang="nl-NL" dirty="0" smtClean="0"/>
+            <a:endParaRPr lang="nl-NL" dirty="0"/>
           </a:p>
         </p:txBody>
       </p:sp>
@@ -24138,13 +23822,6 @@
   <p:clrMapOvr>
     <a:masterClrMapping/>
   </p:clrMapOvr>
-  <p:timing>
-    <p:tnLst>
-      <p:par>
-        <p:cTn id="1" dur="indefinite" restart="never" nodeType="tmRoot"/>
-      </p:par>
-    </p:tnLst>
-  </p:timing>
 </p:sld>
 </file>
 
@@ -24181,15 +23858,15 @@
           <a:lstStyle/>
           <a:p>
             <a:r>
-              <a:rPr lang="nl-NL" dirty="0" err="1" smtClean="0"/>
+              <a:rPr lang="nl-NL" dirty="0" err="1"/>
               <a:t>Unstructured</a:t>
             </a:r>
             <a:r>
-              <a:rPr lang="nl-NL" dirty="0" smtClean="0"/>
+              <a:rPr lang="nl-NL" dirty="0"/>
               <a:t> </a:t>
             </a:r>
             <a:r>
-              <a:rPr lang="nl-NL" dirty="0" err="1" smtClean="0"/>
+              <a:rPr lang="nl-NL" dirty="0" err="1"/>
               <a:t>correlation</a:t>
             </a:r>
             <a:endParaRPr lang="nl-NL" dirty="0"/>
@@ -24212,145 +23889,145 @@
           <a:lstStyle/>
           <a:p>
             <a:r>
-              <a:rPr lang="nl-NL" dirty="0" err="1" smtClean="0"/>
+              <a:rPr lang="nl-NL" dirty="0" err="1"/>
               <a:t>Variances</a:t>
             </a:r>
             <a:r>
-              <a:rPr lang="nl-NL" dirty="0" smtClean="0"/>
+              <a:rPr lang="nl-NL" dirty="0"/>
               <a:t> at </a:t>
             </a:r>
             <a:r>
-              <a:rPr lang="nl-NL" dirty="0" err="1" smtClean="0"/>
+              <a:rPr lang="nl-NL" dirty="0" err="1"/>
               <a:t>each</a:t>
             </a:r>
             <a:r>
-              <a:rPr lang="nl-NL" dirty="0" smtClean="0"/>
+              <a:rPr lang="nl-NL" dirty="0"/>
               <a:t> time point different</a:t>
             </a:r>
           </a:p>
           <a:p>
             <a:r>
-              <a:rPr lang="nl-NL" dirty="0" err="1" smtClean="0"/>
+              <a:rPr lang="nl-NL" dirty="0" err="1"/>
               <a:t>All</a:t>
             </a:r>
             <a:r>
-              <a:rPr lang="nl-NL" dirty="0" smtClean="0"/>
+              <a:rPr lang="nl-NL" dirty="0"/>
               <a:t> </a:t>
             </a:r>
             <a:r>
-              <a:rPr lang="nl-NL" dirty="0" err="1" smtClean="0"/>
+              <a:rPr lang="nl-NL" dirty="0" err="1"/>
               <a:t>covariances</a:t>
             </a:r>
             <a:r>
-              <a:rPr lang="nl-NL" dirty="0" smtClean="0"/>
+              <a:rPr lang="nl-NL" dirty="0"/>
               <a:t> </a:t>
             </a:r>
             <a:r>
-              <a:rPr lang="nl-NL" dirty="0" err="1" smtClean="0"/>
+              <a:rPr lang="nl-NL" dirty="0" err="1"/>
               <a:t>among</a:t>
             </a:r>
             <a:r>
-              <a:rPr lang="nl-NL" dirty="0" smtClean="0"/>
+              <a:rPr lang="nl-NL" dirty="0"/>
               <a:t> time points different (</a:t>
             </a:r>
             <a:r>
-              <a:rPr lang="nl-NL" dirty="0" err="1" smtClean="0"/>
+              <a:rPr lang="nl-NL" dirty="0" err="1"/>
               <a:t>note</a:t>
             </a:r>
             <a:r>
-              <a:rPr lang="nl-NL" dirty="0" smtClean="0"/>
+              <a:rPr lang="nl-NL" dirty="0"/>
               <a:t> </a:t>
             </a:r>
             <a:r>
-              <a:rPr lang="nl-NL" dirty="0" err="1" smtClean="0"/>
+              <a:rPr lang="nl-NL" dirty="0" err="1"/>
               <a:t>that</a:t>
             </a:r>
             <a:r>
-              <a:rPr lang="nl-NL" dirty="0" smtClean="0"/>
+              <a:rPr lang="nl-NL" dirty="0"/>
               <a:t> </a:t>
             </a:r>
             <a:r>
-              <a:rPr lang="el-GR" dirty="0" smtClean="0"/>
+              <a:rPr lang="el-GR" dirty="0"/>
               <a:t>θ</a:t>
             </a:r>
             <a:r>
-              <a:rPr lang="en-US" baseline="-25000" dirty="0" smtClean="0"/>
+              <a:rPr lang="en-US" baseline="-25000" dirty="0"/>
               <a:t>12</a:t>
             </a:r>
             <a:r>
-              <a:rPr lang="en-US" dirty="0" smtClean="0"/>
+              <a:rPr lang="en-US" dirty="0"/>
               <a:t> = </a:t>
             </a:r>
             <a:r>
-              <a:rPr lang="el-GR" dirty="0" smtClean="0"/>
+              <a:rPr lang="el-GR" dirty="0"/>
               <a:t>θ</a:t>
             </a:r>
             <a:r>
-              <a:rPr lang="en-US" baseline="-25000" dirty="0" smtClean="0"/>
+              <a:rPr lang="en-US" baseline="-25000" dirty="0"/>
               <a:t>21</a:t>
             </a:r>
             <a:r>
-              <a:rPr lang="en-US" dirty="0" smtClean="0"/>
+              <a:rPr lang="en-US" dirty="0"/>
               <a:t>)</a:t>
             </a:r>
-            <a:endParaRPr lang="nl-NL" dirty="0" smtClean="0"/>
-          </a:p>
-          <a:p>
-            <a:r>
-              <a:rPr lang="nl-NL" dirty="0" err="1" smtClean="0"/>
+            <a:endParaRPr lang="nl-NL" dirty="0"/>
+          </a:p>
+          <a:p>
+            <a:r>
+              <a:rPr lang="nl-NL" dirty="0" err="1"/>
               <a:t>Costly</a:t>
             </a:r>
             <a:r>
-              <a:rPr lang="nl-NL" dirty="0" smtClean="0"/>
+              <a:rPr lang="nl-NL" dirty="0"/>
               <a:t> </a:t>
             </a:r>
             <a:r>
-              <a:rPr lang="nl-NL" dirty="0" err="1" smtClean="0"/>
+              <a:rPr lang="nl-NL" dirty="0" err="1"/>
               <a:t>structure</a:t>
             </a:r>
             <a:r>
-              <a:rPr lang="nl-NL" dirty="0" smtClean="0"/>
+              <a:rPr lang="nl-NL" dirty="0"/>
               <a:t>:  21 </a:t>
             </a:r>
             <a:r>
-              <a:rPr lang="nl-NL" dirty="0" err="1" smtClean="0"/>
+              <a:rPr lang="nl-NL" dirty="0" err="1"/>
               <a:t>df</a:t>
             </a:r>
             <a:r>
-              <a:rPr lang="nl-NL" dirty="0" smtClean="0"/>
+              <a:rPr lang="nl-NL" dirty="0"/>
               <a:t> </a:t>
             </a:r>
             <a:r>
-              <a:rPr lang="nl-NL" dirty="0" err="1" smtClean="0"/>
+              <a:rPr lang="nl-NL" dirty="0" err="1"/>
               <a:t>needed</a:t>
             </a:r>
             <a:r>
-              <a:rPr lang="nl-NL" dirty="0" smtClean="0"/>
+              <a:rPr lang="nl-NL" dirty="0"/>
               <a:t> </a:t>
             </a:r>
             <a:r>
-              <a:rPr lang="nl-NL" dirty="0" err="1" smtClean="0"/>
+              <a:rPr lang="nl-NL" dirty="0" err="1"/>
               <a:t>for</a:t>
             </a:r>
             <a:r>
-              <a:rPr lang="nl-NL" dirty="0" smtClean="0"/>
+              <a:rPr lang="nl-NL" dirty="0"/>
               <a:t> 6 time points!</a:t>
             </a:r>
           </a:p>
           <a:p>
             <a:r>
-              <a:rPr lang="nl-NL" dirty="0" err="1" smtClean="0"/>
+              <a:rPr lang="nl-NL" dirty="0" err="1"/>
               <a:t>Flexible</a:t>
             </a:r>
             <a:r>
-              <a:rPr lang="nl-NL" dirty="0" smtClean="0"/>
+              <a:rPr lang="nl-NL" dirty="0"/>
               <a:t> </a:t>
             </a:r>
             <a:r>
-              <a:rPr lang="nl-NL" dirty="0" err="1" smtClean="0"/>
+              <a:rPr lang="nl-NL" dirty="0" err="1"/>
               <a:t>structure</a:t>
             </a:r>
-            <a:endParaRPr lang="nl-NL" dirty="0" smtClean="0"/>
+            <a:endParaRPr lang="nl-NL" dirty="0"/>
           </a:p>
           <a:p>
             <a:endParaRPr lang="nl-NL" dirty="0"/>
@@ -25843,38 +25520,37 @@
           <a:lstStyle/>
           <a:p>
             <a:r>
-              <a:rPr lang="nl-NL" dirty="0" err="1" smtClean="0"/>
+              <a:rPr lang="nl-NL" dirty="0" err="1"/>
               <a:t>Unstructured</a:t>
             </a:r>
             <a:r>
-              <a:rPr lang="nl-NL" dirty="0" smtClean="0"/>
+              <a:rPr lang="nl-NL" dirty="0"/>
               <a:t> </a:t>
             </a:r>
             <a:r>
-              <a:rPr lang="nl-NL" dirty="0" err="1" smtClean="0"/>
+              <a:rPr lang="nl-NL" dirty="0" err="1"/>
               <a:t>correlation</a:t>
             </a:r>
             <a:r>
-              <a:rPr lang="nl-NL" dirty="0" smtClean="0"/>
+              <a:rPr lang="nl-NL" dirty="0"/>
               <a:t> </a:t>
             </a:r>
             <a:r>
-              <a:rPr lang="nl-NL" dirty="0" err="1" smtClean="0"/>
+              <a:rPr lang="nl-NL" dirty="0" err="1"/>
               <a:t>for</a:t>
             </a:r>
             <a:r>
-              <a:rPr lang="nl-NL" dirty="0" smtClean="0"/>
+              <a:rPr lang="nl-NL" dirty="0"/>
               <a:t> </a:t>
             </a:r>
             <a:r>
-              <a:rPr lang="nl-NL" dirty="0" err="1" smtClean="0"/>
+              <a:rPr lang="nl-NL" dirty="0" err="1"/>
               <a:t>Reisby</a:t>
             </a:r>
             <a:r>
-              <a:rPr lang="nl-NL" dirty="0" smtClean="0"/>
+              <a:rPr lang="nl-NL" dirty="0"/>
               <a:t> data</a:t>
             </a:r>
-            <a:endParaRPr lang="nl-NL" dirty="0"/>
           </a:p>
         </p:txBody>
       </p:sp>
@@ -25894,46 +25570,45 @@
           <a:lstStyle/>
           <a:p>
             <a:r>
-              <a:rPr lang="nl-NL" dirty="0" smtClean="0"/>
+              <a:rPr lang="nl-NL" dirty="0"/>
               <a:t>      [,1]  [,2]  [,3]  [,4]  [,5]  [,6]</a:t>
             </a:r>
           </a:p>
           <a:p>
             <a:r>
-              <a:rPr lang="nl-NL" dirty="0" smtClean="0"/>
+              <a:rPr lang="nl-NL" dirty="0"/>
               <a:t>[1,] 19.63 10.40  6.34  8.09  6.73  4.50</a:t>
             </a:r>
           </a:p>
           <a:p>
             <a:r>
-              <a:rPr lang="nl-NL" dirty="0" smtClean="0"/>
+              <a:rPr lang="nl-NL" dirty="0"/>
               <a:t>[2,] 10.40 20.87 10.26 10.69  8.33  5.02</a:t>
             </a:r>
           </a:p>
           <a:p>
             <a:r>
-              <a:rPr lang="nl-NL" dirty="0" smtClean="0"/>
+              <a:rPr lang="nl-NL" dirty="0"/>
               <a:t>[3,]  6.34 10.26 25.90 22.36 23.99 20.88</a:t>
             </a:r>
           </a:p>
           <a:p>
             <a:r>
-              <a:rPr lang="nl-NL" dirty="0" smtClean="0"/>
+              <a:rPr lang="nl-NL" dirty="0"/>
               <a:t>[4,]  8.09 10.69 22.36 38.44 32.03 29.90</a:t>
             </a:r>
           </a:p>
           <a:p>
             <a:r>
-              <a:rPr lang="nl-NL" dirty="0" smtClean="0"/>
+              <a:rPr lang="nl-NL" dirty="0"/>
               <a:t>[5,]  6.73  8.33 23.99 32.03 46.89 38.77</a:t>
             </a:r>
           </a:p>
           <a:p>
             <a:r>
-              <a:rPr lang="nl-NL" dirty="0" smtClean="0"/>
+              <a:rPr lang="nl-NL" dirty="0"/>
               <a:t>[6,]  4.50  5.02 20.88 29.90 38.77 60.19</a:t>
             </a:r>
-            <a:endParaRPr lang="nl-NL" dirty="0"/>
           </a:p>
         </p:txBody>
       </p:sp>
@@ -25953,55 +25628,55 @@
           <a:lstStyle/>
           <a:p>
             <a:r>
-              <a:rPr lang="nl-NL" dirty="0" err="1" smtClean="0"/>
+              <a:rPr lang="nl-NL" dirty="0" err="1"/>
               <a:t>Estimated</a:t>
             </a:r>
             <a:r>
-              <a:rPr lang="nl-NL" dirty="0" smtClean="0"/>
+              <a:rPr lang="nl-NL" dirty="0"/>
               <a:t> </a:t>
             </a:r>
             <a:r>
-              <a:rPr lang="nl-NL" dirty="0" err="1" smtClean="0"/>
+              <a:rPr lang="nl-NL" dirty="0" err="1"/>
               <a:t>from</a:t>
             </a:r>
             <a:r>
-              <a:rPr lang="nl-NL" dirty="0" smtClean="0"/>
+              <a:rPr lang="nl-NL" dirty="0"/>
               <a:t> model </a:t>
             </a:r>
             <a:r>
-              <a:rPr lang="nl-NL" dirty="0" err="1" smtClean="0"/>
+              <a:rPr lang="nl-NL" dirty="0" err="1"/>
               <a:t>with</a:t>
             </a:r>
             <a:r>
-              <a:rPr lang="nl-NL" dirty="0" smtClean="0"/>
+              <a:rPr lang="nl-NL" dirty="0"/>
               <a:t> time (</a:t>
             </a:r>
             <a:r>
-              <a:rPr lang="nl-NL" dirty="0" err="1" smtClean="0"/>
+              <a:rPr lang="nl-NL" dirty="0" err="1"/>
               <a:t>cat</a:t>
             </a:r>
             <a:r>
-              <a:rPr lang="nl-NL" dirty="0" smtClean="0"/>
+              <a:rPr lang="nl-NL" dirty="0"/>
               <a:t>), </a:t>
             </a:r>
             <a:r>
-              <a:rPr lang="nl-NL" dirty="0" err="1" smtClean="0"/>
-              <a:t>tx</a:t>
-            </a:r>
-            <a:r>
-              <a:rPr lang="nl-NL" dirty="0" smtClean="0"/>
+              <a:rPr lang="nl-NL" dirty="0" err="1"/>
+              <a:t>endo</a:t>
+            </a:r>
+            <a:r>
+              <a:rPr lang="nl-NL" dirty="0"/>
               <a:t> &amp; time*</a:t>
             </a:r>
             <a:r>
-              <a:rPr lang="nl-NL" dirty="0" err="1" smtClean="0"/>
-              <a:t>tx</a:t>
-            </a:r>
-            <a:r>
-              <a:rPr lang="nl-NL" dirty="0" smtClean="0"/>
+              <a:rPr lang="nl-NL" dirty="0" err="1"/>
+              <a:t>endo</a:t>
+            </a:r>
+            <a:r>
+              <a:rPr lang="nl-NL" dirty="0"/>
               <a:t>, no random </a:t>
             </a:r>
             <a:r>
-              <a:rPr lang="nl-NL" dirty="0" err="1" smtClean="0"/>
+              <a:rPr lang="nl-NL" dirty="0" err="1"/>
               <a:t>effects</a:t>
             </a:r>
             <a:endParaRPr lang="nl-NL" dirty="0"/>
@@ -26097,13 +25772,6 @@
   <p:clrMapOvr>
     <a:masterClrMapping/>
   </p:clrMapOvr>
-  <p:timing>
-    <p:tnLst>
-      <p:par>
-        <p:cTn id="1" dur="indefinite" restart="never" nodeType="tmRoot"/>
-      </p:par>
-    </p:tnLst>
-  </p:timing>
 </p:sld>
 </file>
 
@@ -26140,10 +25808,9 @@
           <a:lstStyle/>
           <a:p>
             <a:r>
-              <a:rPr lang="en-US" dirty="0" smtClean="0"/>
+              <a:rPr lang="en-US" dirty="0"/>
               <a:t>(Homogeneous) autoregressive of order 1 (AR1) correlation</a:t>
             </a:r>
-            <a:endParaRPr lang="en-US" dirty="0"/>
           </a:p>
         </p:txBody>
       </p:sp>
@@ -26165,13 +25832,13 @@
               <a:lstStyle/>
               <a:p>
                 <a:r>
-                  <a:rPr lang="en-US" dirty="0" smtClean="0"/>
+                  <a:rPr lang="en-US" dirty="0"/>
                   <a:t>Note: observations per subject assumed to be taken at equally-spaced intervals</a:t>
                 </a:r>
               </a:p>
               <a:p>
                 <a:r>
-                  <a:rPr lang="en-US" dirty="0" smtClean="0"/>
+                  <a:rPr lang="en-US" dirty="0"/>
                   <a:t>AR(1) assumes all observations 1 time unit apart have same correlations (</a:t>
                 </a:r>
                 <a14:m>
@@ -26186,21 +25853,21 @@
                   </m:oMath>
                 </a14:m>
                 <a:r>
-                  <a:rPr lang="en-US" dirty="0" smtClean="0"/>
+                  <a:rPr lang="en-US" dirty="0"/>
                   <a:t>)</a:t>
                 </a:r>
               </a:p>
               <a:p>
                 <a:r>
-                  <a:rPr lang="en-US" dirty="0" smtClean="0"/>
+                  <a:rPr lang="en-US" dirty="0"/>
                   <a:t>Observations 2 units apart have </a:t>
                 </a:r>
                 <a:r>
-                  <a:rPr lang="en-US" dirty="0" err="1" smtClean="0"/>
+                  <a:rPr lang="en-US" dirty="0" err="1"/>
                   <a:t>corr</a:t>
                 </a:r>
                 <a:r>
-                  <a:rPr lang="en-US" dirty="0" smtClean="0"/>
+                  <a:rPr lang="en-US" dirty="0"/>
                   <a:t> </a:t>
                 </a:r>
                 <a14:m>
@@ -26234,15 +25901,15 @@
                   </m:oMath>
                 </a14:m>
                 <a:r>
-                  <a:rPr lang="en-US" dirty="0" smtClean="0"/>
+                  <a:rPr lang="en-US" dirty="0"/>
                   <a:t>, </a:t>
                 </a:r>
                 <a:r>
-                  <a:rPr lang="en-US" dirty="0" err="1" smtClean="0"/>
+                  <a:rPr lang="en-US" dirty="0" err="1"/>
                   <a:t>obs</a:t>
                 </a:r>
                 <a:r>
-                  <a:rPr lang="en-US" dirty="0" smtClean="0"/>
+                  <a:rPr lang="en-US" dirty="0"/>
                   <a:t> 3 units apart </a:t>
                 </a:r>
                 <a14:m>
@@ -26277,13 +25944,13 @@
                   </m:oMath>
                 </a14:m>
                 <a:r>
-                  <a:rPr lang="en-US" dirty="0" smtClean="0"/>
+                  <a:rPr lang="en-US" dirty="0"/>
                   <a:t>, etc.</a:t>
                 </a:r>
               </a:p>
               <a:p>
                 <a:r>
-                  <a:rPr lang="en-US" dirty="0" smtClean="0"/>
+                  <a:rPr lang="en-US" dirty="0"/>
                   <a:t>Outcome has same variance (</a:t>
                 </a:r>
                 <a14:m>
@@ -26317,7 +25984,7 @@
                   </m:oMath>
                 </a14:m>
                 <a:r>
-                  <a:rPr lang="en-US" dirty="0" smtClean="0"/>
+                  <a:rPr lang="en-US" dirty="0"/>
                   <a:t>) across all time points</a:t>
                 </a:r>
               </a:p>
@@ -27515,7 +27182,7 @@
           <a:lstStyle/>
           <a:p>
             <a:r>
-              <a:rPr lang="en-US" dirty="0" smtClean="0"/>
+              <a:rPr lang="en-US" dirty="0"/>
               <a:t>AR1 with homogeneous variances </a:t>
             </a:r>
             <a:r>
@@ -27553,60 +27220,59 @@
           <a:lstStyle/>
           <a:p>
             <a:r>
-              <a:rPr lang="nl-NL" dirty="0" smtClean="0"/>
+              <a:rPr lang="nl-NL" dirty="0"/>
               <a:t>        [,1]    [,2]   [,3]   [,4]    [,5]    [,6]</a:t>
             </a:r>
           </a:p>
           <a:p>
             <a:r>
-              <a:rPr lang="nl-NL" dirty="0" smtClean="0"/>
+              <a:rPr lang="nl-NL" dirty="0"/>
               <a:t>[1,] 35.0510 23.1050 15.231 10.040  6.6183  4.3627</a:t>
             </a:r>
           </a:p>
           <a:p>
             <a:r>
-              <a:rPr lang="nl-NL" dirty="0" smtClean="0"/>
+              <a:rPr lang="nl-NL" dirty="0"/>
               <a:t>[2,] 23.1050 35.0510 23.105 15.231 10.0400  6.6183</a:t>
             </a:r>
           </a:p>
           <a:p>
             <a:r>
-              <a:rPr lang="nl-NL" dirty="0" smtClean="0"/>
+              <a:rPr lang="nl-NL" dirty="0"/>
               <a:t>[3,] 15.2310 23.1050 35.051 23.105 15.2310 10.0400</a:t>
             </a:r>
           </a:p>
           <a:p>
             <a:r>
-              <a:rPr lang="nl-NL" dirty="0" smtClean="0"/>
+              <a:rPr lang="nl-NL" dirty="0"/>
               <a:t>[4,] 10.0400 15.2310 23.105 35.051 23.1050 15.2310</a:t>
             </a:r>
           </a:p>
           <a:p>
             <a:r>
-              <a:rPr lang="nl-NL" dirty="0" smtClean="0"/>
+              <a:rPr lang="nl-NL" dirty="0"/>
               <a:t>[5,]  6.6183 10.0400 15.231 23.105 35.0510 23.1050</a:t>
             </a:r>
           </a:p>
           <a:p>
             <a:r>
-              <a:rPr lang="nl-NL" dirty="0" smtClean="0"/>
+              <a:rPr lang="nl-NL" dirty="0"/>
               <a:t>[6,]  4.3627  6.6183 10.040 15.231 23.1050 35.0510</a:t>
             </a:r>
           </a:p>
           <a:p>
             <a:r>
-              <a:rPr lang="nl-NL" dirty="0" smtClean="0"/>
+              <a:rPr lang="nl-NL" dirty="0"/>
               <a:t>  Standard </a:t>
             </a:r>
             <a:r>
-              <a:rPr lang="nl-NL" dirty="0" err="1" smtClean="0"/>
+              <a:rPr lang="nl-NL" dirty="0" err="1"/>
               <a:t>Deviations</a:t>
             </a:r>
             <a:r>
-              <a:rPr lang="nl-NL" dirty="0" smtClean="0"/>
+              <a:rPr lang="nl-NL" dirty="0"/>
               <a:t>: 5.9204 5.9204 5.9204 5.9204 5.9204 5.9204 </a:t>
             </a:r>
-            <a:endParaRPr lang="nl-NL" dirty="0"/>
           </a:p>
         </p:txBody>
       </p:sp>
@@ -27674,7 +27340,7 @@
               <a:t>, no random </a:t>
             </a:r>
             <a:r>
-              <a:rPr lang="nl-NL" dirty="0" err="1" smtClean="0"/>
+              <a:rPr lang="nl-NL" dirty="0" err="1"/>
               <a:t>effects</a:t>
             </a:r>
             <a:endParaRPr lang="nl-NL" dirty="0"/>
@@ -27715,13 +27381,6 @@
   <p:clrMapOvr>
     <a:masterClrMapping/>
   </p:clrMapOvr>
-  <p:timing>
-    <p:tnLst>
-      <p:par>
-        <p:cTn id="1" dur="indefinite" restart="never" nodeType="tmRoot"/>
-      </p:par>
-    </p:tnLst>
-  </p:timing>
 </p:sld>
 </file>
 
@@ -27762,16 +27421,12 @@
               <a:t>AR1 with </a:t>
             </a:r>
             <a:r>
-              <a:rPr lang="en-US" i="1" dirty="0" smtClean="0"/>
+              <a:rPr lang="en-US" i="1" dirty="0"/>
               <a:t>heterogeneous</a:t>
             </a:r>
             <a:r>
-              <a:rPr lang="en-US" dirty="0" smtClean="0"/>
-              <a:t> </a:t>
-            </a:r>
-            <a:r>
               <a:rPr lang="en-US" dirty="0"/>
-              <a:t>variances </a:t>
+              <a:t> variances </a:t>
             </a:r>
             <a:r>
               <a:rPr lang="nl-NL" dirty="0" err="1"/>
@@ -27808,54 +27463,45 @@
           <a:lstStyle/>
           <a:p>
             <a:r>
-              <a:rPr lang="nl-NL" dirty="0" smtClean="0"/>
-              <a:t> </a:t>
-            </a:r>
-            <a:r>
-              <a:rPr lang="nl-NL" dirty="0" smtClean="0"/>
-              <a:t>     [,</a:t>
-            </a:r>
-            <a:r>
-              <a:rPr lang="nl-NL" dirty="0" smtClean="0"/>
-              <a:t>1]  [,2]  [,3]  [,4]  [,5]  [,6]</a:t>
-            </a:r>
-          </a:p>
-          <a:p>
-            <a:r>
-              <a:rPr lang="nl-NL" dirty="0" smtClean="0"/>
+              <a:rPr lang="nl-NL" dirty="0"/>
+              <a:t>      [,1]  [,2]  [,3]  [,4]  [,5]  [,6]</a:t>
+            </a:r>
+          </a:p>
+          <a:p>
+            <a:r>
+              <a:rPr lang="nl-NL" dirty="0"/>
               <a:t>[1,] 22.98 16.29 11.18  7.76  5.42  4.09</a:t>
             </a:r>
           </a:p>
           <a:p>
             <a:r>
-              <a:rPr lang="nl-NL" dirty="0" smtClean="0"/>
+              <a:rPr lang="nl-NL" dirty="0"/>
               <a:t>[2,] 16.29 27.12 18.62 12.92  9.02  6.81</a:t>
             </a:r>
           </a:p>
           <a:p>
             <a:r>
-              <a:rPr lang="nl-NL" dirty="0" smtClean="0"/>
+              <a:rPr lang="nl-NL" dirty="0"/>
               <a:t>[3,] 11.18 18.62 30.05 20.85 14.56 10.99</a:t>
             </a:r>
           </a:p>
           <a:p>
             <a:r>
-              <a:rPr lang="nl-NL" dirty="0" smtClean="0"/>
+              <a:rPr lang="nl-NL" dirty="0"/>
               <a:t>[4,]  7.76 12.92 20.85 33.98 23.73 17.91</a:t>
             </a:r>
           </a:p>
           <a:p>
             <a:r>
-              <a:rPr lang="nl-NL" dirty="0" smtClean="0"/>
+              <a:rPr lang="nl-NL" dirty="0"/>
               <a:t>[5,]  5.42  9.02 14.56 23.73 38.92 29.38</a:t>
             </a:r>
           </a:p>
           <a:p>
             <a:r>
-              <a:rPr lang="nl-NL" dirty="0" smtClean="0"/>
+              <a:rPr lang="nl-NL" dirty="0"/>
               <a:t>[6,]  4.09  6.81 10.99 17.91 29.38 52.11</a:t>
             </a:r>
-            <a:endParaRPr lang="nl-NL" dirty="0"/>
           </a:p>
         </p:txBody>
       </p:sp>
@@ -27981,39 +27627,39 @@
           <a:lstStyle/>
           <a:p>
             <a:r>
-              <a:rPr lang="nl-NL" dirty="0" err="1" smtClean="0"/>
+              <a:rPr lang="nl-NL" dirty="0" err="1"/>
               <a:t>Heterogeneous</a:t>
             </a:r>
             <a:r>
-              <a:rPr lang="nl-NL" dirty="0" smtClean="0"/>
+              <a:rPr lang="nl-NL" dirty="0"/>
               <a:t> </a:t>
             </a:r>
             <a:r>
-              <a:rPr lang="nl-NL" dirty="0" err="1" smtClean="0"/>
+              <a:rPr lang="nl-NL" dirty="0" err="1"/>
               <a:t>variances</a:t>
             </a:r>
             <a:r>
-              <a:rPr lang="nl-NL" dirty="0" smtClean="0"/>
+              <a:rPr lang="nl-NL" dirty="0"/>
               <a:t> </a:t>
             </a:r>
             <a:r>
-              <a:rPr lang="nl-NL" dirty="0" err="1" smtClean="0"/>
+              <a:rPr lang="nl-NL" dirty="0" err="1"/>
               <a:t>probably</a:t>
             </a:r>
             <a:r>
-              <a:rPr lang="nl-NL" dirty="0" smtClean="0"/>
+              <a:rPr lang="nl-NL" dirty="0"/>
               <a:t> fit </a:t>
             </a:r>
             <a:r>
-              <a:rPr lang="nl-NL" dirty="0" err="1" smtClean="0"/>
+              <a:rPr lang="nl-NL" dirty="0" err="1"/>
               <a:t>the</a:t>
             </a:r>
             <a:r>
-              <a:rPr lang="nl-NL" dirty="0" smtClean="0"/>
+              <a:rPr lang="nl-NL" dirty="0"/>
               <a:t> data </a:t>
             </a:r>
             <a:r>
-              <a:rPr lang="nl-NL" dirty="0" err="1" smtClean="0"/>
+              <a:rPr lang="nl-NL" dirty="0" err="1"/>
               <a:t>better</a:t>
             </a:r>
             <a:endParaRPr lang="nl-NL" dirty="0"/>
@@ -28085,13 +27731,6 @@
   <p:clrMapOvr>
     <a:masterClrMapping/>
   </p:clrMapOvr>
-  <p:timing>
-    <p:tnLst>
-      <p:par>
-        <p:cTn id="1" dur="indefinite" restart="never" nodeType="tmRoot"/>
-      </p:par>
-    </p:tnLst>
-  </p:timing>
 </p:sld>
 </file>
 
@@ -28128,7 +27767,7 @@
           <a:lstStyle/>
           <a:p>
             <a:r>
-              <a:rPr lang="nl-NL" smtClean="0"/>
+              <a:rPr lang="nl-NL"/>
               <a:t>“Covariance patterns” of linear mixed models</a:t>
             </a:r>
           </a:p>
@@ -28152,20 +27791,20 @@
               <a:lstStyle/>
               <a:p>
                 <a:r>
-                  <a:rPr lang="en-US" dirty="0" smtClean="0"/>
+                  <a:rPr lang="en-US" dirty="0"/>
                   <a:t>A random intercept model implies a compound symmetry structure for all data combined</a:t>
                 </a:r>
               </a:p>
               <a:p>
                 <a:r>
-                  <a:rPr lang="en-US" dirty="0" smtClean="0"/>
+                  <a:rPr lang="en-US" dirty="0"/>
                   <a:t>A linear mixed model with random intercept and random slope also implies a certain correlation structure for the data, but this is by no means a simple structure</a:t>
                 </a:r>
               </a:p>
               <a:p>
                 <a:pPr lvl="1"/>
                 <a:r>
-                  <a:rPr lang="en-US" dirty="0" smtClean="0"/>
+                  <a:rPr lang="en-US" dirty="0"/>
                   <a:t>recall: </a:t>
                 </a:r>
                 <a14:m>
@@ -28467,12 +28106,12 @@
                     </m:sSub>
                   </m:oMath>
                 </a14:m>
-                <a:endParaRPr lang="en-US" dirty="0" smtClean="0"/>
+                <a:endParaRPr lang="en-US" dirty="0"/>
               </a:p>
               <a:p>
                 <a:pPr lvl="1"/>
                 <a:r>
-                  <a:rPr lang="en-US" dirty="0" smtClean="0"/>
+                  <a:rPr lang="en-US" dirty="0"/>
                   <a:t>structure depends on the estimates for </a:t>
                 </a:r>
                 <a14:m>
@@ -28530,7 +28169,7 @@
                   </m:oMath>
                 </a14:m>
                 <a:r>
-                  <a:rPr lang="en-US" dirty="0" smtClean="0"/>
+                  <a:rPr lang="en-US" dirty="0"/>
                   <a:t>, </a:t>
                 </a:r>
                 <a14:m>
@@ -28596,7 +28235,7 @@
                   </m:oMath>
                 </a14:m>
                 <a:r>
-                  <a:rPr lang="en-US" dirty="0" smtClean="0"/>
+                  <a:rPr lang="en-US" dirty="0"/>
                   <a:t>, and </a:t>
                 </a:r>
                 <a14:m>
@@ -28631,17 +28270,17 @@
                   </m:oMath>
                 </a14:m>
                 <a:r>
-                  <a:rPr lang="en-US" dirty="0" smtClean="0"/>
+                  <a:rPr lang="en-US" dirty="0"/>
                   <a:t>, but *usually* the variances increase for later time points and correlations decrease when time points are further apart</a:t>
                 </a:r>
               </a:p>
               <a:p>
                 <a:pPr lvl="1"/>
                 <a:r>
-                  <a:rPr lang="en-US" dirty="0" smtClean="0"/>
+                  <a:rPr lang="en-US" dirty="0"/>
                   <a:t>this is exactly what we observed for our data set, so this model might fit the data quite well</a:t>
                 </a:r>
-                <a:endParaRPr lang="nl-NL" dirty="0" smtClean="0"/>
+                <a:endParaRPr lang="nl-NL" dirty="0"/>
               </a:p>
             </p:txBody>
           </p:sp>
@@ -28709,13 +28348,6 @@
   <p:clrMapOvr>
     <a:masterClrMapping/>
   </p:clrMapOvr>
-  <p:timing>
-    <p:tnLst>
-      <p:par>
-        <p:cTn id="1" dur="indefinite" restart="never" nodeType="tmRoot"/>
-      </p:par>
-    </p:tnLst>
-  </p:timing>
 </p:sld>
 </file>
 
@@ -28752,7 +28384,7 @@
           <a:lstStyle/>
           <a:p>
             <a:r>
-              <a:rPr lang="nl-NL" smtClean="0"/>
+              <a:rPr lang="nl-NL"/>
               <a:t>Covariance patterns linear mixed models</a:t>
             </a:r>
           </a:p>
@@ -28774,69 +28406,69 @@
           <a:lstStyle/>
           <a:p>
             <a:r>
-              <a:rPr lang="nl-NL" dirty="0" err="1" smtClean="0"/>
+              <a:rPr lang="nl-NL" dirty="0" err="1"/>
               <a:t>Marginal</a:t>
             </a:r>
             <a:r>
-              <a:rPr lang="nl-NL" dirty="0" smtClean="0"/>
+              <a:rPr lang="nl-NL" dirty="0"/>
               <a:t> </a:t>
             </a:r>
             <a:r>
-              <a:rPr lang="nl-NL" dirty="0" err="1" smtClean="0"/>
+              <a:rPr lang="nl-NL" dirty="0" err="1"/>
               <a:t>variance</a:t>
             </a:r>
             <a:r>
-              <a:rPr lang="nl-NL" dirty="0" smtClean="0"/>
+              <a:rPr lang="nl-NL" dirty="0"/>
               <a:t> </a:t>
             </a:r>
             <a:r>
-              <a:rPr lang="nl-NL" dirty="0" err="1" smtClean="0"/>
+              <a:rPr lang="nl-NL" dirty="0" err="1"/>
               <a:t>covariance</a:t>
             </a:r>
             <a:r>
-              <a:rPr lang="nl-NL" dirty="0" smtClean="0"/>
+              <a:rPr lang="nl-NL" dirty="0"/>
               <a:t> matrix</a:t>
             </a:r>
           </a:p>
           <a:p>
             <a:r>
-              <a:rPr lang="nl-NL" dirty="0" smtClean="0"/>
+              <a:rPr lang="nl-NL" dirty="0"/>
               <a:t>        1      2      3       4       5       6</a:t>
             </a:r>
           </a:p>
           <a:p>
             <a:r>
-              <a:rPr lang="nl-NL" dirty="0" smtClean="0"/>
+              <a:rPr lang="nl-NL" dirty="0"/>
               <a:t>1 23.8600 10.239  8.838  7.4364  6.0349  4.6334</a:t>
             </a:r>
           </a:p>
           <a:p>
             <a:r>
-              <a:rPr lang="nl-NL" dirty="0" smtClean="0"/>
+              <a:rPr lang="nl-NL" dirty="0"/>
               <a:t>2 10.2390 23.134 11.590 12.2660 12.9420 13.6170</a:t>
             </a:r>
           </a:p>
           <a:p>
             <a:r>
-              <a:rPr lang="nl-NL" dirty="0" smtClean="0"/>
+              <a:rPr lang="nl-NL" dirty="0"/>
               <a:t>3  8.8380 11.590 26.562 17.0960 19.8480 22.6010</a:t>
             </a:r>
           </a:p>
           <a:p>
             <a:r>
-              <a:rPr lang="nl-NL" dirty="0" smtClean="0"/>
+              <a:rPr lang="nl-NL" dirty="0"/>
               <a:t>4  7.4364 12.266 17.096 34.1440 26.7550 31.5840</a:t>
             </a:r>
           </a:p>
           <a:p>
             <a:r>
-              <a:rPr lang="nl-NL" dirty="0" smtClean="0"/>
+              <a:rPr lang="nl-NL" dirty="0"/>
               <a:t>5  6.0349 12.942 19.848 26.7550 45.8800 40.5680</a:t>
             </a:r>
           </a:p>
           <a:p>
             <a:r>
-              <a:rPr lang="nl-NL" dirty="0" smtClean="0"/>
+              <a:rPr lang="nl-NL" dirty="0"/>
               <a:t>6  4.6334 13.617 22.601 31.5840 40.5680 61.7700</a:t>
             </a:r>
           </a:p>
@@ -28861,7 +28493,7 @@
           <a:lstStyle/>
           <a:p>
             <a:r>
-              <a:rPr lang="en-US" dirty="0" smtClean="0"/>
+              <a:rPr lang="en-US" dirty="0"/>
               <a:t>Random intercept + random slope model (fixed time categorical):</a:t>
             </a:r>
             <a:endParaRPr lang="nl-NL" dirty="0"/>
@@ -28897,13 +28529,6 @@
   <p:clrMapOvr>
     <a:masterClrMapping/>
   </p:clrMapOvr>
-  <p:timing>
-    <p:tnLst>
-      <p:par>
-        <p:cTn id="1" dur="indefinite" restart="never" nodeType="tmRoot"/>
-      </p:par>
-    </p:tnLst>
-  </p:timing>
 </p:sld>
 </file>
 
@@ -28990,39 +28615,39 @@
           <a:lstStyle/>
           <a:p>
             <a:r>
-              <a:rPr lang="en-US" dirty="0" smtClean="0"/>
+              <a:rPr lang="en-US" dirty="0"/>
               <a:t>How would we model data from Stoop, et al.?</a:t>
             </a:r>
           </a:p>
           <a:p>
             <a:pPr lvl="1"/>
             <a:r>
-              <a:rPr lang="en-US" dirty="0" smtClean="0"/>
+              <a:rPr lang="en-US" dirty="0"/>
               <a:t>time: discreet or continuous?</a:t>
             </a:r>
           </a:p>
           <a:p>
             <a:pPr lvl="1"/>
             <a:r>
-              <a:rPr lang="en-US" dirty="0" smtClean="0"/>
+              <a:rPr lang="en-US" dirty="0"/>
               <a:t>LME or CPM?</a:t>
             </a:r>
           </a:p>
           <a:p>
             <a:pPr lvl="1"/>
             <a:r>
-              <a:rPr lang="en-US" dirty="0" smtClean="0"/>
+              <a:rPr lang="en-US" dirty="0"/>
               <a:t>time: linear? quadratic?</a:t>
             </a:r>
           </a:p>
           <a:p>
             <a:pPr lvl="1"/>
-            <a:endParaRPr lang="en-US" dirty="0" smtClean="0"/>
+            <a:endParaRPr lang="en-US" dirty="0"/>
           </a:p>
           <a:p>
             <a:pPr lvl="1"/>
             <a:r>
-              <a:rPr lang="en-US" dirty="0" smtClean="0"/>
+              <a:rPr lang="en-US" dirty="0"/>
               <a:t>Theory vs. practice....</a:t>
             </a:r>
           </a:p>
@@ -29047,10 +28672,9 @@
           <a:lstStyle/>
           <a:p>
             <a:r>
-              <a:rPr lang="en-US" smtClean="0"/>
+              <a:rPr lang="en-US"/>
               <a:t>Back to Stoop, et al.</a:t>
             </a:r>
-            <a:endParaRPr lang="en-US"/>
           </a:p>
         </p:txBody>
       </p:sp>
@@ -29088,13 +28712,6 @@
   <p:clrMapOvr>
     <a:masterClrMapping/>
   </p:clrMapOvr>
-  <p:timing>
-    <p:tnLst>
-      <p:par>
-        <p:cTn id="1" dur="indefinite" restart="never" nodeType="tmRoot"/>
-      </p:par>
-    </p:tnLst>
-  </p:timing>
 </p:sld>
 </file>
 
@@ -29131,10 +28748,10 @@
           <a:lstStyle/>
           <a:p>
             <a:r>
-              <a:rPr lang="en-US" smtClean="0"/>
+              <a:rPr lang="en-US"/>
               <a:t>What to do with baseline measurement?</a:t>
             </a:r>
-            <a:endParaRPr lang="nl-NL" smtClean="0"/>
+            <a:endParaRPr lang="nl-NL"/>
           </a:p>
         </p:txBody>
       </p:sp>
@@ -29154,66 +28771,66 @@
           <a:lstStyle/>
           <a:p>
             <a:r>
-              <a:rPr lang="nl-NL" smtClean="0"/>
+              <a:rPr lang="nl-NL"/>
               <a:t>In clinical trials, a baseline measurement of outcome often taken before randomization</a:t>
             </a:r>
           </a:p>
           <a:p>
             <a:pPr lvl="1"/>
             <a:r>
-              <a:rPr lang="nl-NL" smtClean="0"/>
+              <a:rPr lang="nl-NL"/>
               <a:t>Is baseline an “outcome”?</a:t>
             </a:r>
           </a:p>
           <a:p>
             <a:pPr lvl="2"/>
             <a:r>
-              <a:rPr lang="nl-NL" smtClean="0"/>
+              <a:rPr lang="nl-NL"/>
               <a:t>yes: use as first outcome measurement in mixed model?</a:t>
             </a:r>
           </a:p>
           <a:p>
             <a:pPr lvl="2"/>
             <a:r>
-              <a:rPr lang="nl-NL" smtClean="0"/>
+              <a:rPr lang="nl-NL"/>
               <a:t>no: ignore?</a:t>
             </a:r>
           </a:p>
           <a:p>
             <a:pPr lvl="2"/>
             <a:r>
-              <a:rPr lang="nl-NL" smtClean="0"/>
+              <a:rPr lang="nl-NL"/>
               <a:t>no: use as covariate in model?</a:t>
             </a:r>
           </a:p>
           <a:p>
             <a:r>
-              <a:rPr lang="nl-NL" smtClean="0"/>
+              <a:rPr lang="nl-NL"/>
               <a:t>In an observational study, there is no experimental intervention</a:t>
             </a:r>
           </a:p>
           <a:p>
             <a:pPr lvl="1"/>
             <a:r>
-              <a:rPr lang="nl-NL" smtClean="0"/>
+              <a:rPr lang="nl-NL"/>
               <a:t>Usually then “baseline” is the first of the measured outcomes</a:t>
             </a:r>
           </a:p>
           <a:p>
             <a:r>
-              <a:rPr lang="nl-NL" smtClean="0"/>
+              <a:rPr lang="nl-NL"/>
               <a:t>In Reisby example, baseline HDRS is before patients are treated, but there is no randomization</a:t>
             </a:r>
           </a:p>
           <a:p>
             <a:pPr lvl="1"/>
             <a:r>
-              <a:rPr lang="nl-NL" smtClean="0"/>
+              <a:rPr lang="nl-NL"/>
               <a:t>Is baseline HDRS an outcome?</a:t>
             </a:r>
           </a:p>
           <a:p>
-            <a:endParaRPr lang="nl-NL" smtClean="0"/>
+            <a:endParaRPr lang="nl-NL"/>
           </a:p>
         </p:txBody>
       </p:sp>
@@ -29246,13 +28863,6 @@
   <p:clrMapOvr>
     <a:masterClrMapping/>
   </p:clrMapOvr>
-  <p:timing>
-    <p:tnLst>
-      <p:par>
-        <p:cTn id="1" dur="indefinite" restart="never" nodeType="tmRoot"/>
-      </p:par>
-    </p:tnLst>
-  </p:timing>
 </p:sld>
 </file>
 
@@ -29290,7 +28900,7 @@
           <a:p>
             <a:pPr eaLnBrk="1" hangingPunct="1"/>
             <a:r>
-              <a:rPr lang="nl-NL" smtClean="0"/>
+              <a:rPr lang="nl-NL"/>
               <a:t>Examples of Longitudinal Data</a:t>
             </a:r>
           </a:p>
@@ -29313,49 +28923,49 @@
           <a:p>
             <a:pPr eaLnBrk="1" hangingPunct="1"/>
             <a:r>
-              <a:rPr lang="en-US" smtClean="0"/>
+              <a:rPr lang="en-US"/>
               <a:t>Example (Reisby et al.)</a:t>
             </a:r>
           </a:p>
           <a:p>
             <a:pPr lvl="1" eaLnBrk="1" hangingPunct="1"/>
             <a:r>
-              <a:rPr lang="en-US" smtClean="0"/>
+              <a:rPr lang="en-US"/>
               <a:t>66 patients</a:t>
             </a:r>
           </a:p>
           <a:p>
             <a:pPr lvl="1" eaLnBrk="1" hangingPunct="1"/>
             <a:r>
-              <a:rPr lang="en-US" smtClean="0"/>
+              <a:rPr lang="en-US"/>
               <a:t>with or without endogenous depression</a:t>
             </a:r>
           </a:p>
           <a:p>
             <a:pPr lvl="1" eaLnBrk="1" hangingPunct="1"/>
             <a:r>
-              <a:rPr lang="en-US" smtClean="0"/>
+              <a:rPr lang="en-US"/>
               <a:t>depression scores measured weekly at weeks 0 – 5, using Hamilton Depression Rating Scale (HDRS)</a:t>
             </a:r>
           </a:p>
           <a:p>
             <a:pPr lvl="1" eaLnBrk="1" hangingPunct="1"/>
             <a:r>
-              <a:rPr lang="en-US" smtClean="0"/>
+              <a:rPr lang="en-US"/>
               <a:t>from week 1 onwards, patients are treated with imipramine</a:t>
             </a:r>
           </a:p>
           <a:p>
             <a:pPr lvl="1" eaLnBrk="1" hangingPunct="1"/>
             <a:r>
-              <a:rPr lang="en-US" b="1" smtClean="0"/>
+              <a:rPr lang="en-US" b="1"/>
               <a:t>Research question</a:t>
             </a:r>
             <a:r>
-              <a:rPr lang="en-US" smtClean="0"/>
+              <a:rPr lang="en-US"/>
               <a:t>: is the pattern of HDRS over time different for patients with endogenous and non-endogenous depression?</a:t>
             </a:r>
-            <a:endParaRPr lang="nl-NL" smtClean="0"/>
+            <a:endParaRPr lang="nl-NL"/>
           </a:p>
         </p:txBody>
       </p:sp>
@@ -29388,13 +28998,6 @@
   <p:clrMapOvr>
     <a:masterClrMapping/>
   </p:clrMapOvr>
-  <p:timing>
-    <p:tnLst>
-      <p:par>
-        <p:cTn id="1" dur="indefinite" restart="never" nodeType="tmRoot"/>
-      </p:par>
-    </p:tnLst>
-  </p:timing>
 </p:sld>
 </file>
 
@@ -29432,7 +29035,7 @@
           <a:p>
             <a:pPr eaLnBrk="1" hangingPunct="1"/>
             <a:r>
-              <a:rPr lang="nl-NL" smtClean="0"/>
+              <a:rPr lang="nl-NL"/>
               <a:t>Reisby Example, use baseline HDRS as covariate</a:t>
             </a:r>
           </a:p>
@@ -29455,79 +29058,93 @@
           <a:p>
             <a:pPr eaLnBrk="1" hangingPunct="1"/>
             <a:r>
-              <a:rPr lang="en-US" dirty="0" smtClean="0"/>
+              <a:rPr lang="en-US" dirty="0"/>
               <a:t>Select only time &gt;0, use </a:t>
             </a:r>
             <a:r>
-              <a:rPr lang="en-US" dirty="0" err="1" smtClean="0"/>
+              <a:rPr lang="en-US" dirty="0" err="1"/>
               <a:t>hdrs.base</a:t>
             </a:r>
             <a:r>
-              <a:rPr lang="en-US" dirty="0" smtClean="0"/>
+              <a:rPr lang="en-US" dirty="0"/>
               <a:t> as covariate in mixed model with random intercept, random slope, fixed time &amp; </a:t>
             </a:r>
             <a:r>
-              <a:rPr lang="en-US" dirty="0" err="1" smtClean="0"/>
+              <a:rPr lang="en-US" dirty="0" err="1"/>
               <a:t>endo</a:t>
             </a:r>
-            <a:endParaRPr lang="en-US" dirty="0" smtClean="0"/>
+            <a:endParaRPr lang="en-US" dirty="0"/>
           </a:p>
           <a:p>
             <a:pPr eaLnBrk="1" hangingPunct="1"/>
             <a:r>
-              <a:rPr lang="en-US" dirty="0" smtClean="0"/>
+              <a:rPr lang="en-US" dirty="0"/>
               <a:t>What do you expect will happen to:</a:t>
             </a:r>
           </a:p>
           <a:p>
             <a:pPr lvl="1" eaLnBrk="1" hangingPunct="1"/>
             <a:r>
-              <a:rPr lang="en-US" dirty="0" smtClean="0"/>
+              <a:rPr lang="en-US" dirty="0"/>
               <a:t>…the estimate of the fixed intercept?</a:t>
             </a:r>
           </a:p>
           <a:p>
             <a:pPr lvl="2"/>
-            <a:endParaRPr lang="en-US" dirty="0" smtClean="0"/>
+            <a:r>
+              <a:rPr lang="en-US" dirty="0"/>
+              <a:t>Intercept is now avg HDRS for time = 0, baseline HDRS = 0, endo = 0 </a:t>
+            </a:r>
+          </a:p>
+          <a:p>
+            <a:pPr lvl="2"/>
+            <a:r>
+              <a:rPr lang="en-US" dirty="0"/>
+              <a:t>Estimate reduces from 24.5 to 11.4</a:t>
+            </a:r>
+          </a:p>
+          <a:p>
+            <a:pPr lvl="2"/>
+            <a:endParaRPr lang="en-US" dirty="0"/>
           </a:p>
           <a:p>
             <a:pPr lvl="1" eaLnBrk="1" hangingPunct="1"/>
             <a:r>
-              <a:rPr lang="en-US" dirty="0" smtClean="0"/>
-              <a:t>…</a:t>
-            </a:r>
-            <a:r>
-              <a:rPr lang="en-US" dirty="0" smtClean="0"/>
-              <a:t>the estimate of the fixed effect of endo?</a:t>
-            </a:r>
+              <a:rPr lang="en-US" dirty="0"/>
+              <a:t>…the estimate of the fixed effect of endo?</a:t>
+            </a:r>
+          </a:p>
+          <a:p>
+            <a:pPr marL="957915" lvl="2" indent="0">
+              <a:buNone/>
+            </a:pPr>
+            <a:endParaRPr lang="en-US" dirty="0"/>
           </a:p>
           <a:p>
             <a:pPr lvl="2"/>
-            <a:endParaRPr lang="en-US" dirty="0" smtClean="0"/>
+            <a:endParaRPr lang="en-US" dirty="0"/>
           </a:p>
           <a:p>
             <a:pPr lvl="1"/>
             <a:r>
-              <a:rPr lang="en-US" dirty="0" smtClean="0"/>
-              <a:t>…</a:t>
-            </a:r>
-            <a:r>
               <a:rPr lang="en-US" dirty="0"/>
-              <a:t>the estimate of the fixed effect of </a:t>
-            </a:r>
-            <a:r>
-              <a:rPr lang="en-US" dirty="0" smtClean="0"/>
-              <a:t>time?</a:t>
-            </a:r>
+              <a:t>…the estimate of the fixed effect of time?</a:t>
+            </a:r>
+          </a:p>
+          <a:p>
+            <a:pPr lvl="2"/>
+            <a:r>
+              <a:rPr lang="en-US" dirty="0"/>
+              <a:t>Intercept is now avg HDRS for time = 0, baseline HDRS = 0, endo = 0 </a:t>
+            </a:r>
+          </a:p>
+          <a:p>
+            <a:pPr lvl="2"/>
             <a:endParaRPr lang="en-US" dirty="0"/>
           </a:p>
           <a:p>
-            <a:pPr lvl="2"/>
-            <a:endParaRPr lang="en-US" dirty="0" smtClean="0"/>
-          </a:p>
-          <a:p>
             <a:pPr eaLnBrk="1" hangingPunct="1"/>
-            <a:endParaRPr lang="nl-NL" dirty="0" smtClean="0"/>
+            <a:endParaRPr lang="nl-NL" dirty="0"/>
           </a:p>
         </p:txBody>
       </p:sp>
@@ -29662,7 +29279,7 @@
                                         <p:tgtEl>
                                           <p:spTgt spid="59395">
                                             <p:txEl>
-                                              <p:pRg st="4" end="4"/>
+                                              <p:pRg st="3" end="3"/>
                                             </p:txEl>
                                           </p:spTgt>
                                         </p:tgtEl>
@@ -29711,7 +29328,154 @@
                                         <p:tgtEl>
                                           <p:spTgt spid="59395">
                                             <p:txEl>
+                                              <p:pRg st="4" end="4"/>
+                                            </p:txEl>
+                                          </p:spTgt>
+                                        </p:tgtEl>
+                                        <p:attrNameLst>
+                                          <p:attrName>style.visibility</p:attrName>
+                                        </p:attrNameLst>
+                                      </p:cBhvr>
+                                      <p:to>
+                                        <p:strVal val="visible"/>
+                                      </p:to>
+                                    </p:set>
+                                  </p:childTnLst>
+                                </p:cTn>
+                              </p:par>
+                            </p:childTnLst>
+                          </p:cTn>
+                        </p:par>
+                      </p:childTnLst>
+                    </p:cTn>
+                  </p:par>
+                  <p:par>
+                    <p:cTn id="15" fill="hold">
+                      <p:stCondLst>
+                        <p:cond delay="indefinite"/>
+                      </p:stCondLst>
+                      <p:childTnLst>
+                        <p:par>
+                          <p:cTn id="16" fill="hold">
+                            <p:stCondLst>
+                              <p:cond delay="0"/>
+                            </p:stCondLst>
+                            <p:childTnLst>
+                              <p:par>
+                                <p:cTn id="17" presetID="1" presetClass="entr" presetSubtype="0" fill="hold" nodeType="clickEffect">
+                                  <p:stCondLst>
+                                    <p:cond delay="0"/>
+                                  </p:stCondLst>
+                                  <p:childTnLst>
+                                    <p:set>
+                                      <p:cBhvr>
+                                        <p:cTn id="18" dur="1" fill="hold">
+                                          <p:stCondLst>
+                                            <p:cond delay="0"/>
+                                          </p:stCondLst>
+                                        </p:cTn>
+                                        <p:tgtEl>
+                                          <p:spTgt spid="59395">
+                                            <p:txEl>
                                               <p:pRg st="6" end="6"/>
+                                            </p:txEl>
+                                          </p:spTgt>
+                                        </p:tgtEl>
+                                        <p:attrNameLst>
+                                          <p:attrName>style.visibility</p:attrName>
+                                        </p:attrNameLst>
+                                      </p:cBhvr>
+                                      <p:to>
+                                        <p:strVal val="visible"/>
+                                      </p:to>
+                                    </p:set>
+                                  </p:childTnLst>
+                                </p:cTn>
+                              </p:par>
+                            </p:childTnLst>
+                          </p:cTn>
+                        </p:par>
+                      </p:childTnLst>
+                    </p:cTn>
+                  </p:par>
+                  <p:par>
+                    <p:cTn id="19" fill="hold">
+                      <p:stCondLst>
+                        <p:cond delay="indefinite"/>
+                      </p:stCondLst>
+                      <p:childTnLst>
+                        <p:par>
+                          <p:cTn id="20" fill="hold">
+                            <p:stCondLst>
+                              <p:cond delay="0"/>
+                            </p:stCondLst>
+                            <p:childTnLst>
+                              <p:par>
+                                <p:cTn id="21" presetID="1" presetClass="entr" presetSubtype="0" fill="hold" nodeType="clickEffect">
+                                  <p:stCondLst>
+                                    <p:cond delay="0"/>
+                                  </p:stCondLst>
+                                  <p:childTnLst>
+                                    <p:set>
+                                      <p:cBhvr>
+                                        <p:cTn id="22" dur="1" fill="hold">
+                                          <p:stCondLst>
+                                            <p:cond delay="0"/>
+                                          </p:stCondLst>
+                                        </p:cTn>
+                                        <p:tgtEl>
+                                          <p:spTgt spid="59395">
+                                            <p:txEl>
+                                              <p:pRg st="9" end="9"/>
+                                            </p:txEl>
+                                          </p:spTgt>
+                                        </p:tgtEl>
+                                        <p:attrNameLst>
+                                          <p:attrName>style.visibility</p:attrName>
+                                        </p:attrNameLst>
+                                      </p:cBhvr>
+                                      <p:to>
+                                        <p:strVal val="visible"/>
+                                      </p:to>
+                                    </p:set>
+                                  </p:childTnLst>
+                                </p:cTn>
+                              </p:par>
+                            </p:childTnLst>
+                          </p:cTn>
+                        </p:par>
+                      </p:childTnLst>
+                    </p:cTn>
+                  </p:par>
+                  <p:par>
+                    <p:cTn id="23" fill="hold">
+                      <p:stCondLst>
+                        <p:cond delay="indefinite"/>
+                      </p:stCondLst>
+                      <p:childTnLst>
+                        <p:par>
+                          <p:cTn id="24" fill="hold">
+                            <p:stCondLst>
+                              <p:cond delay="0"/>
+                            </p:stCondLst>
+                            <p:childTnLst>
+                              <p:par>
+                                <p:cTn id="25" presetID="1" presetClass="entr" presetSubtype="0" fill="hold" nodeType="clickEffect">
+                                  <p:stCondLst>
+                                    <p:cond delay="0"/>
+                                  </p:stCondLst>
+                                  <p:childTnLst>
+                                    <p:set>
+                                      <p:cBhvr>
+                                        <p:cTn id="26" dur="1" fill="hold">
+                                          <p:stCondLst>
+                                            <p:cond delay="0"/>
+                                          </p:stCondLst>
+                                        </p:cTn>
+                                        <p:tgtEl>
+                                          <p:spTgt spid="59395">
+                                            <p:txEl>
+                                              <p:pRg st="10" end="10"/>
                                             </p:txEl>
                                           </p:spTgt>
                                         </p:tgtEl>
@@ -29791,7 +29555,7 @@
           <a:p>
             <a:pPr eaLnBrk="1" hangingPunct="1"/>
             <a:r>
-              <a:rPr lang="nl-NL" smtClean="0"/>
+              <a:rPr lang="nl-NL"/>
               <a:t>Reisby Example, use baseline HDRS as covariate</a:t>
             </a:r>
           </a:p>
@@ -29814,55 +29578,87 @@
           <a:p>
             <a:pPr eaLnBrk="1" hangingPunct="1"/>
             <a:r>
-              <a:rPr lang="en-US" dirty="0" smtClean="0"/>
+              <a:rPr lang="en-US" dirty="0"/>
               <a:t>Select only time &gt;0, use </a:t>
             </a:r>
             <a:r>
-              <a:rPr lang="en-US" dirty="0" err="1" smtClean="0"/>
+              <a:rPr lang="en-US" dirty="0" err="1"/>
               <a:t>hdrs.base</a:t>
             </a:r>
             <a:r>
-              <a:rPr lang="en-US" dirty="0" smtClean="0"/>
+              <a:rPr lang="en-US" dirty="0"/>
               <a:t> as covariate in mixed model with random intercept, random slope, fixed time &amp; </a:t>
             </a:r>
             <a:r>
-              <a:rPr lang="en-US" dirty="0" err="1" smtClean="0"/>
+              <a:rPr lang="en-US" dirty="0" err="1"/>
               <a:t>endo</a:t>
             </a:r>
-            <a:endParaRPr lang="en-US" dirty="0" smtClean="0"/>
+            <a:endParaRPr lang="en-US" dirty="0"/>
           </a:p>
           <a:p>
             <a:pPr eaLnBrk="1" hangingPunct="1"/>
             <a:r>
-              <a:rPr lang="en-US" dirty="0" smtClean="0"/>
+              <a:rPr lang="en-US" dirty="0"/>
               <a:t>What do you expect will happen to:</a:t>
             </a:r>
           </a:p>
           <a:p>
             <a:pPr lvl="1" eaLnBrk="1" hangingPunct="1"/>
             <a:r>
-              <a:rPr lang="en-US" dirty="0" smtClean="0"/>
+              <a:rPr lang="en-US" dirty="0"/>
               <a:t>…the variance of the random intercept?</a:t>
             </a:r>
           </a:p>
           <a:p>
             <a:pPr lvl="2"/>
-            <a:endParaRPr lang="en-US" dirty="0" smtClean="0"/>
+            <a:r>
+              <a:rPr lang="en-US" dirty="0"/>
+              <a:t>Will baseline HDRS explain variation in intercepts between patients</a:t>
+            </a:r>
+          </a:p>
+          <a:p>
+            <a:pPr lvl="2"/>
+            <a:r>
+              <a:rPr lang="en-US" dirty="0"/>
+              <a:t>Estimate reduces from 16.0 to 10.1</a:t>
+            </a:r>
+          </a:p>
+          <a:p>
+            <a:pPr lvl="2"/>
+            <a:endParaRPr lang="en-US" dirty="0"/>
           </a:p>
           <a:p>
             <a:pPr lvl="1" eaLnBrk="1" hangingPunct="1"/>
             <a:r>
-              <a:rPr lang="en-US" dirty="0" smtClean="0"/>
-              <a:t>…</a:t>
-            </a:r>
-            <a:r>
-              <a:rPr lang="en-US" dirty="0" smtClean="0"/>
-              <a:t>the variance of the random slope?</a:t>
-            </a:r>
+              <a:rPr lang="en-US" dirty="0"/>
+              <a:t>…the variance of the random slope?</a:t>
+            </a:r>
+          </a:p>
+          <a:p>
+            <a:pPr lvl="2"/>
+            <a:r>
+              <a:rPr lang="en-US" dirty="0"/>
+              <a:t>Will baseline HDRS explain variation in slopes between patients</a:t>
+            </a:r>
+          </a:p>
+          <a:p>
+            <a:pPr lvl="2"/>
+            <a:r>
+              <a:rPr lang="en-US"/>
+              <a:t>Estimate remains </a:t>
+            </a:r>
+            <a:r>
+              <a:rPr lang="en-US" dirty="0"/>
+              <a:t>much the same</a:t>
+            </a:r>
+          </a:p>
+          <a:p>
+            <a:pPr lvl="1" eaLnBrk="1" hangingPunct="1"/>
+            <a:endParaRPr lang="en-US" dirty="0"/>
           </a:p>
           <a:p>
             <a:pPr eaLnBrk="1" hangingPunct="1"/>
-            <a:endParaRPr lang="nl-NL" dirty="0" smtClean="0"/>
+            <a:endParaRPr lang="nl-NL" dirty="0"/>
           </a:p>
         </p:txBody>
       </p:sp>
@@ -29997,7 +29793,203 @@
                                         <p:tgtEl>
                                           <p:spTgt spid="59395">
                                             <p:txEl>
+                                              <p:pRg st="3" end="3"/>
+                                            </p:txEl>
+                                          </p:spTgt>
+                                        </p:tgtEl>
+                                        <p:attrNameLst>
+                                          <p:attrName>style.visibility</p:attrName>
+                                        </p:attrNameLst>
+                                      </p:cBhvr>
+                                      <p:to>
+                                        <p:strVal val="visible"/>
+                                      </p:to>
+                                    </p:set>
+                                  </p:childTnLst>
+                                </p:cTn>
+                              </p:par>
+                            </p:childTnLst>
+                          </p:cTn>
+                        </p:par>
+                      </p:childTnLst>
+                    </p:cTn>
+                  </p:par>
+                  <p:par>
+                    <p:cTn id="11" fill="hold">
+                      <p:stCondLst>
+                        <p:cond delay="indefinite"/>
+                      </p:stCondLst>
+                      <p:childTnLst>
+                        <p:par>
+                          <p:cTn id="12" fill="hold">
+                            <p:stCondLst>
+                              <p:cond delay="0"/>
+                            </p:stCondLst>
+                            <p:childTnLst>
+                              <p:par>
+                                <p:cTn id="13" presetID="1" presetClass="entr" presetSubtype="0" fill="hold" nodeType="clickEffect">
+                                  <p:stCondLst>
+                                    <p:cond delay="0"/>
+                                  </p:stCondLst>
+                                  <p:childTnLst>
+                                    <p:set>
+                                      <p:cBhvr>
+                                        <p:cTn id="14" dur="1" fill="hold">
+                                          <p:stCondLst>
+                                            <p:cond delay="0"/>
+                                          </p:stCondLst>
+                                        </p:cTn>
+                                        <p:tgtEl>
+                                          <p:spTgt spid="59395">
+                                            <p:txEl>
                                               <p:pRg st="4" end="4"/>
+                                            </p:txEl>
+                                          </p:spTgt>
+                                        </p:tgtEl>
+                                        <p:attrNameLst>
+                                          <p:attrName>style.visibility</p:attrName>
+                                        </p:attrNameLst>
+                                      </p:cBhvr>
+                                      <p:to>
+                                        <p:strVal val="visible"/>
+                                      </p:to>
+                                    </p:set>
+                                  </p:childTnLst>
+                                </p:cTn>
+                              </p:par>
+                            </p:childTnLst>
+                          </p:cTn>
+                        </p:par>
+                      </p:childTnLst>
+                    </p:cTn>
+                  </p:par>
+                  <p:par>
+                    <p:cTn id="15" fill="hold">
+                      <p:stCondLst>
+                        <p:cond delay="indefinite"/>
+                      </p:stCondLst>
+                      <p:childTnLst>
+                        <p:par>
+                          <p:cTn id="16" fill="hold">
+                            <p:stCondLst>
+                              <p:cond delay="0"/>
+                            </p:stCondLst>
+                            <p:childTnLst>
+                              <p:par>
+                                <p:cTn id="17" presetID="1" presetClass="entr" presetSubtype="0" fill="hold" nodeType="clickEffect">
+                                  <p:stCondLst>
+                                    <p:cond delay="0"/>
+                                  </p:stCondLst>
+                                  <p:childTnLst>
+                                    <p:set>
+                                      <p:cBhvr>
+                                        <p:cTn id="18" dur="1" fill="hold">
+                                          <p:stCondLst>
+                                            <p:cond delay="0"/>
+                                          </p:stCondLst>
+                                        </p:cTn>
+                                        <p:tgtEl>
+                                          <p:spTgt spid="59395">
+                                            <p:txEl>
+                                              <p:pRg st="6" end="6"/>
+                                            </p:txEl>
+                                          </p:spTgt>
+                                        </p:tgtEl>
+                                        <p:attrNameLst>
+                                          <p:attrName>style.visibility</p:attrName>
+                                        </p:attrNameLst>
+                                      </p:cBhvr>
+                                      <p:to>
+                                        <p:strVal val="visible"/>
+                                      </p:to>
+                                    </p:set>
+                                  </p:childTnLst>
+                                </p:cTn>
+                              </p:par>
+                            </p:childTnLst>
+                          </p:cTn>
+                        </p:par>
+                      </p:childTnLst>
+                    </p:cTn>
+                  </p:par>
+                  <p:par>
+                    <p:cTn id="19" fill="hold">
+                      <p:stCondLst>
+                        <p:cond delay="indefinite"/>
+                      </p:stCondLst>
+                      <p:childTnLst>
+                        <p:par>
+                          <p:cTn id="20" fill="hold">
+                            <p:stCondLst>
+                              <p:cond delay="0"/>
+                            </p:stCondLst>
+                            <p:childTnLst>
+                              <p:par>
+                                <p:cTn id="21" presetID="1" presetClass="entr" presetSubtype="0" fill="hold" nodeType="clickEffect">
+                                  <p:stCondLst>
+                                    <p:cond delay="0"/>
+                                  </p:stCondLst>
+                                  <p:childTnLst>
+                                    <p:set>
+                                      <p:cBhvr>
+                                        <p:cTn id="22" dur="1" fill="hold">
+                                          <p:stCondLst>
+                                            <p:cond delay="0"/>
+                                          </p:stCondLst>
+                                        </p:cTn>
+                                        <p:tgtEl>
+                                          <p:spTgt spid="59395">
+                                            <p:txEl>
+                                              <p:pRg st="7" end="7"/>
+                                            </p:txEl>
+                                          </p:spTgt>
+                                        </p:tgtEl>
+                                        <p:attrNameLst>
+                                          <p:attrName>style.visibility</p:attrName>
+                                        </p:attrNameLst>
+                                      </p:cBhvr>
+                                      <p:to>
+                                        <p:strVal val="visible"/>
+                                      </p:to>
+                                    </p:set>
+                                  </p:childTnLst>
+                                </p:cTn>
+                              </p:par>
+                            </p:childTnLst>
+                          </p:cTn>
+                        </p:par>
+                      </p:childTnLst>
+                    </p:cTn>
+                  </p:par>
+                  <p:par>
+                    <p:cTn id="23" fill="hold">
+                      <p:stCondLst>
+                        <p:cond delay="indefinite"/>
+                      </p:stCondLst>
+                      <p:childTnLst>
+                        <p:par>
+                          <p:cTn id="24" fill="hold">
+                            <p:stCondLst>
+                              <p:cond delay="0"/>
+                            </p:stCondLst>
+                            <p:childTnLst>
+                              <p:par>
+                                <p:cTn id="25" presetID="1" presetClass="entr" presetSubtype="0" fill="hold" nodeType="clickEffect">
+                                  <p:stCondLst>
+                                    <p:cond delay="0"/>
+                                  </p:stCondLst>
+                                  <p:childTnLst>
+                                    <p:set>
+                                      <p:cBhvr>
+                                        <p:cTn id="26" dur="1" fill="hold">
+                                          <p:stCondLst>
+                                            <p:cond delay="0"/>
+                                          </p:stCondLst>
+                                        </p:cTn>
+                                        <p:tgtEl>
+                                          <p:spTgt spid="59395">
+                                            <p:txEl>
+                                              <p:pRg st="8" end="8"/>
                                             </p:txEl>
                                           </p:spTgt>
                                         </p:tgtEl>
@@ -30076,14 +30068,14 @@
           <a:lstStyle/>
           <a:p>
             <a:r>
-              <a:rPr lang="nl-NL" smtClean="0"/>
+              <a:rPr lang="nl-NL"/>
               <a:t>Summary </a:t>
             </a:r>
             <a:r>
-              <a:rPr lang="en-US" smtClean="0"/>
+              <a:rPr lang="en-US"/>
               <a:t>longitudinal data</a:t>
             </a:r>
-            <a:endParaRPr lang="nl-NL" smtClean="0"/>
+            <a:endParaRPr lang="nl-NL"/>
           </a:p>
         </p:txBody>
       </p:sp>
@@ -30103,94 +30095,90 @@
           <a:lstStyle/>
           <a:p>
             <a:r>
-              <a:rPr lang="en-US" dirty="0" smtClean="0"/>
+              <a:rPr lang="en-US" dirty="0"/>
               <a:t>Longitudinal data is a specific form of multilevel data</a:t>
             </a:r>
           </a:p>
           <a:p>
             <a:pPr lvl="1"/>
             <a:r>
-              <a:rPr lang="en-US" dirty="0" smtClean="0"/>
+              <a:rPr lang="en-US" dirty="0"/>
               <a:t>measurements within patients, challenge is in modelling time properly</a:t>
             </a:r>
           </a:p>
           <a:p>
             <a:r>
-              <a:rPr lang="en-US" dirty="0" smtClean="0"/>
+              <a:rPr lang="en-US" dirty="0"/>
               <a:t>Time can be continuous or discrete</a:t>
             </a:r>
           </a:p>
           <a:p>
             <a:pPr lvl="1"/>
             <a:r>
-              <a:rPr lang="en-US" dirty="0" smtClean="0"/>
+              <a:rPr lang="en-US" dirty="0"/>
               <a:t>discrete: everyone measured at a few specific time points</a:t>
             </a:r>
           </a:p>
           <a:p>
             <a:pPr lvl="2"/>
             <a:r>
-              <a:rPr lang="en-US" dirty="0" smtClean="0"/>
+              <a:rPr lang="en-US" dirty="0"/>
               <a:t>but, with 3+ measurements per person and approximately linear time trends, you could still consider modelling data as continuous</a:t>
             </a:r>
           </a:p>
           <a:p>
             <a:pPr lvl="1"/>
             <a:r>
-              <a:rPr lang="en-US" dirty="0" smtClean="0"/>
+              <a:rPr lang="en-US" dirty="0"/>
               <a:t>continuous: measurements at different times for different individuals</a:t>
             </a:r>
           </a:p>
           <a:p>
             <a:r>
-              <a:rPr lang="en-US" dirty="0" smtClean="0"/>
+              <a:rPr lang="en-US" dirty="0"/>
               <a:t>We can account for correlation of measurements over time</a:t>
             </a:r>
           </a:p>
           <a:p>
             <a:pPr lvl="1"/>
             <a:r>
-              <a:rPr lang="en-US" dirty="0" smtClean="0"/>
+              <a:rPr lang="en-US" dirty="0"/>
               <a:t>explicitly: variance-covariance matrix of residuals (CPMs)</a:t>
             </a:r>
           </a:p>
           <a:p>
             <a:pPr lvl="2"/>
             <a:r>
-              <a:rPr lang="en-US" dirty="0" smtClean="0"/>
+              <a:rPr lang="en-US" dirty="0"/>
               <a:t>primarily when everyone (theoretically) measured at same time points</a:t>
             </a:r>
           </a:p>
           <a:p>
             <a:pPr lvl="1"/>
             <a:r>
-              <a:rPr lang="en-US" dirty="0" smtClean="0"/>
+              <a:rPr lang="en-US" dirty="0"/>
               <a:t>implicitly: random intercept, random slope for time (LMEs)</a:t>
             </a:r>
           </a:p>
           <a:p>
             <a:pPr lvl="1"/>
             <a:r>
-              <a:rPr lang="en-US" dirty="0" smtClean="0"/>
+              <a:rPr lang="en-US" dirty="0"/>
               <a:t>(both explicitly &amp; implicitly: LMEs with </a:t>
             </a:r>
             <a:r>
-              <a:rPr lang="en-US" dirty="0" err="1" smtClean="0"/>
+              <a:rPr lang="en-US" dirty="0" err="1"/>
               <a:t>autocorrelated</a:t>
             </a:r>
             <a:r>
-              <a:rPr lang="en-US" dirty="0" smtClean="0"/>
+              <a:rPr lang="en-US" dirty="0"/>
               <a:t> errors)</a:t>
             </a:r>
           </a:p>
           <a:p>
             <a:r>
               <a:rPr lang="en-US" dirty="0"/>
-              <a:t>“Baseline” measurement of outcome has different meaning depending on study </a:t>
-            </a:r>
-            <a:r>
-              <a:rPr lang="en-US" dirty="0" smtClean="0"/>
-              <a:t>design</a:t>
+              <a:t>“Baseline” measurement of outcome has different meaning depending on study design</a:t>
             </a:r>
           </a:p>
         </p:txBody>
@@ -30224,13 +30212,6 @@
   <p:clrMapOvr>
     <a:masterClrMapping/>
   </p:clrMapOvr>
-  <p:timing>
-    <p:tnLst>
-      <p:par>
-        <p:cTn id="1" dur="indefinite" restart="never" nodeType="tmRoot"/>
-      </p:par>
-    </p:tnLst>
-  </p:timing>
 </p:sld>
 </file>
 
@@ -30268,7 +30249,7 @@
           <a:p>
             <a:pPr eaLnBrk="1" hangingPunct="1"/>
             <a:r>
-              <a:rPr lang="nl-NL" smtClean="0"/>
+              <a:rPr lang="nl-NL"/>
               <a:t>Examples of Longitudinal Data</a:t>
             </a:r>
           </a:p>
@@ -30291,50 +30272,50 @@
           <a:p>
             <a:pPr eaLnBrk="1" hangingPunct="1"/>
             <a:r>
-              <a:rPr lang="en-US" dirty="0" smtClean="0"/>
+              <a:rPr lang="en-US" dirty="0"/>
               <a:t>Example (Stoop et al. 2012)</a:t>
             </a:r>
           </a:p>
           <a:p>
             <a:pPr lvl="1" eaLnBrk="1" hangingPunct="1"/>
             <a:r>
-              <a:rPr lang="en-US" dirty="0" smtClean="0"/>
+              <a:rPr lang="en-US" dirty="0"/>
               <a:t>14 patients with Hurler syndrome</a:t>
             </a:r>
           </a:p>
           <a:p>
             <a:pPr lvl="1" eaLnBrk="1" hangingPunct="1"/>
             <a:r>
-              <a:rPr lang="en-US" dirty="0" smtClean="0"/>
+              <a:rPr lang="en-US" dirty="0"/>
               <a:t>after </a:t>
             </a:r>
             <a:r>
-              <a:rPr lang="en-US" dirty="0" err="1" smtClean="0"/>
+              <a:rPr lang="en-US" dirty="0" err="1"/>
               <a:t>haematopoietic</a:t>
             </a:r>
             <a:r>
-              <a:rPr lang="en-US" dirty="0" smtClean="0"/>
+              <a:rPr lang="en-US" dirty="0"/>
               <a:t> stem cell transplantation</a:t>
             </a:r>
           </a:p>
           <a:p>
             <a:pPr lvl="1" eaLnBrk="1" hangingPunct="1"/>
             <a:r>
-              <a:rPr lang="en-US" dirty="0" smtClean="0"/>
+              <a:rPr lang="en-US" dirty="0"/>
               <a:t>various radiologic measurements, including the odontoid/body ratio</a:t>
             </a:r>
           </a:p>
           <a:p>
             <a:pPr lvl="1" eaLnBrk="1" hangingPunct="1"/>
             <a:r>
-              <a:rPr lang="en-US" b="1" dirty="0" smtClean="0"/>
+              <a:rPr lang="en-US" b="1" dirty="0"/>
               <a:t>Research question</a:t>
             </a:r>
             <a:r>
-              <a:rPr lang="en-US" dirty="0" smtClean="0"/>
+              <a:rPr lang="en-US" dirty="0"/>
               <a:t>: what is the pattern of orthopedic manifestations after stem cell transplant?</a:t>
             </a:r>
-            <a:endParaRPr lang="nl-NL" dirty="0" smtClean="0"/>
+            <a:endParaRPr lang="nl-NL" dirty="0"/>
           </a:p>
         </p:txBody>
       </p:sp>
@@ -30372,13 +30353,6 @@
   <p:clrMapOvr>
     <a:masterClrMapping/>
   </p:clrMapOvr>
-  <p:timing>
-    <p:tnLst>
-      <p:par>
-        <p:cTn id="1" dur="indefinite" restart="never" nodeType="tmRoot"/>
-      </p:par>
-    </p:tnLst>
-  </p:timing>
 </p:sld>
 </file>
 
@@ -30419,10 +30393,9 @@
           <a:lstStyle/>
           <a:p>
             <a:r>
-              <a:rPr lang="en-US" smtClean="0"/>
+              <a:rPr lang="en-US"/>
               <a:t>Reisby et al.</a:t>
             </a:r>
-            <a:endParaRPr lang="en-US"/>
           </a:p>
         </p:txBody>
       </p:sp>
@@ -30475,10 +30448,9 @@
           <a:lstStyle/>
           <a:p>
             <a:r>
-              <a:rPr lang="en-US" smtClean="0"/>
+              <a:rPr lang="en-US"/>
               <a:t>Stoop et al.</a:t>
             </a:r>
-            <a:endParaRPr lang="en-US"/>
           </a:p>
         </p:txBody>
       </p:sp>
@@ -30498,7 +30470,7 @@
           <a:lstStyle/>
           <a:p>
             <a:r>
-              <a:rPr lang="nl-NL" smtClean="0"/>
+              <a:rPr lang="nl-NL"/>
               <a:t>Examples of Longitudinal Data</a:t>
             </a:r>
             <a:endParaRPr lang="en-US"/>
@@ -30571,13 +30543,6 @@
   <p:clrMapOvr>
     <a:masterClrMapping/>
   </p:clrMapOvr>
-  <p:timing>
-    <p:tnLst>
-      <p:par>
-        <p:cTn id="1" dur="indefinite" restart="never" nodeType="tmRoot"/>
-      </p:par>
-    </p:tnLst>
-  </p:timing>
 </p:sld>
 </file>
 
@@ -30614,7 +30579,7 @@
           <a:lstStyle/>
           <a:p>
             <a:r>
-              <a:rPr lang="nl-NL" smtClean="0"/>
+              <a:rPr lang="nl-NL"/>
               <a:t>Example: Reisby Data</a:t>
             </a:r>
             <a:endParaRPr lang="en-US"/>
@@ -30637,7 +30602,7 @@
           <a:lstStyle/>
           <a:p>
             <a:r>
-              <a:rPr lang="en-US" dirty="0" smtClean="0"/>
+              <a:rPr lang="en-US" dirty="0"/>
               <a:t>Research question: differing patterns over time for the two groups?</a:t>
             </a:r>
           </a:p>
@@ -30647,14 +30612,14 @@
               <a:buChar char="Ø"/>
             </a:pPr>
             <a:r>
-              <a:rPr lang="en-US" dirty="0" smtClean="0"/>
+              <a:rPr lang="en-US" dirty="0"/>
               <a:t>fixed effects for intercept, time, group &amp; group*time</a:t>
             </a:r>
           </a:p>
           <a:p>
             <a:pPr lvl="1"/>
             <a:r>
-              <a:rPr lang="en-US" dirty="0" smtClean="0"/>
+              <a:rPr lang="en-US" dirty="0"/>
               <a:t>time continuous or categorical?</a:t>
             </a:r>
           </a:p>
@@ -30663,11 +30628,11 @@
               <a:buFont typeface="Arial" pitchFamily="34" charset="0"/>
               <a:buChar char="•"/>
             </a:pPr>
-            <a:endParaRPr lang="en-US" dirty="0" smtClean="0"/>
-          </a:p>
-          <a:p>
-            <a:r>
-              <a:rPr lang="en-US" dirty="0" smtClean="0"/>
+            <a:endParaRPr lang="en-US" dirty="0"/>
+          </a:p>
+          <a:p>
+            <a:r>
+              <a:rPr lang="en-US" dirty="0"/>
               <a:t>How to deal with multiple measurements?</a:t>
             </a:r>
           </a:p>
@@ -30677,35 +30642,35 @@
               <a:buChar char="Ø"/>
             </a:pPr>
             <a:r>
-              <a:rPr lang="en-US" dirty="0" smtClean="0"/>
+              <a:rPr lang="en-US" dirty="0"/>
               <a:t>Random effects</a:t>
             </a:r>
           </a:p>
           <a:p>
             <a:pPr lvl="2"/>
             <a:r>
-              <a:rPr lang="en-US" dirty="0" smtClean="0"/>
+              <a:rPr lang="en-US" dirty="0"/>
               <a:t>intercept?</a:t>
             </a:r>
           </a:p>
           <a:p>
             <a:pPr lvl="3"/>
             <a:r>
-              <a:rPr lang="en-US" dirty="0" smtClean="0"/>
+              <a:rPr lang="en-US" dirty="0"/>
               <a:t>each patient seems to have a different starting point</a:t>
             </a:r>
           </a:p>
           <a:p>
             <a:pPr lvl="2"/>
             <a:r>
-              <a:rPr lang="en-US" dirty="0" smtClean="0"/>
+              <a:rPr lang="en-US" dirty="0"/>
               <a:t>slope of time?</a:t>
             </a:r>
           </a:p>
           <a:p>
             <a:pPr lvl="3"/>
             <a:r>
-              <a:rPr lang="en-US" dirty="0" smtClean="0"/>
+              <a:rPr lang="en-US" dirty="0"/>
               <a:t>could be patients have differing slopes over time</a:t>
             </a:r>
           </a:p>
@@ -30749,13 +30714,6 @@
   <p:clrMapOvr>
     <a:masterClrMapping/>
   </p:clrMapOvr>
-  <p:timing>
-    <p:tnLst>
-      <p:par>
-        <p:cTn id="1" dur="indefinite" restart="never" nodeType="tmRoot"/>
-      </p:par>
-    </p:tnLst>
-  </p:timing>
 </p:sld>
 </file>
 
@@ -30793,10 +30751,10 @@
           <a:p>
             <a:pPr eaLnBrk="1" hangingPunct="1"/>
             <a:r>
-              <a:rPr lang="nl-NL" sz="2800" smtClean="0"/>
+              <a:rPr lang="nl-NL" sz="2800"/>
               <a:t>Example: Reisby Data</a:t>
             </a:r>
-            <a:endParaRPr lang="nl-NL" sz="2800" dirty="0" smtClean="0"/>
+            <a:endParaRPr lang="nl-NL" sz="2800" dirty="0"/>
           </a:p>
         </p:txBody>
       </p:sp>
@@ -30821,127 +30779,127 @@
               </a:lnSpc>
             </a:pPr>
             <a:r>
-              <a:rPr lang="nl-NL" dirty="0" smtClean="0">
+              <a:rPr lang="nl-NL" dirty="0">
                 <a:latin typeface="Courier New" pitchFamily="49" charset="0"/>
               </a:rPr>
               <a:t>&gt; </a:t>
             </a:r>
             <a:r>
-              <a:rPr lang="nl-NL" dirty="0" err="1" smtClean="0">
+              <a:rPr lang="nl-NL" dirty="0" err="1">
                 <a:latin typeface="Courier New" pitchFamily="49" charset="0"/>
               </a:rPr>
               <a:t>reisby.wide</a:t>
             </a:r>
             <a:r>
-              <a:rPr lang="nl-NL" dirty="0" smtClean="0">
+              <a:rPr lang="nl-NL" dirty="0">
                 <a:latin typeface="Courier New" pitchFamily="49" charset="0"/>
               </a:rPr>
               <a:t> &lt;- </a:t>
             </a:r>
             <a:r>
-              <a:rPr lang="nl-NL" dirty="0" err="1" smtClean="0">
+              <a:rPr lang="nl-NL" dirty="0" err="1">
                 <a:latin typeface="Courier New" pitchFamily="49" charset="0"/>
               </a:rPr>
               <a:t>reshape</a:t>
             </a:r>
             <a:r>
-              <a:rPr lang="nl-NL" dirty="0" smtClean="0">
+              <a:rPr lang="nl-NL" dirty="0">
                 <a:latin typeface="Courier New" pitchFamily="49" charset="0"/>
               </a:rPr>
               <a:t>(</a:t>
             </a:r>
             <a:r>
-              <a:rPr lang="nl-NL" dirty="0" err="1" smtClean="0">
+              <a:rPr lang="nl-NL" dirty="0" err="1">
                 <a:latin typeface="Courier New" pitchFamily="49" charset="0"/>
               </a:rPr>
               <a:t>reisby.long</a:t>
             </a:r>
             <a:r>
-              <a:rPr lang="nl-NL" dirty="0" smtClean="0">
+              <a:rPr lang="nl-NL" dirty="0">
                 <a:latin typeface="Courier New" pitchFamily="49" charset="0"/>
               </a:rPr>
               <a:t>, </a:t>
             </a:r>
             <a:r>
-              <a:rPr lang="nl-NL" dirty="0" err="1" smtClean="0">
+              <a:rPr lang="nl-NL" dirty="0" err="1">
                 <a:latin typeface="Courier New" pitchFamily="49" charset="0"/>
               </a:rPr>
               <a:t>v.names</a:t>
             </a:r>
             <a:r>
-              <a:rPr lang="nl-NL" dirty="0" smtClean="0">
+              <a:rPr lang="nl-NL" dirty="0">
                 <a:latin typeface="Courier New" pitchFamily="49" charset="0"/>
               </a:rPr>
               <a:t>="</a:t>
             </a:r>
             <a:r>
-              <a:rPr lang="nl-NL" dirty="0" err="1" smtClean="0">
+              <a:rPr lang="nl-NL" dirty="0" err="1">
                 <a:latin typeface="Courier New" pitchFamily="49" charset="0"/>
               </a:rPr>
               <a:t>hdrs</a:t>
             </a:r>
             <a:r>
-              <a:rPr lang="nl-NL" dirty="0" smtClean="0">
+              <a:rPr lang="nl-NL" dirty="0">
                 <a:latin typeface="Courier New" pitchFamily="49" charset="0"/>
               </a:rPr>
               <a:t>", </a:t>
             </a:r>
             <a:r>
-              <a:rPr lang="nl-NL" dirty="0" err="1" smtClean="0">
+              <a:rPr lang="nl-NL" dirty="0" err="1">
                 <a:latin typeface="Courier New" pitchFamily="49" charset="0"/>
               </a:rPr>
               <a:t>idvar</a:t>
             </a:r>
             <a:r>
-              <a:rPr lang="nl-NL" dirty="0" smtClean="0">
+              <a:rPr lang="nl-NL" dirty="0">
                 <a:latin typeface="Courier New" pitchFamily="49" charset="0"/>
               </a:rPr>
               <a:t>="</a:t>
             </a:r>
             <a:r>
-              <a:rPr lang="nl-NL" dirty="0" err="1" smtClean="0">
+              <a:rPr lang="nl-NL" dirty="0" err="1">
                 <a:latin typeface="Courier New" pitchFamily="49" charset="0"/>
               </a:rPr>
               <a:t>id</a:t>
             </a:r>
             <a:r>
-              <a:rPr lang="nl-NL" dirty="0" smtClean="0">
+              <a:rPr lang="nl-NL" dirty="0">
                 <a:latin typeface="Courier New" pitchFamily="49" charset="0"/>
               </a:rPr>
               <a:t>", </a:t>
             </a:r>
             <a:r>
-              <a:rPr lang="nl-NL" dirty="0" err="1" smtClean="0">
+              <a:rPr lang="nl-NL" dirty="0" err="1">
                 <a:latin typeface="Courier New" pitchFamily="49" charset="0"/>
               </a:rPr>
               <a:t>timevar</a:t>
             </a:r>
             <a:r>
-              <a:rPr lang="nl-NL" dirty="0" smtClean="0">
+              <a:rPr lang="nl-NL" dirty="0">
                 <a:latin typeface="Courier New" pitchFamily="49" charset="0"/>
               </a:rPr>
               <a:t>="week", </a:t>
             </a:r>
             <a:r>
-              <a:rPr lang="nl-NL" dirty="0" err="1" smtClean="0">
+              <a:rPr lang="nl-NL" dirty="0" err="1">
                 <a:latin typeface="Courier New" pitchFamily="49" charset="0"/>
               </a:rPr>
               <a:t>direction</a:t>
             </a:r>
             <a:r>
-              <a:rPr lang="nl-NL" dirty="0" smtClean="0">
+              <a:rPr lang="nl-NL" dirty="0">
                 <a:latin typeface="Courier New" pitchFamily="49" charset="0"/>
               </a:rPr>
               <a:t>="</a:t>
             </a:r>
             <a:r>
-              <a:rPr lang="nl-NL" dirty="0" err="1" smtClean="0">
+              <a:rPr lang="nl-NL" dirty="0" err="1">
                 <a:latin typeface="Courier New" pitchFamily="49" charset="0"/>
               </a:rPr>
               <a:t>wide</a:t>
             </a:r>
             <a:r>
-              <a:rPr lang="nl-NL" dirty="0" smtClean="0">
+              <a:rPr lang="nl-NL" dirty="0">
                 <a:latin typeface="Courier New" pitchFamily="49" charset="0"/>
               </a:rPr>
               <a:t>")</a:t>
@@ -30957,31 +30915,31 @@
               </a:spcBef>
             </a:pPr>
             <a:r>
-              <a:rPr lang="en-US" dirty="0" smtClean="0">
+              <a:rPr lang="en-US" dirty="0">
                 <a:latin typeface="Courier New" pitchFamily="49" charset="0"/>
               </a:rPr>
               <a:t>&gt; by(</a:t>
             </a:r>
             <a:r>
-              <a:rPr lang="en-US" dirty="0" err="1" smtClean="0">
+              <a:rPr lang="en-US" dirty="0" err="1">
                 <a:latin typeface="Courier New" pitchFamily="49" charset="0"/>
               </a:rPr>
               <a:t>reisby.wide</a:t>
             </a:r>
             <a:r>
-              <a:rPr lang="en-US" dirty="0" smtClean="0">
+              <a:rPr lang="en-US" dirty="0">
                 <a:latin typeface="Courier New" pitchFamily="49" charset="0"/>
               </a:rPr>
               <a:t>[,3:8], </a:t>
             </a:r>
             <a:r>
-              <a:rPr lang="en-US" dirty="0" err="1" smtClean="0">
+              <a:rPr lang="en-US" dirty="0" err="1">
                 <a:latin typeface="Courier New" pitchFamily="49" charset="0"/>
               </a:rPr>
               <a:t>reisby.wide$endo</a:t>
             </a:r>
             <a:r>
-              <a:rPr lang="en-US" dirty="0" smtClean="0">
+              <a:rPr lang="en-US" dirty="0">
                 <a:latin typeface="Courier New" pitchFamily="49" charset="0"/>
               </a:rPr>
               <a:t>, describe)</a:t>
@@ -30997,13 +30955,13 @@
               </a:spcBef>
             </a:pPr>
             <a:r>
-              <a:rPr lang="en-US" dirty="0" err="1" smtClean="0">
+              <a:rPr lang="en-US" dirty="0" err="1">
                 <a:latin typeface="Courier New" pitchFamily="49" charset="0"/>
               </a:rPr>
               <a:t>endo</a:t>
             </a:r>
             <a:r>
-              <a:rPr lang="en-US" dirty="0" smtClean="0">
+              <a:rPr lang="en-US" dirty="0">
                 <a:latin typeface="Courier New" pitchFamily="49" charset="0"/>
               </a:rPr>
               <a:t>: 0</a:t>
@@ -31019,31 +30977,31 @@
               </a:spcBef>
             </a:pPr>
             <a:r>
-              <a:rPr lang="en-US" dirty="0" smtClean="0">
+              <a:rPr lang="en-US" dirty="0">
                 <a:latin typeface="Courier New" pitchFamily="49" charset="0"/>
               </a:rPr>
               <a:t>       </a:t>
             </a:r>
             <a:r>
-              <a:rPr lang="en-US" dirty="0" err="1" smtClean="0">
+              <a:rPr lang="en-US" dirty="0" err="1">
                 <a:latin typeface="Courier New" pitchFamily="49" charset="0"/>
               </a:rPr>
               <a:t>var</a:t>
             </a:r>
             <a:r>
-              <a:rPr lang="en-US" dirty="0" smtClean="0">
+              <a:rPr lang="en-US" dirty="0">
                 <a:latin typeface="Courier New" pitchFamily="49" charset="0"/>
               </a:rPr>
               <a:t>  n  mean   </a:t>
             </a:r>
             <a:r>
-              <a:rPr lang="en-US" dirty="0" err="1" smtClean="0">
+              <a:rPr lang="en-US" dirty="0" err="1">
                 <a:latin typeface="Courier New" pitchFamily="49" charset="0"/>
               </a:rPr>
               <a:t>sd</a:t>
             </a:r>
             <a:r>
-              <a:rPr lang="en-US" dirty="0" smtClean="0">
+              <a:rPr lang="en-US" dirty="0">
                 <a:latin typeface="Courier New" pitchFamily="49" charset="0"/>
               </a:rPr>
               <a:t> median  </a:t>
@@ -31059,7 +31017,7 @@
               </a:spcBef>
             </a:pPr>
             <a:r>
-              <a:rPr lang="en-US" dirty="0" smtClean="0">
+              <a:rPr lang="en-US" dirty="0">
                 <a:latin typeface="Courier New" pitchFamily="49" charset="0"/>
               </a:rPr>
               <a:t>hdrs.0   1 28 22.79 4.12   22.0</a:t>
@@ -31075,7 +31033,7 @@
               </a:spcBef>
             </a:pPr>
             <a:r>
-              <a:rPr lang="en-US" dirty="0" smtClean="0">
+              <a:rPr lang="en-US" dirty="0">
                 <a:latin typeface="Courier New" pitchFamily="49" charset="0"/>
               </a:rPr>
               <a:t>hdrs.1   2 29 20.48 3.83   21.0</a:t>
@@ -31091,7 +31049,7 @@
               </a:spcBef>
             </a:pPr>
             <a:r>
-              <a:rPr lang="en-US" dirty="0" smtClean="0">
+              <a:rPr lang="en-US" dirty="0">
                 <a:latin typeface="Courier New" pitchFamily="49" charset="0"/>
               </a:rPr>
               <a:t>hdrs.2   3 28 17.00 4.35   16.5</a:t>
@@ -31107,7 +31065,7 @@
               </a:spcBef>
             </a:pPr>
             <a:r>
-              <a:rPr lang="en-US" dirty="0" smtClean="0">
+              <a:rPr lang="en-US" dirty="0">
                 <a:latin typeface="Courier New" pitchFamily="49" charset="0"/>
               </a:rPr>
               <a:t>hdrs.3   4 29 15.34 6.17   16.0</a:t>
@@ -31123,7 +31081,7 @@
               </a:spcBef>
             </a:pPr>
             <a:r>
-              <a:rPr lang="en-US" dirty="0" smtClean="0">
+              <a:rPr lang="en-US" dirty="0">
                 <a:latin typeface="Courier New" pitchFamily="49" charset="0"/>
               </a:rPr>
               <a:t>hdrs.4   5 29 12.62 6.72   12.0</a:t>
@@ -31139,7 +31097,7 @@
               </a:spcBef>
             </a:pPr>
             <a:r>
-              <a:rPr lang="en-US" dirty="0" smtClean="0">
+              <a:rPr lang="en-US" dirty="0">
                 <a:latin typeface="Courier New" pitchFamily="49" charset="0"/>
               </a:rPr>
               <a:t>hdrs.5   6 27 11.22 6.34   11.0</a:t>
@@ -31155,7 +31113,7 @@
               </a:spcBef>
             </a:pPr>
             <a:r>
-              <a:rPr lang="en-US" dirty="0" smtClean="0">
+              <a:rPr lang="en-US" dirty="0">
                 <a:latin typeface="Courier New" pitchFamily="49" charset="0"/>
               </a:rPr>
               <a:t>------------------------------------</a:t>
@@ -31171,13 +31129,13 @@
               </a:spcBef>
             </a:pPr>
             <a:r>
-              <a:rPr lang="en-US" dirty="0" err="1" smtClean="0">
+              <a:rPr lang="en-US" dirty="0" err="1">
                 <a:latin typeface="Courier New" pitchFamily="49" charset="0"/>
               </a:rPr>
               <a:t>endo</a:t>
             </a:r>
             <a:r>
-              <a:rPr lang="en-US" dirty="0" smtClean="0">
+              <a:rPr lang="en-US" dirty="0">
                 <a:latin typeface="Courier New" pitchFamily="49" charset="0"/>
               </a:rPr>
               <a:t>: 1</a:t>
@@ -31193,31 +31151,31 @@
               </a:spcBef>
             </a:pPr>
             <a:r>
-              <a:rPr lang="en-US" dirty="0" smtClean="0">
+              <a:rPr lang="en-US" dirty="0">
                 <a:latin typeface="Courier New" pitchFamily="49" charset="0"/>
               </a:rPr>
               <a:t>       </a:t>
             </a:r>
             <a:r>
-              <a:rPr lang="en-US" dirty="0" err="1" smtClean="0">
+              <a:rPr lang="en-US" dirty="0" err="1">
                 <a:latin typeface="Courier New" pitchFamily="49" charset="0"/>
               </a:rPr>
               <a:t>var</a:t>
             </a:r>
             <a:r>
-              <a:rPr lang="en-US" dirty="0" smtClean="0">
+              <a:rPr lang="en-US" dirty="0">
                 <a:latin typeface="Courier New" pitchFamily="49" charset="0"/>
               </a:rPr>
               <a:t>  n  mean   </a:t>
             </a:r>
             <a:r>
-              <a:rPr lang="en-US" dirty="0" err="1" smtClean="0">
+              <a:rPr lang="en-US" dirty="0" err="1">
                 <a:latin typeface="Courier New" pitchFamily="49" charset="0"/>
               </a:rPr>
               <a:t>sd</a:t>
             </a:r>
             <a:r>
-              <a:rPr lang="en-US" dirty="0" smtClean="0">
+              <a:rPr lang="en-US" dirty="0">
                 <a:latin typeface="Courier New" pitchFamily="49" charset="0"/>
               </a:rPr>
               <a:t> median</a:t>
@@ -31233,7 +31191,7 @@
               </a:spcBef>
             </a:pPr>
             <a:r>
-              <a:rPr lang="en-US" dirty="0" smtClean="0">
+              <a:rPr lang="en-US" dirty="0">
                 <a:latin typeface="Courier New" pitchFamily="49" charset="0"/>
               </a:rPr>
               <a:t>hdrs.0   1 33 24.00 4.85   24.0</a:t>
@@ -31249,7 +31207,7 @@
               </a:spcBef>
             </a:pPr>
             <a:r>
-              <a:rPr lang="en-US" dirty="0" smtClean="0">
+              <a:rPr lang="en-US" dirty="0">
                 <a:latin typeface="Courier New" pitchFamily="49" charset="0"/>
               </a:rPr>
               <a:t>hdrs.1   2 34 23.00 5.10   22.0</a:t>
@@ -31265,7 +31223,7 @@
               </a:spcBef>
             </a:pPr>
             <a:r>
-              <a:rPr lang="en-US" dirty="0" smtClean="0">
+              <a:rPr lang="en-US" dirty="0">
                 <a:latin typeface="Courier New" pitchFamily="49" charset="0"/>
               </a:rPr>
               <a:t>hdrs.2   3 37 19.30 6.08   18.0</a:t>
@@ -31281,7 +31239,7 @@
               </a:spcBef>
             </a:pPr>
             <a:r>
-              <a:rPr lang="en-US" dirty="0" smtClean="0">
+              <a:rPr lang="en-US" dirty="0">
                 <a:latin typeface="Courier New" pitchFamily="49" charset="0"/>
               </a:rPr>
               <a:t>hdrs.3   4 36 17.28 6.56   16.5</a:t>
@@ -31297,12 +31255,12 @@
               </a:spcBef>
             </a:pPr>
             <a:r>
-              <a:rPr lang="en-US" dirty="0" smtClean="0">
+              <a:rPr lang="en-US" dirty="0">
                 <a:latin typeface="Courier New" pitchFamily="49" charset="0"/>
               </a:rPr>
               <a:t>hdrs.4   5 34 14.47 7.17   14.0</a:t>
             </a:r>
-            <a:endParaRPr lang="nl-NL" dirty="0" smtClean="0">
+            <a:endParaRPr lang="nl-NL" dirty="0">
               <a:latin typeface="Courier New" pitchFamily="49" charset="0"/>
             </a:endParaRPr>
           </a:p>
@@ -31316,7 +31274,7 @@
               </a:spcBef>
             </a:pPr>
             <a:r>
-              <a:rPr lang="nl-NL" dirty="0" smtClean="0">
+              <a:rPr lang="nl-NL" dirty="0">
                 <a:latin typeface="Courier New" pitchFamily="49" charset="0"/>
               </a:rPr>
               <a:t>hdrs.5   6 31 12.58 7.96   11.0</a:t>
@@ -31331,7 +31289,7 @@
                 <a:spcPct val="0"/>
               </a:spcBef>
             </a:pPr>
-            <a:endParaRPr lang="en-US" dirty="0" smtClean="0">
+            <a:endParaRPr lang="en-US" dirty="0">
               <a:latin typeface="Courier New" pitchFamily="49" charset="0"/>
             </a:endParaRPr>
           </a:p>
@@ -31345,18 +31303,18 @@
               </a:spcBef>
             </a:pPr>
             <a:r>
-              <a:rPr lang="en-US" dirty="0" smtClean="0"/>
+              <a:rPr lang="en-US" dirty="0"/>
               <a:t>describe() function in the ‘</a:t>
             </a:r>
             <a:r>
-              <a:rPr lang="en-US" b="1" dirty="0" smtClean="0"/>
+              <a:rPr lang="en-US" b="1" dirty="0"/>
               <a:t>psych</a:t>
             </a:r>
             <a:r>
-              <a:rPr lang="en-US" dirty="0" smtClean="0"/>
+              <a:rPr lang="en-US" dirty="0"/>
               <a:t>’ package (gives more stats than presented here)</a:t>
             </a:r>
-            <a:endParaRPr lang="nl-NL" dirty="0" smtClean="0"/>
+            <a:endParaRPr lang="nl-NL" dirty="0"/>
           </a:p>
         </p:txBody>
       </p:sp>
@@ -31376,7 +31334,7 @@
           <a:lstStyle/>
           <a:p>
             <a:r>
-              <a:rPr lang="en-US" smtClean="0"/>
+              <a:rPr lang="en-US"/>
               <a:t>Descriptive Statistics (R)</a:t>
             </a:r>
             <a:endParaRPr lang="nl-NL" dirty="0"/>
@@ -31412,13 +31370,6 @@
   <p:clrMapOvr>
     <a:masterClrMapping/>
   </p:clrMapOvr>
-  <p:timing>
-    <p:tnLst>
-      <p:par>
-        <p:cTn id="1" dur="indefinite" restart="never" nodeType="tmRoot"/>
-      </p:par>
-    </p:tnLst>
-  </p:timing>
 </p:sld>
 </file>
 
@@ -31455,10 +31406,10 @@
           <a:lstStyle/>
           <a:p>
             <a:r>
-              <a:rPr lang="nl-NL" smtClean="0"/>
+              <a:rPr lang="nl-NL"/>
               <a:t>Example: Reisby Data</a:t>
             </a:r>
-            <a:endParaRPr lang="nl-NL" dirty="0" smtClean="0"/>
+            <a:endParaRPr lang="nl-NL" dirty="0"/>
           </a:p>
         </p:txBody>
       </p:sp>
@@ -31478,52 +31429,52 @@
           <a:lstStyle/>
           <a:p>
             <a:r>
-              <a:rPr lang="nl-NL" smtClean="0"/>
+              <a:rPr lang="nl-NL"/>
               <a:t>&gt; round(cor(reisby.wide[,3:8], use="pairwise.complete.obs"), digits=3)</a:t>
             </a:r>
           </a:p>
           <a:p>
-            <a:endParaRPr lang="nl-NL" smtClean="0"/>
-          </a:p>
-          <a:p>
-            <a:r>
-              <a:rPr lang="nl-NL" smtClean="0"/>
+            <a:endParaRPr lang="nl-NL"/>
+          </a:p>
+          <a:p>
+            <a:r>
+              <a:rPr lang="nl-NL"/>
               <a:t>       hdrs.0 hdrs.1 hdrs.2 hdrs.3 hdrs.4 hdrs.5</a:t>
             </a:r>
           </a:p>
           <a:p>
             <a:r>
-              <a:rPr lang="nl-NL" smtClean="0"/>
+              <a:rPr lang="nl-NL"/>
               <a:t>hdrs.0  1.000  0.493  0.410  0.333  0.227  0.184</a:t>
             </a:r>
           </a:p>
           <a:p>
             <a:r>
-              <a:rPr lang="nl-NL" smtClean="0"/>
+              <a:rPr lang="nl-NL"/>
               <a:t>hdrs.1  0.493  1.000  0.494  0.412  0.308  0.218</a:t>
             </a:r>
           </a:p>
           <a:p>
             <a:r>
-              <a:rPr lang="nl-NL" smtClean="0"/>
+              <a:rPr lang="nl-NL"/>
               <a:t>hdrs.2  0.410  0.494  1.000  0.738  0.669  0.461</a:t>
             </a:r>
           </a:p>
           <a:p>
             <a:r>
-              <a:rPr lang="nl-NL" smtClean="0"/>
+              <a:rPr lang="nl-NL"/>
               <a:t>hdrs.3  0.333  0.412  0.738  1.000  0.817  0.568</a:t>
             </a:r>
           </a:p>
           <a:p>
             <a:r>
-              <a:rPr lang="nl-NL" smtClean="0"/>
+              <a:rPr lang="nl-NL"/>
               <a:t>hdrs.4  0.227  0.308  0.669  0.817  1.000  0.654</a:t>
             </a:r>
           </a:p>
           <a:p>
             <a:r>
-              <a:rPr lang="nl-NL" smtClean="0"/>
+              <a:rPr lang="nl-NL"/>
               <a:t>hdrs.5  0.184  0.218  0.461  0.568  0.654  1.000</a:t>
             </a:r>
           </a:p>
@@ -31545,7 +31496,7 @@
           <a:lstStyle/>
           <a:p>
             <a:r>
-              <a:rPr lang="nl-NL" smtClean="0"/>
+              <a:rPr lang="nl-NL"/>
               <a:t>correlations between HDRS measurements (R)</a:t>
             </a:r>
             <a:endParaRPr lang="nl-NL" dirty="0"/>
@@ -31581,13 +31532,6 @@
   <p:clrMapOvr>
     <a:masterClrMapping/>
   </p:clrMapOvr>
-  <p:timing>
-    <p:tnLst>
-      <p:par>
-        <p:cTn id="1" dur="indefinite" restart="never" nodeType="tmRoot"/>
-      </p:par>
-    </p:tnLst>
-  </p:timing>
 </p:sld>
 </file>
 
